--- a/Dokumentation/Präsentation/BA-Präsentation.pptx
+++ b/Dokumentation/Präsentation/BA-Präsentation.pptx
@@ -5,10 +5,10 @@
     <p:sldMasterId id="2147483648" r:id="rId1"/>
   </p:sldMasterIdLst>
   <p:notesMasterIdLst>
-    <p:notesMasterId r:id="rId43"/>
+    <p:notesMasterId r:id="rId47"/>
   </p:notesMasterIdLst>
   <p:handoutMasterIdLst>
-    <p:handoutMasterId r:id="rId44"/>
+    <p:handoutMasterId r:id="rId48"/>
   </p:handoutMasterIdLst>
   <p:sldIdLst>
     <p:sldId id="297" r:id="rId2"/>
@@ -18,40 +18,44 @@
     <p:sldId id="307" r:id="rId6"/>
     <p:sldId id="303" r:id="rId7"/>
     <p:sldId id="305" r:id="rId8"/>
-    <p:sldId id="308" r:id="rId9"/>
-    <p:sldId id="304" r:id="rId10"/>
-    <p:sldId id="306" r:id="rId11"/>
-    <p:sldId id="316" r:id="rId12"/>
-    <p:sldId id="313" r:id="rId13"/>
-    <p:sldId id="315" r:id="rId14"/>
-    <p:sldId id="321" r:id="rId15"/>
-    <p:sldId id="309" r:id="rId16"/>
-    <p:sldId id="317" r:id="rId17"/>
-    <p:sldId id="318" r:id="rId18"/>
-    <p:sldId id="310" r:id="rId19"/>
-    <p:sldId id="319" r:id="rId20"/>
-    <p:sldId id="311" r:id="rId21"/>
-    <p:sldId id="320" r:id="rId22"/>
-    <p:sldId id="292" r:id="rId23"/>
-    <p:sldId id="312" r:id="rId24"/>
-    <p:sldId id="270" r:id="rId25"/>
-    <p:sldId id="271" r:id="rId26"/>
-    <p:sldId id="285" r:id="rId27"/>
-    <p:sldId id="275" r:id="rId28"/>
-    <p:sldId id="301" r:id="rId29"/>
-    <p:sldId id="276" r:id="rId30"/>
-    <p:sldId id="289" r:id="rId31"/>
-    <p:sldId id="272" r:id="rId32"/>
-    <p:sldId id="286" r:id="rId33"/>
-    <p:sldId id="273" r:id="rId34"/>
-    <p:sldId id="283" r:id="rId35"/>
-    <p:sldId id="282" r:id="rId36"/>
-    <p:sldId id="274" r:id="rId37"/>
-    <p:sldId id="287" r:id="rId38"/>
-    <p:sldId id="280" r:id="rId39"/>
-    <p:sldId id="277" r:id="rId40"/>
-    <p:sldId id="279" r:id="rId41"/>
-    <p:sldId id="278" r:id="rId42"/>
+    <p:sldId id="323" r:id="rId9"/>
+    <p:sldId id="308" r:id="rId10"/>
+    <p:sldId id="304" r:id="rId11"/>
+    <p:sldId id="306" r:id="rId12"/>
+    <p:sldId id="322" r:id="rId13"/>
+    <p:sldId id="324" r:id="rId14"/>
+    <p:sldId id="325" r:id="rId15"/>
+    <p:sldId id="326" r:id="rId16"/>
+    <p:sldId id="313" r:id="rId17"/>
+    <p:sldId id="315" r:id="rId18"/>
+    <p:sldId id="321" r:id="rId19"/>
+    <p:sldId id="309" r:id="rId20"/>
+    <p:sldId id="317" r:id="rId21"/>
+    <p:sldId id="318" r:id="rId22"/>
+    <p:sldId id="310" r:id="rId23"/>
+    <p:sldId id="319" r:id="rId24"/>
+    <p:sldId id="311" r:id="rId25"/>
+    <p:sldId id="320" r:id="rId26"/>
+    <p:sldId id="292" r:id="rId27"/>
+    <p:sldId id="312" r:id="rId28"/>
+    <p:sldId id="270" r:id="rId29"/>
+    <p:sldId id="271" r:id="rId30"/>
+    <p:sldId id="285" r:id="rId31"/>
+    <p:sldId id="275" r:id="rId32"/>
+    <p:sldId id="301" r:id="rId33"/>
+    <p:sldId id="276" r:id="rId34"/>
+    <p:sldId id="289" r:id="rId35"/>
+    <p:sldId id="272" r:id="rId36"/>
+    <p:sldId id="286" r:id="rId37"/>
+    <p:sldId id="273" r:id="rId38"/>
+    <p:sldId id="283" r:id="rId39"/>
+    <p:sldId id="282" r:id="rId40"/>
+    <p:sldId id="274" r:id="rId41"/>
+    <p:sldId id="287" r:id="rId42"/>
+    <p:sldId id="280" r:id="rId43"/>
+    <p:sldId id="277" r:id="rId44"/>
+    <p:sldId id="279" r:id="rId45"/>
+    <p:sldId id="278" r:id="rId46"/>
   </p:sldIdLst>
   <p:sldSz cx="9144000" cy="6858000" type="screen4x3"/>
   <p:notesSz cx="6858000" cy="9734550"/>
@@ -150,13 +154,43 @@
       </a:defRPr>
     </a:lvl9pPr>
   </p:defaultTextStyle>
+  <p:extLst>
+    <p:ext uri="{EFAFB233-063F-42B5-8137-9DF3F51BA10A}">
+      <p15:sldGuideLst xmlns:p15="http://schemas.microsoft.com/office/powerpoint/2012/main">
+        <p15:guide id="1" orient="horz" pos="799">
+          <p15:clr>
+            <a:srgbClr val="A4A3A4"/>
+          </p15:clr>
+        </p15:guide>
+        <p15:guide id="2" pos="521">
+          <p15:clr>
+            <a:srgbClr val="A4A3A4"/>
+          </p15:clr>
+        </p15:guide>
+      </p15:sldGuideLst>
+    </p:ext>
+    <p:ext uri="{2D200454-40CA-4A62-9FC3-DE9A4176ACB9}">
+      <p15:notesGuideLst xmlns:p15="http://schemas.microsoft.com/office/powerpoint/2012/main">
+        <p15:guide id="1" orient="horz" pos="3062">
+          <p15:clr>
+            <a:srgbClr val="A4A3A4"/>
+          </p15:clr>
+        </p15:guide>
+        <p15:guide id="2" pos="2160">
+          <p15:clr>
+            <a:srgbClr val="A4A3A4"/>
+          </p15:clr>
+        </p15:guide>
+      </p15:notesGuideLst>
+    </p:ext>
+  </p:extLst>
 </p:presentation>
 </file>
 
 <file path=ppt/charts/chart1.xml><?xml version="1.0" encoding="utf-8"?>
 <c:chartSpace xmlns:c="http://schemas.openxmlformats.org/drawingml/2006/chart" xmlns:a="http://schemas.openxmlformats.org/drawingml/2006/main" xmlns:r="http://schemas.openxmlformats.org/officeDocument/2006/relationships">
   <c:date1904 val="0"/>
-  <c:lang val="de-CH"/>
+  <c:lang val="en-US"/>
   <c:roundedCorners val="0"/>
   <mc:AlternateContent xmlns:mc="http://schemas.openxmlformats.org/markup-compatibility/2006">
     <mc:Choice xmlns:c14="http://schemas.microsoft.com/office/drawing/2007/8/2/chart" Requires="c14">
@@ -364,16 +398,17 @@
           <c:showBubbleSize val="0"/>
         </c:dLbls>
         <c:gapWidth val="150"/>
-        <c:axId val="38407552"/>
-        <c:axId val="38999168"/>
+        <c:axId val="311806792"/>
+        <c:axId val="311806400"/>
       </c:barChart>
       <c:catAx>
-        <c:axId val="38407552"/>
+        <c:axId val="311806792"/>
         <c:scaling>
           <c:orientation val="minMax"/>
         </c:scaling>
         <c:delete val="0"/>
         <c:axPos val="b"/>
+        <c:numFmt formatCode="General" sourceLinked="0"/>
         <c:majorTickMark val="out"/>
         <c:minorTickMark val="none"/>
         <c:tickLblPos val="nextTo"/>
@@ -384,10 +419,10 @@
             <a:pPr>
               <a:defRPr sz="1700"/>
             </a:pPr>
-            <a:endParaRPr lang="de-DE"/>
+            <a:endParaRPr lang="en-US"/>
           </a:p>
         </c:txPr>
-        <c:crossAx val="38999168"/>
+        <c:crossAx val="311806400"/>
         <c:crosses val="autoZero"/>
         <c:auto val="1"/>
         <c:lblAlgn val="ctr"/>
@@ -395,7 +430,7 @@
         <c:noMultiLvlLbl val="0"/>
       </c:catAx>
       <c:valAx>
-        <c:axId val="38999168"/>
+        <c:axId val="311806400"/>
         <c:scaling>
           <c:orientation val="minMax"/>
         </c:scaling>
@@ -406,7 +441,7 @@
         <c:majorTickMark val="out"/>
         <c:minorTickMark val="none"/>
         <c:tickLblPos val="nextTo"/>
-        <c:crossAx val="38407552"/>
+        <c:crossAx val="311806792"/>
         <c:crosses val="autoZero"/>
         <c:crossBetween val="between"/>
       </c:valAx>
@@ -422,7 +457,7 @@
           <a:pPr>
             <a:defRPr sz="1700"/>
           </a:pPr>
-          <a:endParaRPr lang="de-DE"/>
+          <a:endParaRPr lang="en-US"/>
         </a:p>
       </c:txPr>
     </c:legend>
@@ -437,7 +472,7 @@
       <a:pPr>
         <a:defRPr sz="1800"/>
       </a:pPr>
-      <a:endParaRPr lang="de-DE"/>
+      <a:endParaRPr lang="en-US"/>
     </a:p>
   </c:txPr>
   <c:externalData r:id="rId1">
@@ -449,7 +484,7 @@
 <file path=ppt/charts/chart2.xml><?xml version="1.0" encoding="utf-8"?>
 <c:chartSpace xmlns:c="http://schemas.openxmlformats.org/drawingml/2006/chart" xmlns:a="http://schemas.openxmlformats.org/drawingml/2006/main" xmlns:r="http://schemas.openxmlformats.org/officeDocument/2006/relationships">
   <c:date1904 val="0"/>
-  <c:lang val="de-CH"/>
+  <c:lang val="en-US"/>
   <c:roundedCorners val="0"/>
   <mc:AlternateContent xmlns:mc="http://schemas.openxmlformats.org/markup-compatibility/2006">
     <mc:Choice xmlns:c14="http://schemas.microsoft.com/office/drawing/2007/8/2/chart" Requires="c14">
@@ -471,7 +506,7 @@
           <a:pPr>
             <a:defRPr sz="1700"/>
           </a:pPr>
-          <a:endParaRPr lang="de-DE"/>
+          <a:endParaRPr lang="en-US"/>
         </a:p>
       </c:txPr>
     </c:title>
@@ -609,7 +644,7 @@
           <a:pPr>
             <a:defRPr sz="1700"/>
           </a:pPr>
-          <a:endParaRPr lang="de-DE"/>
+          <a:endParaRPr lang="en-US"/>
         </a:p>
       </c:txPr>
     </c:legend>
@@ -624,7 +659,7 @@
       <a:pPr>
         <a:defRPr sz="1800"/>
       </a:pPr>
-      <a:endParaRPr lang="de-DE"/>
+      <a:endParaRPr lang="en-US"/>
     </a:p>
   </c:txPr>
   <c:externalData r:id="rId2">
@@ -636,7 +671,7 @@
 <file path=ppt/charts/chart3.xml><?xml version="1.0" encoding="utf-8"?>
 <c:chartSpace xmlns:c="http://schemas.openxmlformats.org/drawingml/2006/chart" xmlns:a="http://schemas.openxmlformats.org/drawingml/2006/main" xmlns:r="http://schemas.openxmlformats.org/officeDocument/2006/relationships">
   <c:date1904 val="0"/>
-  <c:lang val="de-CH"/>
+  <c:lang val="en-US"/>
   <c:roundedCorners val="0"/>
   <mc:AlternateContent xmlns:mc="http://schemas.openxmlformats.org/markup-compatibility/2006">
     <mc:Choice xmlns:c14="http://schemas.microsoft.com/office/drawing/2007/8/2/chart" Requires="c14">
@@ -850,16 +885,17 @@
           <c:showBubbleSize val="0"/>
         </c:dLbls>
         <c:gapWidth val="150"/>
-        <c:axId val="40528128"/>
-        <c:axId val="40538112"/>
+        <c:axId val="311807576"/>
+        <c:axId val="311806008"/>
       </c:barChart>
       <c:catAx>
-        <c:axId val="40528128"/>
+        <c:axId val="311807576"/>
         <c:scaling>
           <c:orientation val="minMax"/>
         </c:scaling>
         <c:delete val="0"/>
         <c:axPos val="b"/>
+        <c:numFmt formatCode="General" sourceLinked="0"/>
         <c:majorTickMark val="out"/>
         <c:minorTickMark val="none"/>
         <c:tickLblPos val="nextTo"/>
@@ -870,10 +906,10 @@
             <a:pPr>
               <a:defRPr sz="1700"/>
             </a:pPr>
-            <a:endParaRPr lang="de-DE"/>
+            <a:endParaRPr lang="en-US"/>
           </a:p>
         </c:txPr>
-        <c:crossAx val="40538112"/>
+        <c:crossAx val="311806008"/>
         <c:crosses val="autoZero"/>
         <c:auto val="1"/>
         <c:lblAlgn val="ctr"/>
@@ -881,7 +917,7 @@
         <c:noMultiLvlLbl val="0"/>
       </c:catAx>
       <c:valAx>
-        <c:axId val="40538112"/>
+        <c:axId val="311806008"/>
         <c:scaling>
           <c:orientation val="minMax"/>
         </c:scaling>
@@ -892,7 +928,7 @@
         <c:majorTickMark val="out"/>
         <c:minorTickMark val="none"/>
         <c:tickLblPos val="nextTo"/>
-        <c:crossAx val="40528128"/>
+        <c:crossAx val="311807576"/>
         <c:crosses val="autoZero"/>
         <c:crossBetween val="between"/>
       </c:valAx>
@@ -908,7 +944,7 @@
           <a:pPr>
             <a:defRPr sz="1700"/>
           </a:pPr>
-          <a:endParaRPr lang="de-DE"/>
+          <a:endParaRPr lang="en-US"/>
         </a:p>
       </c:txPr>
     </c:legend>
@@ -923,7 +959,7 @@
       <a:pPr>
         <a:defRPr sz="1800"/>
       </a:pPr>
-      <a:endParaRPr lang="de-DE"/>
+      <a:endParaRPr lang="en-US"/>
     </a:p>
   </c:txPr>
   <c:externalData r:id="rId2">
@@ -935,7 +971,7 @@
 <file path=ppt/charts/chart4.xml><?xml version="1.0" encoding="utf-8"?>
 <c:chartSpace xmlns:c="http://schemas.openxmlformats.org/drawingml/2006/chart" xmlns:a="http://schemas.openxmlformats.org/drawingml/2006/main" xmlns:r="http://schemas.openxmlformats.org/officeDocument/2006/relationships">
   <c:date1904 val="0"/>
-  <c:lang val="de-CH"/>
+  <c:lang val="en-US"/>
   <c:roundedCorners val="0"/>
   <mc:AlternateContent xmlns:mc="http://schemas.openxmlformats.org/markup-compatibility/2006">
     <mc:Choice xmlns:c14="http://schemas.microsoft.com/office/drawing/2007/8/2/chart" Requires="c14">
@@ -956,7 +992,7 @@
           <a:pPr>
             <a:defRPr sz="1700"/>
           </a:pPr>
-          <a:endParaRPr lang="de-DE"/>
+          <a:endParaRPr lang="en-US"/>
         </a:p>
       </c:txPr>
     </c:title>
@@ -1094,7 +1130,7 @@
           <a:pPr>
             <a:defRPr sz="1700"/>
           </a:pPr>
-          <a:endParaRPr lang="de-DE"/>
+          <a:endParaRPr lang="en-US"/>
         </a:p>
       </c:txPr>
     </c:legend>
@@ -1109,7 +1145,7 @@
       <a:pPr>
         <a:defRPr sz="1800"/>
       </a:pPr>
-      <a:endParaRPr lang="de-DE"/>
+      <a:endParaRPr lang="en-US"/>
     </a:p>
   </c:txPr>
   <c:externalData r:id="rId1">
@@ -1200,7 +1236,7 @@
           <a:p>
             <a:fld id="{C4A261A6-EC08-4A73-A06C-2E5987F26A35}" type="datetimeFigureOut">
               <a:rPr lang="de-CH" smtClean="0"/>
-              <a:t>12.08.2013</a:t>
+              <a:t>13.08.2013</a:t>
             </a:fld>
             <a:endParaRPr lang="de-CH"/>
           </a:p>
@@ -1266,7 +1302,7 @@
           <a:p>
             <a:fld id="{F8632770-F47B-49A8-A654-7D2712296F2E}" type="slidenum">
               <a:rPr lang="de-CH" smtClean="0"/>
-              <a:t>‹Nr.›</a:t>
+              <a:t>‹#›</a:t>
             </a:fld>
             <a:endParaRPr lang="de-CH"/>
           </a:p>
@@ -1366,7 +1402,7 @@
             <a:fld id="{12E8396D-C179-49FB-90FC-DFFEFED52D5D}" type="datetimeFigureOut">
               <a:rPr lang="de-CH" smtClean="0"/>
               <a:pPr/>
-              <a:t>12.08.2013</a:t>
+              <a:t>13.08.2013</a:t>
             </a:fld>
             <a:endParaRPr lang="de-CH"/>
           </a:p>
@@ -1526,7 +1562,7 @@
             <a:fld id="{030F1662-E304-472D-9055-62419893CD52}" type="slidenum">
               <a:rPr lang="de-CH" smtClean="0"/>
               <a:pPr/>
-              <a:t>‹Nr.›</a:t>
+              <a:t>‹#›</a:t>
             </a:fld>
             <a:endParaRPr lang="de-CH"/>
           </a:p>
@@ -1750,91 +1786,6 @@
 </p:notes>
 </file>
 
-<file path=ppt/notesSlides/notesSlide10.xml><?xml version="1.0" encoding="utf-8"?>
-<p:notes xmlns:a="http://schemas.openxmlformats.org/drawingml/2006/main" xmlns:r="http://schemas.openxmlformats.org/officeDocument/2006/relationships" xmlns:p="http://schemas.openxmlformats.org/presentationml/2006/main">
-  <p:cSld>
-    <p:spTree>
-      <p:nvGrpSpPr>
-        <p:cNvPr id="1" name=""/>
-        <p:cNvGrpSpPr/>
-        <p:nvPr/>
-      </p:nvGrpSpPr>
-      <p:grpSpPr>
-        <a:xfrm>
-          <a:off x="0" y="0"/>
-          <a:ext cx="0" cy="0"/>
-          <a:chOff x="0" y="0"/>
-          <a:chExt cx="0" cy="0"/>
-        </a:xfrm>
-      </p:grpSpPr>
-      <p:sp>
-        <p:nvSpPr>
-          <p:cNvPr id="2" name="Folienbildplatzhalter 1"/>
-          <p:cNvSpPr>
-            <a:spLocks noGrp="1" noRot="1" noChangeAspect="1"/>
-          </p:cNvSpPr>
-          <p:nvPr>
-            <p:ph type="sldImg"/>
-          </p:nvPr>
-        </p:nvSpPr>
-        <p:spPr/>
-      </p:sp>
-      <p:sp>
-        <p:nvSpPr>
-          <p:cNvPr id="3" name="Notizenplatzhalter 2"/>
-          <p:cNvSpPr>
-            <a:spLocks noGrp="1"/>
-          </p:cNvSpPr>
-          <p:nvPr>
-            <p:ph type="body" idx="1"/>
-          </p:nvPr>
-        </p:nvSpPr>
-        <p:spPr/>
-        <p:txBody>
-          <a:bodyPr/>
-          <a:lstStyle/>
-          <a:p>
-            <a:endParaRPr lang="de-CH"/>
-          </a:p>
-        </p:txBody>
-      </p:sp>
-      <p:sp>
-        <p:nvSpPr>
-          <p:cNvPr id="4" name="Foliennummernplatzhalter 3"/>
-          <p:cNvSpPr>
-            <a:spLocks noGrp="1"/>
-          </p:cNvSpPr>
-          <p:nvPr>
-            <p:ph type="sldNum" sz="quarter" idx="10"/>
-          </p:nvPr>
-        </p:nvSpPr>
-        <p:spPr/>
-        <p:txBody>
-          <a:bodyPr/>
-          <a:lstStyle/>
-          <a:p>
-            <a:fld id="{030F1662-E304-472D-9055-62419893CD52}" type="slidenum">
-              <a:rPr lang="de-CH" smtClean="0"/>
-              <a:pPr/>
-              <a:t>41</a:t>
-            </a:fld>
-            <a:endParaRPr lang="de-CH"/>
-          </a:p>
-        </p:txBody>
-      </p:sp>
-    </p:spTree>
-    <p:extLst>
-      <p:ext uri="{BB962C8B-B14F-4D97-AF65-F5344CB8AC3E}">
-        <p14:creationId xmlns:p14="http://schemas.microsoft.com/office/powerpoint/2010/main" val="2453733439"/>
-      </p:ext>
-    </p:extLst>
-  </p:cSld>
-  <p:clrMapOvr>
-    <a:masterClrMapping/>
-  </p:clrMapOvr>
-</p:notes>
-</file>
-
 <file path=ppt/notesSlides/notesSlide2.xml><?xml version="1.0" encoding="utf-8"?>
 <p:notes xmlns:a="http://schemas.openxmlformats.org/drawingml/2006/main" xmlns:r="http://schemas.openxmlformats.org/officeDocument/2006/relationships" xmlns:p="http://schemas.openxmlformats.org/presentationml/2006/main">
   <p:cSld>
@@ -1986,7 +1937,7 @@
             <a:fld id="{030F1662-E304-472D-9055-62419893CD52}" type="slidenum">
               <a:rPr lang="de-CH" smtClean="0"/>
               <a:pPr/>
-              <a:t>8</a:t>
+              <a:t>9</a:t>
             </a:fld>
             <a:endParaRPr lang="de-CH"/>
           </a:p>
@@ -2071,7 +2022,7 @@
             <a:fld id="{030F1662-E304-472D-9055-62419893CD52}" type="slidenum">
               <a:rPr lang="de-CH" smtClean="0"/>
               <a:pPr/>
-              <a:t>11</a:t>
+              <a:t>19</a:t>
             </a:fld>
             <a:endParaRPr lang="de-CH"/>
           </a:p>
@@ -2080,7 +2031,7 @@
     </p:spTree>
     <p:extLst>
       <p:ext uri="{BB962C8B-B14F-4D97-AF65-F5344CB8AC3E}">
-        <p14:creationId xmlns:p14="http://schemas.microsoft.com/office/powerpoint/2010/main" val="1670403071"/>
+        <p14:creationId xmlns:p14="http://schemas.microsoft.com/office/powerpoint/2010/main" val="690451009"/>
       </p:ext>
     </p:extLst>
   </p:cSld>
@@ -2156,7 +2107,7 @@
             <a:fld id="{030F1662-E304-472D-9055-62419893CD52}" type="slidenum">
               <a:rPr lang="de-CH" smtClean="0"/>
               <a:pPr/>
-              <a:t>15</a:t>
+              <a:t>22</a:t>
             </a:fld>
             <a:endParaRPr lang="de-CH"/>
           </a:p>
@@ -2241,7 +2192,7 @@
             <a:fld id="{030F1662-E304-472D-9055-62419893CD52}" type="slidenum">
               <a:rPr lang="de-CH" smtClean="0"/>
               <a:pPr/>
-              <a:t>18</a:t>
+              <a:t>24</a:t>
             </a:fld>
             <a:endParaRPr lang="de-CH"/>
           </a:p>
@@ -2304,6 +2255,9 @@
           <a:bodyPr/>
           <a:lstStyle/>
           <a:p>
+            <a:pPr marL="114300" lvl="0" indent="0">
+              <a:buNone/>
+            </a:pPr>
             <a:endParaRPr lang="de-CH" dirty="0"/>
           </a:p>
         </p:txBody>
@@ -2326,7 +2280,7 @@
             <a:fld id="{030F1662-E304-472D-9055-62419893CD52}" type="slidenum">
               <a:rPr lang="de-CH" smtClean="0"/>
               <a:pPr/>
-              <a:t>20</a:t>
+              <a:t>28</a:t>
             </a:fld>
             <a:endParaRPr lang="de-CH"/>
           </a:p>
@@ -2335,7 +2289,7 @@
     </p:spTree>
     <p:extLst>
       <p:ext uri="{BB962C8B-B14F-4D97-AF65-F5344CB8AC3E}">
-        <p14:creationId xmlns:p14="http://schemas.microsoft.com/office/powerpoint/2010/main" val="690451009"/>
+        <p14:creationId xmlns:p14="http://schemas.microsoft.com/office/powerpoint/2010/main" val="2390447967"/>
       </p:ext>
     </p:extLst>
   </p:cSld>
@@ -2389,9 +2343,6 @@
           <a:bodyPr/>
           <a:lstStyle/>
           <a:p>
-            <a:pPr marL="114300" lvl="0" indent="0">
-              <a:buNone/>
-            </a:pPr>
             <a:endParaRPr lang="de-CH" dirty="0"/>
           </a:p>
         </p:txBody>
@@ -2414,7 +2365,7 @@
             <a:fld id="{030F1662-E304-472D-9055-62419893CD52}" type="slidenum">
               <a:rPr lang="de-CH" smtClean="0"/>
               <a:pPr/>
-              <a:t>24</a:t>
+              <a:t>39</a:t>
             </a:fld>
             <a:endParaRPr lang="de-CH"/>
           </a:p>
@@ -2423,7 +2374,7 @@
     </p:spTree>
     <p:extLst>
       <p:ext uri="{BB962C8B-B14F-4D97-AF65-F5344CB8AC3E}">
-        <p14:creationId xmlns:p14="http://schemas.microsoft.com/office/powerpoint/2010/main" val="2390447967"/>
+        <p14:creationId xmlns:p14="http://schemas.microsoft.com/office/powerpoint/2010/main" val="861858200"/>
       </p:ext>
     </p:extLst>
   </p:cSld>
@@ -2477,7 +2428,7 @@
           <a:bodyPr/>
           <a:lstStyle/>
           <a:p>
-            <a:endParaRPr lang="de-CH" dirty="0"/>
+            <a:endParaRPr lang="de-CH"/>
           </a:p>
         </p:txBody>
       </p:sp>
@@ -2499,7 +2450,7 @@
             <a:fld id="{030F1662-E304-472D-9055-62419893CD52}" type="slidenum">
               <a:rPr lang="de-CH" smtClean="0"/>
               <a:pPr/>
-              <a:t>35</a:t>
+              <a:t>45</a:t>
             </a:fld>
             <a:endParaRPr lang="de-CH"/>
           </a:p>
@@ -2508,7 +2459,7 @@
     </p:spTree>
     <p:extLst>
       <p:ext uri="{BB962C8B-B14F-4D97-AF65-F5344CB8AC3E}">
-        <p14:creationId xmlns:p14="http://schemas.microsoft.com/office/powerpoint/2010/main" val="861858200"/>
+        <p14:creationId xmlns:p14="http://schemas.microsoft.com/office/powerpoint/2010/main" val="2453733439"/>
       </p:ext>
     </p:extLst>
   </p:cSld>
@@ -3681,7 +3632,7 @@
             <a:fld id="{6CB3B594-2801-4864-9089-E42463258A4B}" type="slidenum">
               <a:rPr lang="de-CH" smtClean="0"/>
               <a:pPr/>
-              <a:t>‹Nr.›</a:t>
+              <a:t>‹#›</a:t>
             </a:fld>
             <a:endParaRPr lang="de-CH"/>
           </a:p>
@@ -4120,7 +4071,7 @@
             <a:fld id="{6CB3B594-2801-4864-9089-E42463258A4B}" type="slidenum">
               <a:rPr lang="de-CH" smtClean="0"/>
               <a:pPr/>
-              <a:t>‹Nr.›</a:t>
+              <a:t>‹#›</a:t>
             </a:fld>
             <a:endParaRPr lang="de-CH"/>
           </a:p>
@@ -4692,7 +4643,7 @@
             <a:fld id="{6CB3B594-2801-4864-9089-E42463258A4B}" type="slidenum">
               <a:rPr lang="de-CH" smtClean="0"/>
               <a:pPr/>
-              <a:t>‹Nr.›</a:t>
+              <a:t>‹#›</a:t>
             </a:fld>
             <a:endParaRPr lang="de-CH"/>
           </a:p>
@@ -4958,7 +4909,7 @@
             <a:fld id="{6CB3B594-2801-4864-9089-E42463258A4B}" type="slidenum">
               <a:rPr lang="de-CH" smtClean="0"/>
               <a:pPr/>
-              <a:t>‹Nr.›</a:t>
+              <a:t>‹#›</a:t>
             </a:fld>
             <a:endParaRPr lang="de-CH"/>
           </a:p>
@@ -5231,7 +5182,7 @@
             <a:fld id="{6CB3B594-2801-4864-9089-E42463258A4B}" type="slidenum">
               <a:rPr lang="de-CH" smtClean="0"/>
               <a:pPr/>
-              <a:t>‹Nr.›</a:t>
+              <a:t>‹#›</a:t>
             </a:fld>
             <a:endParaRPr lang="de-CH"/>
           </a:p>
@@ -5555,7 +5506,7 @@
             <a:fld id="{6CB3B594-2801-4864-9089-E42463258A4B}" type="slidenum">
               <a:rPr lang="de-CH" smtClean="0"/>
               <a:pPr/>
-              <a:t>‹Nr.›</a:t>
+              <a:t>‹#›</a:t>
             </a:fld>
             <a:endParaRPr lang="de-CH"/>
           </a:p>
@@ -6177,10 +6128,6 @@
               <a:rPr lang="de-CH" dirty="0" smtClean="0"/>
               <a:t> Writer</a:t>
             </a:r>
-            <a:r>
-              <a:rPr lang="de-CH" dirty="0" smtClean="0"/>
-              <a:t/>
-            </a:r>
             <a:br>
               <a:rPr lang="de-CH" dirty="0" smtClean="0"/>
             </a:br>
@@ -6215,23 +6162,17 @@
               <a:rPr lang="de-CH" dirty="0" smtClean="0"/>
               <a:t>, Josua Schmid</a:t>
             </a:r>
-            <a:endParaRPr lang="de-CH" dirty="0" smtClean="0"/>
           </a:p>
           <a:p>
             <a:r>
               <a:rPr lang="de-CH" dirty="0" smtClean="0"/>
               <a:t>Institut für Software</a:t>
             </a:r>
-            <a:endParaRPr lang="de-CH" dirty="0" smtClean="0"/>
           </a:p>
           <a:p>
             <a:r>
               <a:rPr lang="de-CH" dirty="0" smtClean="0"/>
-              <a:t>Rapperswil, </a:t>
-            </a:r>
-            <a:r>
-              <a:rPr lang="de-CH" dirty="0" smtClean="0"/>
-              <a:t>16. August 2013</a:t>
+              <a:t>Rapperswil, 16. August 2013</a:t>
             </a:r>
             <a:endParaRPr lang="de-CH" dirty="0"/>
           </a:p>
@@ -6365,7 +6306,7 @@
           <a:p>
             <a:r>
               <a:rPr lang="de-CH" dirty="0" smtClean="0"/>
-              <a:t>Lösungsansätze - Kalibrierung</a:t>
+              <a:t>Lösungsansätze</a:t>
             </a:r>
             <a:endParaRPr lang="de-CH" dirty="0"/>
           </a:p>
@@ -6388,7 +6329,33 @@
           <a:p>
             <a:r>
               <a:rPr lang="de-CH" dirty="0" smtClean="0"/>
-              <a:t>Bildgrenzen</a:t>
+              <a:t>Kalibrieren</a:t>
+            </a:r>
+          </a:p>
+          <a:p>
+            <a:r>
+              <a:rPr lang="de-CH" dirty="0" smtClean="0"/>
+              <a:t>Stift finden</a:t>
+            </a:r>
+          </a:p>
+          <a:p>
+            <a:r>
+              <a:rPr lang="de-CH" dirty="0" smtClean="0"/>
+              <a:t>Stiftposition weiterverwenden</a:t>
+            </a:r>
+          </a:p>
+          <a:p>
+            <a:r>
+              <a:rPr lang="de-CH" dirty="0" smtClean="0"/>
+              <a:t>(</a:t>
+            </a:r>
+            <a:r>
+              <a:rPr lang="de-CH" dirty="0" err="1" smtClean="0"/>
+              <a:t>Rekalibrieren</a:t>
+            </a:r>
+            <a:r>
+              <a:rPr lang="de-CH" dirty="0" smtClean="0"/>
+              <a:t>)</a:t>
             </a:r>
           </a:p>
         </p:txBody>
@@ -6452,10 +6419,80 @@
         </p:nvSpPr>
         <p:spPr/>
       </p:sp>
+      <p:cxnSp>
+        <p:nvCxnSpPr>
+          <p:cNvPr id="7" name="Gekrümmte Verbindung 6"/>
+          <p:cNvCxnSpPr/>
+          <p:nvPr/>
+        </p:nvCxnSpPr>
+        <p:spPr>
+          <a:xfrm rot="10800000">
+            <a:off x="3635896" y="1822324"/>
+            <a:ext cx="720080" cy="432048"/>
+          </a:xfrm>
+          <a:prstGeom prst="curvedConnector3">
+            <a:avLst>
+              <a:gd name="adj1" fmla="val -56054"/>
+            </a:avLst>
+          </a:prstGeom>
+          <a:ln>
+            <a:tailEnd type="arrow"/>
+          </a:ln>
+        </p:spPr>
+        <p:style>
+          <a:lnRef idx="1">
+            <a:schemeClr val="accent1"/>
+          </a:lnRef>
+          <a:fillRef idx="0">
+            <a:schemeClr val="accent1"/>
+          </a:fillRef>
+          <a:effectRef idx="0">
+            <a:schemeClr val="accent1"/>
+          </a:effectRef>
+          <a:fontRef idx="minor">
+            <a:schemeClr val="tx1"/>
+          </a:fontRef>
+        </p:style>
+      </p:cxnSp>
+      <p:cxnSp>
+        <p:nvCxnSpPr>
+          <p:cNvPr id="32" name="Gekrümmte Verbindung 31"/>
+          <p:cNvCxnSpPr/>
+          <p:nvPr/>
+        </p:nvCxnSpPr>
+        <p:spPr>
+          <a:xfrm>
+            <a:off x="251520" y="1822324"/>
+            <a:ext cx="447195" cy="432048"/>
+          </a:xfrm>
+          <a:prstGeom prst="curvedConnector3">
+            <a:avLst>
+              <a:gd name="adj1" fmla="val -30891"/>
+            </a:avLst>
+          </a:prstGeom>
+          <a:ln>
+            <a:tailEnd type="arrow"/>
+          </a:ln>
+        </p:spPr>
+        <p:style>
+          <a:lnRef idx="1">
+            <a:schemeClr val="accent1"/>
+          </a:lnRef>
+          <a:fillRef idx="0">
+            <a:schemeClr val="accent1"/>
+          </a:fillRef>
+          <a:effectRef idx="0">
+            <a:schemeClr val="accent1"/>
+          </a:effectRef>
+          <a:fontRef idx="minor">
+            <a:schemeClr val="tx1"/>
+          </a:fontRef>
+        </p:style>
+      </p:cxnSp>
     </p:spTree>
     <p:extLst>
       <p:ext uri="{BB962C8B-B14F-4D97-AF65-F5344CB8AC3E}">
-        <p14:creationId xmlns:p14="http://schemas.microsoft.com/office/powerpoint/2010/main" val="2680878440"/>
+        <p14:creationId xmlns:p14="http://schemas.microsoft.com/office/powerpoint/2010/main" val="3524680544"/>
       </p:ext>
     </p:extLst>
   </p:cSld>
@@ -6529,8 +6566,9 @@
           <a:p>
             <a:r>
               <a:rPr lang="de-CH" dirty="0" smtClean="0"/>
-              <a:t>Koordinatentransformation</a:t>
-            </a:r>
+              <a:t>Belichtungskorrektur der Webcam bereitet Probleme</a:t>
+            </a:r>
+            <a:endParaRPr lang="de-CH" dirty="0" smtClean="0"/>
           </a:p>
         </p:txBody>
       </p:sp>
@@ -6593,10 +6631,100 @@
         </p:nvSpPr>
         <p:spPr/>
       </p:sp>
+      <p:pic>
+        <p:nvPicPr>
+          <p:cNvPr id="7" name="Content Placeholder 3"/>
+          <p:cNvPicPr>
+            <a:picLocks noChangeAspect="1"/>
+          </p:cNvPicPr>
+          <p:nvPr/>
+        </p:nvPicPr>
+        <p:blipFill>
+          <a:blip r:embed="rId2">
+            <a:extLst>
+              <a:ext uri="{28A0092B-C50C-407E-A947-70E740481C1C}">
+                <a14:useLocalDpi xmlns:a14="http://schemas.microsoft.com/office/drawing/2010/main" val="0"/>
+              </a:ext>
+            </a:extLst>
+          </a:blip>
+          <a:stretch>
+            <a:fillRect/>
+          </a:stretch>
+        </p:blipFill>
+        <p:spPr>
+          <a:xfrm>
+            <a:off x="179512" y="1697737"/>
+            <a:ext cx="2767731" cy="2075797"/>
+          </a:xfrm>
+          <a:prstGeom prst="rect">
+            <a:avLst/>
+          </a:prstGeom>
+        </p:spPr>
+      </p:pic>
+      <p:pic>
+        <p:nvPicPr>
+          <p:cNvPr id="8" name="Picture 7"/>
+          <p:cNvPicPr>
+            <a:picLocks noChangeAspect="1"/>
+          </p:cNvPicPr>
+          <p:nvPr/>
+        </p:nvPicPr>
+        <p:blipFill>
+          <a:blip r:embed="rId3">
+            <a:extLst>
+              <a:ext uri="{28A0092B-C50C-407E-A947-70E740481C1C}">
+                <a14:useLocalDpi xmlns:a14="http://schemas.microsoft.com/office/drawing/2010/main" val="0"/>
+              </a:ext>
+            </a:extLst>
+          </a:blip>
+          <a:stretch>
+            <a:fillRect/>
+          </a:stretch>
+        </p:blipFill>
+        <p:spPr>
+          <a:xfrm>
+            <a:off x="179512" y="3760413"/>
+            <a:ext cx="2771800" cy="2078849"/>
+          </a:xfrm>
+          <a:prstGeom prst="rect">
+            <a:avLst/>
+          </a:prstGeom>
+        </p:spPr>
+      </p:pic>
+      <p:pic>
+        <p:nvPicPr>
+          <p:cNvPr id="9" name="Picture 8"/>
+          <p:cNvPicPr>
+            <a:picLocks noChangeAspect="1"/>
+          </p:cNvPicPr>
+          <p:nvPr/>
+        </p:nvPicPr>
+        <p:blipFill>
+          <a:blip r:embed="rId4">
+            <a:extLst>
+              <a:ext uri="{28A0092B-C50C-407E-A947-70E740481C1C}">
+                <a14:useLocalDpi xmlns:a14="http://schemas.microsoft.com/office/drawing/2010/main" val="0"/>
+              </a:ext>
+            </a:extLst>
+          </a:blip>
+          <a:stretch>
+            <a:fillRect/>
+          </a:stretch>
+        </p:blipFill>
+        <p:spPr>
+          <a:xfrm>
+            <a:off x="3239591" y="1697736"/>
+            <a:ext cx="5522033" cy="4141525"/>
+          </a:xfrm>
+          <a:prstGeom prst="rect">
+            <a:avLst/>
+          </a:prstGeom>
+        </p:spPr>
+      </p:pic>
     </p:spTree>
     <p:extLst>
       <p:ext uri="{BB962C8B-B14F-4D97-AF65-F5344CB8AC3E}">
-        <p14:creationId xmlns:p14="http://schemas.microsoft.com/office/powerpoint/2010/main" val="586545562"/>
+        <p14:creationId xmlns:p14="http://schemas.microsoft.com/office/powerpoint/2010/main" val="2680878440"/>
       </p:ext>
     </p:extLst>
   </p:cSld>
@@ -6632,7 +6760,7 @@
       </p:grpSpPr>
       <p:sp>
         <p:nvSpPr>
-          <p:cNvPr id="2" name="Titel 1"/>
+          <p:cNvPr id="2" name="Title 1"/>
           <p:cNvSpPr>
             <a:spLocks noGrp="1"/>
           </p:cNvSpPr>
@@ -6647,15 +6775,15 @@
           <a:p>
             <a:r>
               <a:rPr lang="de-CH" dirty="0" smtClean="0"/>
-              <a:t>Lösungsansätze – Stift finden</a:t>
-            </a:r>
-            <a:endParaRPr lang="de-CH" dirty="0"/>
-          </a:p>
-        </p:txBody>
-      </p:sp>
-      <p:sp>
-        <p:nvSpPr>
-          <p:cNvPr id="3" name="Inhaltsplatzhalter 2"/>
+              <a:t>Belichtungskorrektur</a:t>
+            </a:r>
+            <a:endParaRPr lang="en-US" dirty="0"/>
+          </a:p>
+        </p:txBody>
+      </p:sp>
+      <p:sp>
+        <p:nvSpPr>
+          <p:cNvPr id="3" name="Content Placeholder 2"/>
           <p:cNvSpPr>
             <a:spLocks noGrp="1"/>
           </p:cNvSpPr>
@@ -6670,29 +6798,15 @@
           <a:p>
             <a:r>
               <a:rPr lang="de-CH" dirty="0" smtClean="0"/>
-              <a:t>Eigenschaften des Stiftes</a:t>
-            </a:r>
-          </a:p>
-          <a:p>
-            <a:pPr lvl="1"/>
-            <a:r>
-              <a:rPr lang="de-CH" dirty="0" smtClean="0"/>
-              <a:t>optisch</a:t>
-            </a:r>
-          </a:p>
-          <a:p>
-            <a:pPr lvl="1"/>
-            <a:r>
-              <a:rPr lang="de-CH" dirty="0" smtClean="0"/>
-              <a:t>hell</a:t>
-            </a:r>
-            <a:endParaRPr lang="de-CH" dirty="0"/>
-          </a:p>
-        </p:txBody>
-      </p:sp>
-      <p:sp>
-        <p:nvSpPr>
-          <p:cNvPr id="4" name="Fußzeilenplatzhalter 3"/>
+              <a:t>Lösung durch Verwendung von Bildern mit gleicher Helligkeitsverteilung</a:t>
+            </a:r>
+            <a:endParaRPr lang="en-US" dirty="0"/>
+          </a:p>
+        </p:txBody>
+      </p:sp>
+      <p:sp>
+        <p:nvSpPr>
+          <p:cNvPr id="4" name="Footer Placeholder 3"/>
           <p:cNvSpPr>
             <a:spLocks noGrp="1"/>
           </p:cNvSpPr>
@@ -6715,7 +6829,7 @@
       </p:sp>
       <p:sp>
         <p:nvSpPr>
-          <p:cNvPr id="5" name="Foliennummernplatzhalter 4"/>
+          <p:cNvPr id="5" name="Slide Number Placeholder 4"/>
           <p:cNvSpPr>
             <a:spLocks noGrp="1"/>
           </p:cNvSpPr>
@@ -6739,7 +6853,7 @@
       </p:sp>
       <p:sp>
         <p:nvSpPr>
-          <p:cNvPr id="10" name="Bildplatzhalter 9"/>
+          <p:cNvPr id="6" name="Picture Placeholder 5"/>
           <p:cNvSpPr>
             <a:spLocks noGrp="1"/>
           </p:cNvSpPr>
@@ -6749,23 +6863,106 @@
         </p:nvSpPr>
         <p:spPr/>
       </p:sp>
+      <p:pic>
+        <p:nvPicPr>
+          <p:cNvPr id="7" name="Content Placeholder 3"/>
+          <p:cNvPicPr>
+            <a:picLocks noChangeAspect="1"/>
+          </p:cNvPicPr>
+          <p:nvPr/>
+        </p:nvPicPr>
+        <p:blipFill>
+          <a:blip r:embed="rId2">
+            <a:extLst>
+              <a:ext uri="{28A0092B-C50C-407E-A947-70E740481C1C}">
+                <a14:useLocalDpi xmlns:a14="http://schemas.microsoft.com/office/drawing/2010/main" val="0"/>
+              </a:ext>
+            </a:extLst>
+          </a:blip>
+          <a:stretch>
+            <a:fillRect/>
+          </a:stretch>
+        </p:blipFill>
+        <p:spPr>
+          <a:xfrm>
+            <a:off x="240730" y="1863107"/>
+            <a:ext cx="2735698" cy="2051774"/>
+          </a:xfrm>
+          <a:prstGeom prst="rect">
+            <a:avLst/>
+          </a:prstGeom>
+        </p:spPr>
+      </p:pic>
+      <p:pic>
+        <p:nvPicPr>
+          <p:cNvPr id="8" name="Picture 7"/>
+          <p:cNvPicPr>
+            <a:picLocks noChangeAspect="1"/>
+          </p:cNvPicPr>
+          <p:nvPr/>
+        </p:nvPicPr>
+        <p:blipFill>
+          <a:blip r:embed="rId3">
+            <a:extLst>
+              <a:ext uri="{28A0092B-C50C-407E-A947-70E740481C1C}">
+                <a14:useLocalDpi xmlns:a14="http://schemas.microsoft.com/office/drawing/2010/main" val="0"/>
+              </a:ext>
+            </a:extLst>
+          </a:blip>
+          <a:stretch>
+            <a:fillRect/>
+          </a:stretch>
+        </p:blipFill>
+        <p:spPr>
+          <a:xfrm>
+            <a:off x="240730" y="3914881"/>
+            <a:ext cx="2747093" cy="2060320"/>
+          </a:xfrm>
+          <a:prstGeom prst="rect">
+            <a:avLst/>
+          </a:prstGeom>
+        </p:spPr>
+      </p:pic>
+      <p:pic>
+        <p:nvPicPr>
+          <p:cNvPr id="9" name="Picture 8"/>
+          <p:cNvPicPr>
+            <a:picLocks noChangeAspect="1"/>
+          </p:cNvPicPr>
+          <p:nvPr/>
+        </p:nvPicPr>
+        <p:blipFill>
+          <a:blip r:embed="rId4">
+            <a:extLst>
+              <a:ext uri="{28A0092B-C50C-407E-A947-70E740481C1C}">
+                <a14:useLocalDpi xmlns:a14="http://schemas.microsoft.com/office/drawing/2010/main" val="0"/>
+              </a:ext>
+            </a:extLst>
+          </a:blip>
+          <a:stretch>
+            <a:fillRect/>
+          </a:stretch>
+        </p:blipFill>
+        <p:spPr>
+          <a:xfrm>
+            <a:off x="3239392" y="1863107"/>
+            <a:ext cx="5482792" cy="4112094"/>
+          </a:xfrm>
+          <a:prstGeom prst="rect">
+            <a:avLst/>
+          </a:prstGeom>
+        </p:spPr>
+      </p:pic>
     </p:spTree>
     <p:extLst>
       <p:ext uri="{BB962C8B-B14F-4D97-AF65-F5344CB8AC3E}">
-        <p14:creationId xmlns:p14="http://schemas.microsoft.com/office/powerpoint/2010/main" val="512808011"/>
+        <p14:creationId xmlns:p14="http://schemas.microsoft.com/office/powerpoint/2010/main" val="3794892142"/>
       </p:ext>
     </p:extLst>
   </p:cSld>
   <p:clrMapOvr>
     <a:masterClrMapping/>
   </p:clrMapOvr>
-  <p:timing>
-    <p:tnLst>
-      <p:par>
-        <p:cTn id="1" dur="indefinite" restart="never" nodeType="tmRoot"/>
-      </p:par>
-    </p:tnLst>
-  </p:timing>
 </p:sld>
 </file>
 
@@ -6788,7 +6985,7 @@
       </p:grpSpPr>
       <p:sp>
         <p:nvSpPr>
-          <p:cNvPr id="2" name="Titel 1"/>
+          <p:cNvPr id="2" name="Title 1"/>
           <p:cNvSpPr>
             <a:spLocks noGrp="1"/>
           </p:cNvSpPr>
@@ -6803,52 +7000,120 @@
           <a:p>
             <a:r>
               <a:rPr lang="de-CH" dirty="0" smtClean="0"/>
-              <a:t>Lösungsansätze – Stift finden</a:t>
+              <a:t>Referenzpunkte</a:t>
+            </a:r>
+            <a:endParaRPr lang="en-US" dirty="0"/>
+          </a:p>
+        </p:txBody>
+      </p:sp>
+      <p:sp>
+        <p:nvSpPr>
+          <p:cNvPr id="3" name="Content Placeholder 2"/>
+          <p:cNvSpPr>
+            <a:spLocks noGrp="1"/>
+          </p:cNvSpPr>
+          <p:nvPr>
+            <p:ph sz="quarter" idx="13"/>
+          </p:nvPr>
+        </p:nvSpPr>
+        <p:spPr/>
+        <p:txBody>
+          <a:bodyPr/>
+          <a:lstStyle/>
+          <a:p>
+            <a:r>
+              <a:rPr lang="de-CH" dirty="0"/>
+              <a:t>Verschieden Ansätze </a:t>
+            </a:r>
+            <a:r>
+              <a:rPr lang="de-CH" dirty="0" smtClean="0"/>
+              <a:t>ausprobiert</a:t>
+            </a:r>
+          </a:p>
+          <a:p>
+            <a:pPr lvl="1"/>
+            <a:r>
+              <a:rPr lang="de-CH" dirty="0" err="1" smtClean="0"/>
+              <a:t>Schachrettmuster</a:t>
+            </a:r>
+            <a:r>
+              <a:rPr lang="de-CH" dirty="0" smtClean="0"/>
+              <a:t> hat sich bewährt, Genauigkeit konnte allerdings nicht erreicht werden.</a:t>
+            </a:r>
+          </a:p>
+          <a:p>
+            <a:pPr lvl="1"/>
+            <a:r>
+              <a:rPr lang="de-CH" dirty="0" smtClean="0"/>
+              <a:t>Clustering wurde aus Zeitgründen eingestellt</a:t>
             </a:r>
             <a:endParaRPr lang="de-CH" dirty="0"/>
           </a:p>
-        </p:txBody>
-      </p:sp>
-      <p:sp>
-        <p:nvSpPr>
-          <p:cNvPr id="3" name="Inhaltsplatzhalter 2"/>
-          <p:cNvSpPr>
-            <a:spLocks noGrp="1"/>
-          </p:cNvSpPr>
-          <p:nvPr>
-            <p:ph sz="quarter" idx="13"/>
-          </p:nvPr>
-        </p:nvSpPr>
-        <p:spPr/>
-        <p:txBody>
-          <a:bodyPr/>
-          <a:lstStyle/>
-          <a:p>
+          <a:p>
+            <a:r>
+              <a:rPr lang="de-CH" dirty="0"/>
+              <a:t>Zuordnung machte viele </a:t>
+            </a:r>
             <a:r>
               <a:rPr lang="de-CH" dirty="0" smtClean="0"/>
-              <a:t>Optimierungen</a:t>
+              <a:t>Probleme</a:t>
             </a:r>
           </a:p>
           <a:p>
             <a:pPr lvl="1"/>
             <a:r>
               <a:rPr lang="de-CH" dirty="0" smtClean="0"/>
-              <a:t>Gezielt Suchen</a:t>
+              <a:t>Fehlerkennungen führen zu gravierenden Fehlern beim Algorithmus</a:t>
+            </a:r>
+            <a:endParaRPr lang="de-CH" dirty="0"/>
+          </a:p>
+          <a:p>
+            <a:r>
+              <a:rPr lang="de-CH" dirty="0"/>
+              <a:t>Kein Versuch konnte erfolgreich umgesetzt </a:t>
+            </a:r>
+            <a:r>
+              <a:rPr lang="de-CH" dirty="0" smtClean="0"/>
+              <a:t>werden</a:t>
+            </a:r>
+          </a:p>
+          <a:p>
+            <a:r>
+              <a:rPr lang="de-CH" dirty="0" smtClean="0"/>
+              <a:t>Das Projizieren weitere Bilder kostet Zeit.</a:t>
             </a:r>
           </a:p>
           <a:p>
             <a:pPr lvl="1"/>
             <a:r>
               <a:rPr lang="de-CH" dirty="0" smtClean="0"/>
-              <a:t>Threading</a:t>
-            </a:r>
-            <a:endParaRPr lang="de-CH" dirty="0"/>
-          </a:p>
-        </p:txBody>
-      </p:sp>
-      <p:sp>
-        <p:nvSpPr>
-          <p:cNvPr id="4" name="Fußzeilenplatzhalter 3"/>
+              <a:t>Um sicherzugehen, dass das Bild fertig gezeichnet wurde muss man bis zu 500 </a:t>
+            </a:r>
+            <a:r>
+              <a:rPr lang="de-CH" dirty="0" err="1" smtClean="0"/>
+              <a:t>ms</a:t>
+            </a:r>
+            <a:r>
+              <a:rPr lang="de-CH" dirty="0" smtClean="0"/>
+              <a:t> warten.</a:t>
+            </a:r>
+          </a:p>
+          <a:p>
+            <a:pPr lvl="1"/>
+            <a:r>
+              <a:rPr lang="de-CH" dirty="0" smtClean="0"/>
+              <a:t>Je nach Verfahren kann die Analyse sehr rechenintensiv sein.</a:t>
+            </a:r>
+            <a:endParaRPr lang="en-US" dirty="0"/>
+          </a:p>
+          <a:p>
+            <a:endParaRPr lang="en-US" dirty="0"/>
+          </a:p>
+        </p:txBody>
+      </p:sp>
+      <p:sp>
+        <p:nvSpPr>
+          <p:cNvPr id="4" name="Footer Placeholder 3"/>
           <p:cNvSpPr>
             <a:spLocks noGrp="1"/>
           </p:cNvSpPr>
@@ -6871,7 +7136,7 @@
       </p:sp>
       <p:sp>
         <p:nvSpPr>
-          <p:cNvPr id="5" name="Foliennummernplatzhalter 4"/>
+          <p:cNvPr id="5" name="Slide Number Placeholder 4"/>
           <p:cNvSpPr>
             <a:spLocks noGrp="1"/>
           </p:cNvSpPr>
@@ -6895,7 +7160,7 @@
       </p:sp>
       <p:sp>
         <p:nvSpPr>
-          <p:cNvPr id="10" name="Bildplatzhalter 9"/>
+          <p:cNvPr id="6" name="Picture Placeholder 5"/>
           <p:cNvSpPr>
             <a:spLocks noGrp="1"/>
           </p:cNvSpPr>
@@ -6908,20 +7173,13 @@
     </p:spTree>
     <p:extLst>
       <p:ext uri="{BB962C8B-B14F-4D97-AF65-F5344CB8AC3E}">
-        <p14:creationId xmlns:p14="http://schemas.microsoft.com/office/powerpoint/2010/main" val="2708791076"/>
+        <p14:creationId xmlns:p14="http://schemas.microsoft.com/office/powerpoint/2010/main" val="3050587218"/>
       </p:ext>
     </p:extLst>
   </p:cSld>
   <p:clrMapOvr>
     <a:masterClrMapping/>
   </p:clrMapOvr>
-  <p:timing>
-    <p:tnLst>
-      <p:par>
-        <p:cTn id="1" dur="indefinite" restart="never" nodeType="tmRoot"/>
-      </p:par>
-    </p:tnLst>
-  </p:timing>
 </p:sld>
 </file>
 
@@ -6944,7 +7202,7 @@
       </p:grpSpPr>
       <p:sp>
         <p:nvSpPr>
-          <p:cNvPr id="2" name="Titel 1"/>
+          <p:cNvPr id="2" name="Title 1"/>
           <p:cNvSpPr>
             <a:spLocks noGrp="1"/>
           </p:cNvSpPr>
@@ -6959,44 +7217,96 @@
           <a:p>
             <a:r>
               <a:rPr lang="de-CH" dirty="0" smtClean="0"/>
-              <a:t>Software</a:t>
-            </a:r>
+              <a:t>Zuordnungsalgorithmen</a:t>
+            </a:r>
+            <a:endParaRPr lang="en-US" dirty="0"/>
+          </a:p>
+        </p:txBody>
+      </p:sp>
+      <p:sp>
+        <p:nvSpPr>
+          <p:cNvPr id="3" name="Content Placeholder 2"/>
+          <p:cNvSpPr>
+            <a:spLocks noGrp="1"/>
+          </p:cNvSpPr>
+          <p:nvPr>
+            <p:ph sz="quarter" idx="13"/>
+          </p:nvPr>
+        </p:nvSpPr>
+        <p:spPr>
+          <a:xfrm>
+            <a:off x="468313" y="1124744"/>
+            <a:ext cx="8207375" cy="4824412"/>
+          </a:xfrm>
+        </p:spPr>
+        <p:txBody>
+          <a:bodyPr/>
+          <a:lstStyle/>
+          <a:p>
+            <a:r>
+              <a:rPr lang="de-CH" dirty="0" smtClean="0"/>
+              <a:t>Linear nicht möglich wegen perspektivischer Verzerrung</a:t>
+            </a:r>
+          </a:p>
+          <a:p>
             <a:endParaRPr lang="de-CH" dirty="0"/>
           </a:p>
-        </p:txBody>
-      </p:sp>
-      <p:sp>
-        <p:nvSpPr>
-          <p:cNvPr id="3" name="Inhaltsplatzhalter 2"/>
-          <p:cNvSpPr>
-            <a:spLocks noGrp="1"/>
-          </p:cNvSpPr>
-          <p:nvPr>
-            <p:ph sz="quarter" idx="13"/>
-          </p:nvPr>
-        </p:nvSpPr>
-        <p:spPr/>
-        <p:txBody>
-          <a:bodyPr/>
-          <a:lstStyle/>
+          <a:p>
+            <a:endParaRPr lang="de-CH" dirty="0" smtClean="0"/>
+          </a:p>
+          <a:p>
+            <a:endParaRPr lang="de-CH" dirty="0"/>
+          </a:p>
+          <a:p>
+            <a:endParaRPr lang="de-CH" dirty="0" smtClean="0"/>
+          </a:p>
+          <a:p>
+            <a:endParaRPr lang="de-CH" dirty="0"/>
+          </a:p>
+          <a:p>
+            <a:pPr marL="264563" indent="0">
+              <a:buNone/>
+            </a:pPr>
+            <a:endParaRPr lang="de-CH" dirty="0"/>
+          </a:p>
           <a:p>
             <a:r>
               <a:rPr lang="de-CH" dirty="0" smtClean="0"/>
-              <a:t>Domain</a:t>
-            </a:r>
-          </a:p>
-          <a:p>
+              <a:t>Versuche mit Algorithmen mit zusätzlichen Referenzpunkten</a:t>
+            </a:r>
+          </a:p>
+          <a:p>
+            <a:pPr lvl="1"/>
+            <a:r>
+              <a:rPr lang="de-CH" dirty="0"/>
+              <a:t>z</a:t>
+            </a:r>
             <a:r>
               <a:rPr lang="de-CH" dirty="0" smtClean="0"/>
-              <a:t>Sequenz</a:t>
-            </a:r>
+              <a:t>.B. Baryzentrische Koordinaten</a:t>
+            </a:r>
+          </a:p>
+          <a:p>
+            <a:pPr lvl="1"/>
+            <a:r>
+              <a:rPr lang="de-CH" dirty="0" smtClean="0"/>
+              <a:t>Solche Verfahren benötigen auch eine Interpolation an den Übergängen</a:t>
+            </a:r>
+          </a:p>
+          <a:p>
+            <a:r>
+              <a:rPr lang="de-CH" dirty="0" smtClean="0"/>
+              <a:t>Integralansatz</a:t>
+            </a:r>
+          </a:p>
+          <a:p>
             <a:endParaRPr lang="de-CH" dirty="0"/>
           </a:p>
         </p:txBody>
       </p:sp>
       <p:sp>
         <p:nvSpPr>
-          <p:cNvPr id="4" name="Fußzeilenplatzhalter 3"/>
+          <p:cNvPr id="4" name="Footer Placeholder 3"/>
           <p:cNvSpPr>
             <a:spLocks noGrp="1"/>
           </p:cNvSpPr>
@@ -7019,7 +7329,7 @@
       </p:sp>
       <p:sp>
         <p:nvSpPr>
-          <p:cNvPr id="5" name="Foliennummernplatzhalter 4"/>
+          <p:cNvPr id="5" name="Slide Number Placeholder 4"/>
           <p:cNvSpPr>
             <a:spLocks noGrp="1"/>
           </p:cNvSpPr>
@@ -7043,7 +7353,7 @@
       </p:sp>
       <p:sp>
         <p:nvSpPr>
-          <p:cNvPr id="10" name="Bildplatzhalter 9"/>
+          <p:cNvPr id="6" name="Picture Placeholder 5"/>
           <p:cNvSpPr>
             <a:spLocks noGrp="1"/>
           </p:cNvSpPr>
@@ -7053,23 +7363,46 @@
         </p:nvSpPr>
         <p:spPr/>
       </p:sp>
+      <p:pic>
+        <p:nvPicPr>
+          <p:cNvPr id="7" name="Picture 6"/>
+          <p:cNvPicPr>
+            <a:picLocks noChangeAspect="1"/>
+          </p:cNvPicPr>
+          <p:nvPr/>
+        </p:nvPicPr>
+        <p:blipFill>
+          <a:blip r:embed="rId2">
+            <a:extLst>
+              <a:ext uri="{28A0092B-C50C-407E-A947-70E740481C1C}">
+                <a14:useLocalDpi xmlns:a14="http://schemas.microsoft.com/office/drawing/2010/main" val="0"/>
+              </a:ext>
+            </a:extLst>
+          </a:blip>
+          <a:stretch>
+            <a:fillRect/>
+          </a:stretch>
+        </p:blipFill>
+        <p:spPr>
+          <a:xfrm>
+            <a:off x="755576" y="1556792"/>
+            <a:ext cx="7344816" cy="2520280"/>
+          </a:xfrm>
+          <a:prstGeom prst="rect">
+            <a:avLst/>
+          </a:prstGeom>
+        </p:spPr>
+      </p:pic>
     </p:spTree>
     <p:extLst>
       <p:ext uri="{BB962C8B-B14F-4D97-AF65-F5344CB8AC3E}">
-        <p14:creationId xmlns:p14="http://schemas.microsoft.com/office/powerpoint/2010/main" val="452990734"/>
+        <p14:creationId xmlns:p14="http://schemas.microsoft.com/office/powerpoint/2010/main" val="1780339861"/>
       </p:ext>
     </p:extLst>
   </p:cSld>
   <p:clrMapOvr>
     <a:masterClrMapping/>
   </p:clrMapOvr>
-  <p:timing>
-    <p:tnLst>
-      <p:par>
-        <p:cTn id="1" dur="indefinite" restart="never" nodeType="tmRoot"/>
-      </p:par>
-    </p:tnLst>
-  </p:timing>
 </p:sld>
 </file>
 
@@ -7092,7 +7425,7 @@
       </p:grpSpPr>
       <p:sp>
         <p:nvSpPr>
-          <p:cNvPr id="2" name="Titel 1"/>
+          <p:cNvPr id="2" name="Title 1"/>
           <p:cNvSpPr>
             <a:spLocks noGrp="1"/>
           </p:cNvSpPr>
@@ -7106,16 +7439,16 @@
           <a:lstStyle/>
           <a:p>
             <a:r>
-              <a:rPr lang="de-CH" smtClean="0"/>
-              <a:t>Inhaltsverzeichnis</a:t>
-            </a:r>
-            <a:endParaRPr lang="de-CH" dirty="0"/>
-          </a:p>
-        </p:txBody>
-      </p:sp>
-      <p:sp>
-        <p:nvSpPr>
-          <p:cNvPr id="3" name="Inhaltsplatzhalter 2"/>
+              <a:rPr lang="de-CH" dirty="0" smtClean="0"/>
+              <a:t>Zuordnung mit Integralansatz</a:t>
+            </a:r>
+            <a:endParaRPr lang="en-US" dirty="0"/>
+          </a:p>
+        </p:txBody>
+      </p:sp>
+      <p:sp>
+        <p:nvSpPr>
+          <p:cNvPr id="3" name="Content Placeholder 2"/>
           <p:cNvSpPr>
             <a:spLocks noGrp="1"/>
           </p:cNvSpPr>
@@ -7129,126 +7462,16 @@
           <a:lstStyle/>
           <a:p>
             <a:r>
-              <a:rPr lang="de-CH" dirty="0" smtClean="0">
-                <a:solidFill>
-                  <a:srgbClr val="C6C7C8"/>
-                </a:solidFill>
-              </a:rPr>
-              <a:t>Aufgabe</a:t>
-            </a:r>
-          </a:p>
-          <a:p>
-            <a:r>
-              <a:rPr lang="de-CH" dirty="0" smtClean="0">
-                <a:solidFill>
-                  <a:srgbClr val="C6C7C8"/>
-                </a:solidFill>
-              </a:rPr>
-              <a:t>Analyse</a:t>
-            </a:r>
-          </a:p>
-          <a:p>
-            <a:r>
-              <a:rPr lang="de-CH" dirty="0" smtClean="0">
-                <a:solidFill>
-                  <a:srgbClr val="C6C7C8"/>
-                </a:solidFill>
-              </a:rPr>
-              <a:t>Lösungsansätze</a:t>
-            </a:r>
-          </a:p>
-          <a:p>
-            <a:pPr lvl="1"/>
-            <a:r>
-              <a:rPr lang="de-CH" dirty="0" smtClean="0">
-                <a:solidFill>
-                  <a:srgbClr val="C6C7C8"/>
-                </a:solidFill>
-              </a:rPr>
-              <a:t>Kalibrierung</a:t>
-            </a:r>
-          </a:p>
-          <a:p>
-            <a:pPr lvl="1"/>
-            <a:r>
-              <a:rPr lang="de-CH" dirty="0" smtClean="0">
-                <a:solidFill>
-                  <a:srgbClr val="C6C7C8"/>
-                </a:solidFill>
-              </a:rPr>
-              <a:t>Stift finden</a:t>
-            </a:r>
-          </a:p>
-          <a:p>
-            <a:pPr lvl="1"/>
-            <a:r>
-              <a:rPr lang="de-CH" dirty="0" smtClean="0">
-                <a:solidFill>
-                  <a:srgbClr val="C6C7C8"/>
-                </a:solidFill>
-              </a:rPr>
-              <a:t>Software</a:t>
-            </a:r>
-            <a:endParaRPr lang="de-CH" dirty="0" smtClean="0">
-              <a:solidFill>
-                <a:srgbClr val="C6C7C8"/>
-              </a:solidFill>
-            </a:endParaRPr>
-          </a:p>
-          <a:p>
-            <a:r>
-              <a:rPr lang="de-CH" dirty="0" smtClean="0">
-                <a:solidFill>
-                  <a:srgbClr val="1A171B"/>
-                </a:solidFill>
-              </a:rPr>
-              <a:t>Ergebnis</a:t>
-            </a:r>
-          </a:p>
-          <a:p>
-            <a:r>
-              <a:rPr lang="de-CH" dirty="0" smtClean="0">
-                <a:solidFill>
-                  <a:srgbClr val="C6C7C8"/>
-                </a:solidFill>
-              </a:rPr>
-              <a:t>Potential</a:t>
-            </a:r>
-            <a:endParaRPr lang="de-CH" dirty="0" smtClean="0">
-              <a:solidFill>
-                <a:srgbClr val="C6C7C8"/>
-              </a:solidFill>
-            </a:endParaRPr>
-          </a:p>
-          <a:p>
-            <a:r>
-              <a:rPr lang="de-CH" dirty="0" smtClean="0">
-                <a:solidFill>
-                  <a:srgbClr val="C6C7C8"/>
-                </a:solidFill>
-              </a:rPr>
-              <a:t>Fazit</a:t>
-            </a:r>
-            <a:endParaRPr lang="de-CH" dirty="0" smtClean="0">
-              <a:solidFill>
-                <a:srgbClr val="C6C7C8"/>
-              </a:solidFill>
-            </a:endParaRPr>
-          </a:p>
-          <a:p>
-            <a:endParaRPr lang="de-CH" dirty="0" smtClean="0"/>
-          </a:p>
-          <a:p>
-            <a:endParaRPr lang="de-CH" dirty="0" smtClean="0"/>
-          </a:p>
-          <a:p>
-            <a:endParaRPr lang="de-CH" dirty="0"/>
-          </a:p>
-        </p:txBody>
-      </p:sp>
-      <p:sp>
-        <p:nvSpPr>
-          <p:cNvPr id="4" name="Fußzeilenplatzhalter 3"/>
+              <a:rPr lang="de-CH" dirty="0" smtClean="0"/>
+              <a:t>…</a:t>
+            </a:r>
+            <a:endParaRPr lang="en-US" dirty="0"/>
+          </a:p>
+        </p:txBody>
+      </p:sp>
+      <p:sp>
+        <p:nvSpPr>
+          <p:cNvPr id="4" name="Footer Placeholder 3"/>
           <p:cNvSpPr>
             <a:spLocks noGrp="1"/>
           </p:cNvSpPr>
@@ -7271,7 +7494,7 @@
       </p:sp>
       <p:sp>
         <p:nvSpPr>
-          <p:cNvPr id="5" name="Foliennummernplatzhalter 4"/>
+          <p:cNvPr id="5" name="Slide Number Placeholder 4"/>
           <p:cNvSpPr>
             <a:spLocks noGrp="1"/>
           </p:cNvSpPr>
@@ -7295,7 +7518,7 @@
       </p:sp>
       <p:sp>
         <p:nvSpPr>
-          <p:cNvPr id="10" name="Bildplatzhalter 9"/>
+          <p:cNvPr id="6" name="Picture Placeholder 5"/>
           <p:cNvSpPr>
             <a:spLocks noGrp="1"/>
           </p:cNvSpPr>
@@ -7308,20 +7531,13 @@
     </p:spTree>
     <p:extLst>
       <p:ext uri="{BB962C8B-B14F-4D97-AF65-F5344CB8AC3E}">
-        <p14:creationId xmlns:p14="http://schemas.microsoft.com/office/powerpoint/2010/main" val="3767884629"/>
+        <p14:creationId xmlns:p14="http://schemas.microsoft.com/office/powerpoint/2010/main" val="123570667"/>
       </p:ext>
     </p:extLst>
   </p:cSld>
   <p:clrMapOvr>
     <a:masterClrMapping/>
   </p:clrMapOvr>
-  <p:timing>
-    <p:tnLst>
-      <p:par>
-        <p:cTn id="1" dur="indefinite" restart="never" nodeType="tmRoot"/>
-      </p:par>
-    </p:tnLst>
-  </p:timing>
 </p:sld>
 </file>
 
@@ -7359,7 +7575,7 @@
           <a:p>
             <a:r>
               <a:rPr lang="de-CH" dirty="0" smtClean="0"/>
-              <a:t>Ergebnis</a:t>
+              <a:t>Lösungsansätze – Stift finden</a:t>
             </a:r>
             <a:endParaRPr lang="de-CH" dirty="0"/>
           </a:p>
@@ -7382,8 +7598,23 @@
           <a:p>
             <a:r>
               <a:rPr lang="de-CH" dirty="0" smtClean="0"/>
-              <a:t>Messungen / Statistiken</a:t>
-            </a:r>
+              <a:t>Eigenschaften des Stiftes</a:t>
+            </a:r>
+          </a:p>
+          <a:p>
+            <a:pPr lvl="1"/>
+            <a:r>
+              <a:rPr lang="de-CH" dirty="0" smtClean="0"/>
+              <a:t>optisch</a:t>
+            </a:r>
+          </a:p>
+          <a:p>
+            <a:pPr lvl="1"/>
+            <a:r>
+              <a:rPr lang="de-CH" dirty="0" smtClean="0"/>
+              <a:t>hell</a:t>
+            </a:r>
+            <a:endParaRPr lang="de-CH" dirty="0"/>
           </a:p>
         </p:txBody>
       </p:sp>
@@ -7449,7 +7680,7 @@
     </p:spTree>
     <p:extLst>
       <p:ext uri="{BB962C8B-B14F-4D97-AF65-F5344CB8AC3E}">
-        <p14:creationId xmlns:p14="http://schemas.microsoft.com/office/powerpoint/2010/main" val="2350323549"/>
+        <p14:creationId xmlns:p14="http://schemas.microsoft.com/office/powerpoint/2010/main" val="512808011"/>
       </p:ext>
     </p:extLst>
   </p:cSld>
@@ -7500,7 +7731,7 @@
           <a:p>
             <a:r>
               <a:rPr lang="de-CH" dirty="0" smtClean="0"/>
-              <a:t>Ergebnis</a:t>
+              <a:t>Lösungsansätze – Stift finden</a:t>
             </a:r>
             <a:endParaRPr lang="de-CH" dirty="0"/>
           </a:p>
@@ -7523,8 +7754,23 @@
           <a:p>
             <a:r>
               <a:rPr lang="de-CH" dirty="0" smtClean="0"/>
-              <a:t>Demo</a:t>
-            </a:r>
+              <a:t>Optimierungen</a:t>
+            </a:r>
+          </a:p>
+          <a:p>
+            <a:pPr lvl="1"/>
+            <a:r>
+              <a:rPr lang="de-CH" dirty="0" smtClean="0"/>
+              <a:t>Gezielt Suchen</a:t>
+            </a:r>
+          </a:p>
+          <a:p>
+            <a:pPr lvl="1"/>
+            <a:r>
+              <a:rPr lang="de-CH" dirty="0" smtClean="0"/>
+              <a:t>Threading</a:t>
+            </a:r>
+            <a:endParaRPr lang="de-CH" dirty="0"/>
           </a:p>
         </p:txBody>
       </p:sp>
@@ -7590,7 +7836,7 @@
     </p:spTree>
     <p:extLst>
       <p:ext uri="{BB962C8B-B14F-4D97-AF65-F5344CB8AC3E}">
-        <p14:creationId xmlns:p14="http://schemas.microsoft.com/office/powerpoint/2010/main" val="1571443152"/>
+        <p14:creationId xmlns:p14="http://schemas.microsoft.com/office/powerpoint/2010/main" val="2708791076"/>
       </p:ext>
     </p:extLst>
   </p:cSld>
@@ -7640,8 +7886,8 @@
           <a:lstStyle/>
           <a:p>
             <a:r>
-              <a:rPr lang="de-CH" smtClean="0"/>
-              <a:t>Inhaltsverzeichnis</a:t>
+              <a:rPr lang="de-CH" dirty="0" smtClean="0"/>
+              <a:t>Software</a:t>
             </a:r>
             <a:endParaRPr lang="de-CH" dirty="0"/>
           </a:p>
@@ -7663,119 +7909,15 @@
           <a:lstStyle/>
           <a:p>
             <a:r>
-              <a:rPr lang="de-CH" dirty="0" smtClean="0">
-                <a:solidFill>
-                  <a:srgbClr val="C6C7C8"/>
-                </a:solidFill>
-              </a:rPr>
-              <a:t>Aufgabe</a:t>
-            </a:r>
-          </a:p>
-          <a:p>
-            <a:r>
-              <a:rPr lang="de-CH" dirty="0" smtClean="0">
-                <a:solidFill>
-                  <a:srgbClr val="C6C7C8"/>
-                </a:solidFill>
-              </a:rPr>
-              <a:t>Analyse</a:t>
-            </a:r>
-          </a:p>
-          <a:p>
-            <a:r>
-              <a:rPr lang="de-CH" dirty="0" smtClean="0">
-                <a:solidFill>
-                  <a:srgbClr val="C6C7C8"/>
-                </a:solidFill>
-              </a:rPr>
-              <a:t>Lösungsansätze</a:t>
-            </a:r>
-          </a:p>
-          <a:p>
-            <a:pPr lvl="1"/>
-            <a:r>
-              <a:rPr lang="de-CH" dirty="0" smtClean="0">
-                <a:solidFill>
-                  <a:srgbClr val="C6C7C8"/>
-                </a:solidFill>
-              </a:rPr>
-              <a:t>Kalibrierung</a:t>
-            </a:r>
-          </a:p>
-          <a:p>
-            <a:pPr lvl="1"/>
-            <a:r>
-              <a:rPr lang="de-CH" dirty="0" smtClean="0">
-                <a:solidFill>
-                  <a:srgbClr val="C6C7C8"/>
-                </a:solidFill>
-              </a:rPr>
-              <a:t>Stift finden</a:t>
-            </a:r>
-          </a:p>
-          <a:p>
-            <a:pPr lvl="1"/>
-            <a:r>
-              <a:rPr lang="de-CH" dirty="0" smtClean="0">
-                <a:solidFill>
-                  <a:srgbClr val="C6C7C8"/>
-                </a:solidFill>
-              </a:rPr>
-              <a:t>Software</a:t>
-            </a:r>
-            <a:endParaRPr lang="de-CH" dirty="0" smtClean="0">
-              <a:solidFill>
-                <a:srgbClr val="C6C7C8"/>
-              </a:solidFill>
-            </a:endParaRPr>
-          </a:p>
-          <a:p>
-            <a:r>
-              <a:rPr lang="de-CH" dirty="0" smtClean="0">
-                <a:solidFill>
-                  <a:srgbClr val="C6C7C8"/>
-                </a:solidFill>
-              </a:rPr>
-              <a:t>Ergebnis</a:t>
-            </a:r>
-          </a:p>
-          <a:p>
-            <a:r>
-              <a:rPr lang="de-CH" dirty="0" smtClean="0">
-                <a:solidFill>
-                  <a:srgbClr val="1A171B"/>
-                </a:solidFill>
-              </a:rPr>
-              <a:t>Potential</a:t>
-            </a:r>
-            <a:endParaRPr lang="de-CH" dirty="0" smtClean="0">
-              <a:solidFill>
-                <a:srgbClr val="1A171B"/>
-              </a:solidFill>
-            </a:endParaRPr>
-          </a:p>
-          <a:p>
-            <a:r>
-              <a:rPr lang="de-CH" dirty="0" smtClean="0">
-                <a:solidFill>
-                  <a:srgbClr val="C6C7C8"/>
-                </a:solidFill>
-              </a:rPr>
-              <a:t>Fazit</a:t>
-            </a:r>
-            <a:endParaRPr lang="de-CH" dirty="0" smtClean="0">
-              <a:solidFill>
-                <a:srgbClr val="C6C7C8"/>
-              </a:solidFill>
-            </a:endParaRPr>
-          </a:p>
-          <a:p>
-            <a:endParaRPr lang="de-CH" dirty="0" smtClean="0"/>
-          </a:p>
-          <a:p>
-            <a:endParaRPr lang="de-CH" dirty="0" smtClean="0"/>
-          </a:p>
-          <a:p>
+              <a:rPr lang="de-CH" dirty="0" smtClean="0"/>
+              <a:t>Domain</a:t>
+            </a:r>
+          </a:p>
+          <a:p>
+            <a:r>
+              <a:rPr lang="de-CH" dirty="0" smtClean="0"/>
+              <a:t>Sequenz</a:t>
+            </a:r>
             <a:endParaRPr lang="de-CH" dirty="0"/>
           </a:p>
         </p:txBody>
@@ -7842,7 +7984,7 @@
     </p:spTree>
     <p:extLst>
       <p:ext uri="{BB962C8B-B14F-4D97-AF65-F5344CB8AC3E}">
-        <p14:creationId xmlns:p14="http://schemas.microsoft.com/office/powerpoint/2010/main" val="3767884629"/>
+        <p14:creationId xmlns:p14="http://schemas.microsoft.com/office/powerpoint/2010/main" val="452990734"/>
       </p:ext>
     </p:extLst>
   </p:cSld>
@@ -7892,32 +8034,128 @@
           <a:lstStyle/>
           <a:p>
             <a:r>
-              <a:rPr lang="de-CH" dirty="0" smtClean="0"/>
+              <a:rPr lang="de-CH" smtClean="0"/>
+              <a:t>Inhaltsverzeichnis</a:t>
+            </a:r>
+            <a:endParaRPr lang="de-CH" dirty="0"/>
+          </a:p>
+        </p:txBody>
+      </p:sp>
+      <p:sp>
+        <p:nvSpPr>
+          <p:cNvPr id="3" name="Inhaltsplatzhalter 2"/>
+          <p:cNvSpPr>
+            <a:spLocks noGrp="1"/>
+          </p:cNvSpPr>
+          <p:nvPr>
+            <p:ph sz="quarter" idx="13"/>
+          </p:nvPr>
+        </p:nvSpPr>
+        <p:spPr/>
+        <p:txBody>
+          <a:bodyPr/>
+          <a:lstStyle/>
+          <a:p>
+            <a:r>
+              <a:rPr lang="de-CH" dirty="0" smtClean="0">
+                <a:solidFill>
+                  <a:srgbClr val="C6C7C8"/>
+                </a:solidFill>
+              </a:rPr>
+              <a:t>Aufgabe</a:t>
+            </a:r>
+          </a:p>
+          <a:p>
+            <a:r>
+              <a:rPr lang="de-CH" dirty="0" smtClean="0">
+                <a:solidFill>
+                  <a:srgbClr val="C6C7C8"/>
+                </a:solidFill>
+              </a:rPr>
+              <a:t>Analyse</a:t>
+            </a:r>
+          </a:p>
+          <a:p>
+            <a:r>
+              <a:rPr lang="de-CH" dirty="0" smtClean="0">
+                <a:solidFill>
+                  <a:srgbClr val="C6C7C8"/>
+                </a:solidFill>
+              </a:rPr>
+              <a:t>Lösungsansätze</a:t>
+            </a:r>
+          </a:p>
+          <a:p>
+            <a:pPr lvl="1"/>
+            <a:r>
+              <a:rPr lang="de-CH" dirty="0" smtClean="0">
+                <a:solidFill>
+                  <a:srgbClr val="C6C7C8"/>
+                </a:solidFill>
+              </a:rPr>
+              <a:t>Kalibrierung</a:t>
+            </a:r>
+          </a:p>
+          <a:p>
+            <a:pPr lvl="1"/>
+            <a:r>
+              <a:rPr lang="de-CH" dirty="0" smtClean="0">
+                <a:solidFill>
+                  <a:srgbClr val="C6C7C8"/>
+                </a:solidFill>
+              </a:rPr>
+              <a:t>Stift finden</a:t>
+            </a:r>
+          </a:p>
+          <a:p>
+            <a:pPr lvl="1"/>
+            <a:r>
+              <a:rPr lang="de-CH" dirty="0" smtClean="0">
+                <a:solidFill>
+                  <a:srgbClr val="C6C7C8"/>
+                </a:solidFill>
+              </a:rPr>
+              <a:t>Software</a:t>
+            </a:r>
+          </a:p>
+          <a:p>
+            <a:r>
+              <a:rPr lang="de-CH" dirty="0" smtClean="0">
+                <a:solidFill>
+                  <a:srgbClr val="1A171B"/>
+                </a:solidFill>
+              </a:rPr>
+              <a:t>Ergebnis</a:t>
+            </a:r>
+          </a:p>
+          <a:p>
+            <a:r>
+              <a:rPr lang="de-CH" dirty="0" smtClean="0">
+                <a:solidFill>
+                  <a:srgbClr val="C6C7C8"/>
+                </a:solidFill>
+              </a:rPr>
               <a:t>Potential</a:t>
             </a:r>
+          </a:p>
+          <a:p>
+            <a:r>
+              <a:rPr lang="de-CH" dirty="0" smtClean="0">
+                <a:solidFill>
+                  <a:srgbClr val="C6C7C8"/>
+                </a:solidFill>
+              </a:rPr>
+              <a:t>Fazit</a:t>
+            </a:r>
+          </a:p>
+          <a:p>
+            <a:endParaRPr lang="de-CH" dirty="0" smtClean="0"/>
+          </a:p>
+          <a:p>
+            <a:endParaRPr lang="de-CH" dirty="0" smtClean="0"/>
+          </a:p>
+          <a:p>
             <a:endParaRPr lang="de-CH" dirty="0"/>
-          </a:p>
-        </p:txBody>
-      </p:sp>
-      <p:sp>
-        <p:nvSpPr>
-          <p:cNvPr id="3" name="Inhaltsplatzhalter 2"/>
-          <p:cNvSpPr>
-            <a:spLocks noGrp="1"/>
-          </p:cNvSpPr>
-          <p:nvPr>
-            <p:ph sz="quarter" idx="13"/>
-          </p:nvPr>
-        </p:nvSpPr>
-        <p:spPr/>
-        <p:txBody>
-          <a:bodyPr/>
-          <a:lstStyle/>
-          <a:p>
-            <a:r>
-              <a:rPr lang="de-CH" dirty="0" smtClean="0"/>
-              <a:t>Touch</a:t>
-            </a:r>
           </a:p>
         </p:txBody>
       </p:sp>
@@ -7983,7 +8221,7 @@
     </p:spTree>
     <p:extLst>
       <p:ext uri="{BB962C8B-B14F-4D97-AF65-F5344CB8AC3E}">
-        <p14:creationId xmlns:p14="http://schemas.microsoft.com/office/powerpoint/2010/main" val="1103514705"/>
+        <p14:creationId xmlns:p14="http://schemas.microsoft.com/office/powerpoint/2010/main" val="3767884629"/>
       </p:ext>
     </p:extLst>
   </p:cSld>
@@ -8069,11 +8307,6 @@
               </a:rPr>
               <a:t>Analyse</a:t>
             </a:r>
-            <a:endParaRPr lang="de-CH" dirty="0" smtClean="0">
-              <a:solidFill>
-                <a:srgbClr val="C6C7C8"/>
-              </a:solidFill>
-            </a:endParaRPr>
           </a:p>
           <a:p>
             <a:r>
@@ -8117,11 +8350,6 @@
               </a:rPr>
               <a:t>Software</a:t>
             </a:r>
-            <a:endParaRPr lang="de-CH" dirty="0" smtClean="0">
-              <a:solidFill>
-                <a:srgbClr val="C6C7C8"/>
-              </a:solidFill>
-            </a:endParaRPr>
           </a:p>
           <a:p>
             <a:r>
@@ -8142,11 +8370,6 @@
               </a:rPr>
               <a:t>Potential</a:t>
             </a:r>
-            <a:endParaRPr lang="de-CH" dirty="0" smtClean="0">
-              <a:solidFill>
-                <a:srgbClr val="C6C7C8"/>
-              </a:solidFill>
-            </a:endParaRPr>
           </a:p>
           <a:p>
             <a:r>
@@ -8157,11 +8380,6 @@
               </a:rPr>
               <a:t>Fazit</a:t>
             </a:r>
-            <a:endParaRPr lang="de-CH" dirty="0" smtClean="0">
-              <a:solidFill>
-                <a:srgbClr val="C6C7C8"/>
-              </a:solidFill>
-            </a:endParaRPr>
           </a:p>
           <a:p>
             <a:endParaRPr lang="de-CH" dirty="0" smtClean="0"/>
@@ -8286,8 +8504,8 @@
           <a:lstStyle/>
           <a:p>
             <a:r>
-              <a:rPr lang="de-CH" smtClean="0"/>
-              <a:t>Inhaltsverzeichnis</a:t>
+              <a:rPr lang="de-CH" dirty="0" smtClean="0"/>
+              <a:t>Ergebnis</a:t>
             </a:r>
             <a:endParaRPr lang="de-CH" dirty="0"/>
           </a:p>
@@ -8309,120 +8527,9 @@
           <a:lstStyle/>
           <a:p>
             <a:r>
-              <a:rPr lang="de-CH" dirty="0" smtClean="0">
-                <a:solidFill>
-                  <a:srgbClr val="C6C7C8"/>
-                </a:solidFill>
-              </a:rPr>
-              <a:t>Aufgabe</a:t>
-            </a:r>
-          </a:p>
-          <a:p>
-            <a:r>
-              <a:rPr lang="de-CH" dirty="0" smtClean="0">
-                <a:solidFill>
-                  <a:srgbClr val="C6C7C8"/>
-                </a:solidFill>
-              </a:rPr>
-              <a:t>Analyse</a:t>
-            </a:r>
-          </a:p>
-          <a:p>
-            <a:r>
-              <a:rPr lang="de-CH" dirty="0" smtClean="0">
-                <a:solidFill>
-                  <a:srgbClr val="C6C7C8"/>
-                </a:solidFill>
-              </a:rPr>
-              <a:t>Lösungsansätze</a:t>
-            </a:r>
-          </a:p>
-          <a:p>
-            <a:pPr lvl="1"/>
-            <a:r>
-              <a:rPr lang="de-CH" dirty="0" smtClean="0">
-                <a:solidFill>
-                  <a:srgbClr val="C6C7C8"/>
-                </a:solidFill>
-              </a:rPr>
-              <a:t>Kalibrierung</a:t>
-            </a:r>
-          </a:p>
-          <a:p>
-            <a:pPr lvl="1"/>
-            <a:r>
-              <a:rPr lang="de-CH" dirty="0" smtClean="0">
-                <a:solidFill>
-                  <a:srgbClr val="C6C7C8"/>
-                </a:solidFill>
-              </a:rPr>
-              <a:t>Stift finden</a:t>
-            </a:r>
-          </a:p>
-          <a:p>
-            <a:pPr lvl="1"/>
-            <a:r>
-              <a:rPr lang="de-CH" dirty="0" smtClean="0">
-                <a:solidFill>
-                  <a:srgbClr val="C6C7C8"/>
-                </a:solidFill>
-              </a:rPr>
-              <a:t>Software</a:t>
-            </a:r>
-            <a:endParaRPr lang="de-CH" dirty="0" smtClean="0">
-              <a:solidFill>
-                <a:srgbClr val="C6C7C8"/>
-              </a:solidFill>
-            </a:endParaRPr>
-          </a:p>
-          <a:p>
-            <a:r>
-              <a:rPr lang="de-CH" dirty="0" smtClean="0">
-                <a:solidFill>
-                  <a:srgbClr val="C6C7C8"/>
-                </a:solidFill>
-              </a:rPr>
-              <a:t>Ergebnis</a:t>
-            </a:r>
-          </a:p>
-          <a:p>
-            <a:r>
-              <a:rPr lang="de-CH" dirty="0" smtClean="0">
-                <a:solidFill>
-                  <a:srgbClr val="C6C7C8"/>
-                </a:solidFill>
-              </a:rPr>
-              <a:t>Potential</a:t>
-            </a:r>
-            <a:endParaRPr lang="de-CH" dirty="0" smtClean="0">
-              <a:solidFill>
-                <a:srgbClr val="C6C7C8"/>
-              </a:solidFill>
-            </a:endParaRPr>
-          </a:p>
-          <a:p>
-            <a:r>
-              <a:rPr lang="de-CH" dirty="0" smtClean="0">
-                <a:solidFill>
-                  <a:srgbClr val="1A171B"/>
-                </a:solidFill>
-              </a:rPr>
-              <a:t>Fazit</a:t>
-            </a:r>
-            <a:endParaRPr lang="de-CH" dirty="0" smtClean="0">
-              <a:solidFill>
-                <a:srgbClr val="1A171B"/>
-              </a:solidFill>
-            </a:endParaRPr>
-          </a:p>
-          <a:p>
-            <a:endParaRPr lang="de-CH" dirty="0" smtClean="0"/>
-          </a:p>
-          <a:p>
-            <a:endParaRPr lang="de-CH" dirty="0" smtClean="0"/>
-          </a:p>
-          <a:p>
-            <a:endParaRPr lang="de-CH" dirty="0"/>
+              <a:rPr lang="de-CH" dirty="0" smtClean="0"/>
+              <a:t>Messungen / Statistiken</a:t>
+            </a:r>
           </a:p>
         </p:txBody>
       </p:sp>
@@ -8488,7 +8595,7 @@
     </p:spTree>
     <p:extLst>
       <p:ext uri="{BB962C8B-B14F-4D97-AF65-F5344CB8AC3E}">
-        <p14:creationId xmlns:p14="http://schemas.microsoft.com/office/powerpoint/2010/main" val="84619438"/>
+        <p14:creationId xmlns:p14="http://schemas.microsoft.com/office/powerpoint/2010/main" val="2350323549"/>
       </p:ext>
     </p:extLst>
   </p:cSld>
@@ -8539,7 +8646,7 @@
           <a:p>
             <a:r>
               <a:rPr lang="de-CH" dirty="0" smtClean="0"/>
-              <a:t>Fazit</a:t>
+              <a:t>Ergebnis</a:t>
             </a:r>
             <a:endParaRPr lang="de-CH" dirty="0"/>
           </a:p>
@@ -8562,7 +8669,7 @@
           <a:p>
             <a:r>
               <a:rPr lang="de-CH" dirty="0" smtClean="0"/>
-              <a:t>Erfahrungen</a:t>
+              <a:t>Demo</a:t>
             </a:r>
           </a:p>
         </p:txBody>
@@ -8629,7 +8736,7 @@
     </p:spTree>
     <p:extLst>
       <p:ext uri="{BB962C8B-B14F-4D97-AF65-F5344CB8AC3E}">
-        <p14:creationId xmlns:p14="http://schemas.microsoft.com/office/powerpoint/2010/main" val="2861469022"/>
+        <p14:creationId xmlns:p14="http://schemas.microsoft.com/office/powerpoint/2010/main" val="1571443152"/>
       </p:ext>
     </p:extLst>
   </p:cSld>
@@ -8679,6 +8786,762 @@
           <a:lstStyle/>
           <a:p>
             <a:r>
+              <a:rPr lang="de-CH" smtClean="0"/>
+              <a:t>Inhaltsverzeichnis</a:t>
+            </a:r>
+            <a:endParaRPr lang="de-CH" dirty="0"/>
+          </a:p>
+        </p:txBody>
+      </p:sp>
+      <p:sp>
+        <p:nvSpPr>
+          <p:cNvPr id="3" name="Inhaltsplatzhalter 2"/>
+          <p:cNvSpPr>
+            <a:spLocks noGrp="1"/>
+          </p:cNvSpPr>
+          <p:nvPr>
+            <p:ph sz="quarter" idx="13"/>
+          </p:nvPr>
+        </p:nvSpPr>
+        <p:spPr/>
+        <p:txBody>
+          <a:bodyPr/>
+          <a:lstStyle/>
+          <a:p>
+            <a:r>
+              <a:rPr lang="de-CH" dirty="0" smtClean="0">
+                <a:solidFill>
+                  <a:srgbClr val="C6C7C8"/>
+                </a:solidFill>
+              </a:rPr>
+              <a:t>Aufgabe</a:t>
+            </a:r>
+          </a:p>
+          <a:p>
+            <a:r>
+              <a:rPr lang="de-CH" dirty="0" smtClean="0">
+                <a:solidFill>
+                  <a:srgbClr val="C6C7C8"/>
+                </a:solidFill>
+              </a:rPr>
+              <a:t>Analyse</a:t>
+            </a:r>
+          </a:p>
+          <a:p>
+            <a:r>
+              <a:rPr lang="de-CH" dirty="0" smtClean="0">
+                <a:solidFill>
+                  <a:srgbClr val="C6C7C8"/>
+                </a:solidFill>
+              </a:rPr>
+              <a:t>Lösungsansätze</a:t>
+            </a:r>
+          </a:p>
+          <a:p>
+            <a:pPr lvl="1"/>
+            <a:r>
+              <a:rPr lang="de-CH" dirty="0" smtClean="0">
+                <a:solidFill>
+                  <a:srgbClr val="C6C7C8"/>
+                </a:solidFill>
+              </a:rPr>
+              <a:t>Kalibrierung</a:t>
+            </a:r>
+          </a:p>
+          <a:p>
+            <a:pPr lvl="1"/>
+            <a:r>
+              <a:rPr lang="de-CH" dirty="0" smtClean="0">
+                <a:solidFill>
+                  <a:srgbClr val="C6C7C8"/>
+                </a:solidFill>
+              </a:rPr>
+              <a:t>Stift finden</a:t>
+            </a:r>
+          </a:p>
+          <a:p>
+            <a:pPr lvl="1"/>
+            <a:r>
+              <a:rPr lang="de-CH" dirty="0" smtClean="0">
+                <a:solidFill>
+                  <a:srgbClr val="C6C7C8"/>
+                </a:solidFill>
+              </a:rPr>
+              <a:t>Software</a:t>
+            </a:r>
+          </a:p>
+          <a:p>
+            <a:r>
+              <a:rPr lang="de-CH" dirty="0" smtClean="0">
+                <a:solidFill>
+                  <a:srgbClr val="C6C7C8"/>
+                </a:solidFill>
+              </a:rPr>
+              <a:t>Ergebnis</a:t>
+            </a:r>
+          </a:p>
+          <a:p>
+            <a:r>
+              <a:rPr lang="de-CH" dirty="0" smtClean="0">
+                <a:solidFill>
+                  <a:srgbClr val="1A171B"/>
+                </a:solidFill>
+              </a:rPr>
+              <a:t>Potential</a:t>
+            </a:r>
+          </a:p>
+          <a:p>
+            <a:r>
+              <a:rPr lang="de-CH" dirty="0" smtClean="0">
+                <a:solidFill>
+                  <a:srgbClr val="C6C7C8"/>
+                </a:solidFill>
+              </a:rPr>
+              <a:t>Fazit</a:t>
+            </a:r>
+          </a:p>
+          <a:p>
+            <a:endParaRPr lang="de-CH" dirty="0" smtClean="0"/>
+          </a:p>
+          <a:p>
+            <a:endParaRPr lang="de-CH" dirty="0" smtClean="0"/>
+          </a:p>
+          <a:p>
+            <a:endParaRPr lang="de-CH" dirty="0"/>
+          </a:p>
+        </p:txBody>
+      </p:sp>
+      <p:sp>
+        <p:nvSpPr>
+          <p:cNvPr id="4" name="Fußzeilenplatzhalter 3"/>
+          <p:cNvSpPr>
+            <a:spLocks noGrp="1"/>
+          </p:cNvSpPr>
+          <p:nvPr>
+            <p:ph type="ftr" sz="quarter" idx="3"/>
+          </p:nvPr>
+        </p:nvSpPr>
+        <p:spPr/>
+        <p:txBody>
+          <a:bodyPr/>
+          <a:lstStyle/>
+          <a:p>
+            <a:r>
+              <a:rPr lang="de-CH" smtClean="0"/>
+              <a:t>Bachelorarbeit, PresentationWriter, Rapperswil, 16.8.2013</a:t>
+            </a:r>
+            <a:endParaRPr lang="de-CH" dirty="0"/>
+          </a:p>
+        </p:txBody>
+      </p:sp>
+      <p:sp>
+        <p:nvSpPr>
+          <p:cNvPr id="5" name="Foliennummernplatzhalter 4"/>
+          <p:cNvSpPr>
+            <a:spLocks noGrp="1"/>
+          </p:cNvSpPr>
+          <p:nvPr>
+            <p:ph type="sldNum" sz="quarter" idx="4"/>
+          </p:nvPr>
+        </p:nvSpPr>
+        <p:spPr/>
+        <p:txBody>
+          <a:bodyPr/>
+          <a:lstStyle/>
+          <a:p>
+            <a:fld id="{6CB3B594-2801-4864-9089-E42463258A4B}" type="slidenum">
+              <a:rPr lang="de-CH" smtClean="0"/>
+              <a:pPr/>
+              <a:t>22</a:t>
+            </a:fld>
+            <a:endParaRPr lang="de-CH"/>
+          </a:p>
+        </p:txBody>
+      </p:sp>
+      <p:sp>
+        <p:nvSpPr>
+          <p:cNvPr id="10" name="Bildplatzhalter 9"/>
+          <p:cNvSpPr>
+            <a:spLocks noGrp="1"/>
+          </p:cNvSpPr>
+          <p:nvPr>
+            <p:ph type="pic" sz="quarter" idx="14"/>
+          </p:nvPr>
+        </p:nvSpPr>
+        <p:spPr/>
+      </p:sp>
+    </p:spTree>
+    <p:extLst>
+      <p:ext uri="{BB962C8B-B14F-4D97-AF65-F5344CB8AC3E}">
+        <p14:creationId xmlns:p14="http://schemas.microsoft.com/office/powerpoint/2010/main" val="3767884629"/>
+      </p:ext>
+    </p:extLst>
+  </p:cSld>
+  <p:clrMapOvr>
+    <a:masterClrMapping/>
+  </p:clrMapOvr>
+  <p:timing>
+    <p:tnLst>
+      <p:par>
+        <p:cTn id="1" dur="indefinite" restart="never" nodeType="tmRoot"/>
+      </p:par>
+    </p:tnLst>
+  </p:timing>
+</p:sld>
+</file>
+
+<file path=ppt/slides/slide23.xml><?xml version="1.0" encoding="utf-8"?>
+<p:sld xmlns:a="http://schemas.openxmlformats.org/drawingml/2006/main" xmlns:r="http://schemas.openxmlformats.org/officeDocument/2006/relationships" xmlns:p="http://schemas.openxmlformats.org/presentationml/2006/main">
+  <p:cSld>
+    <p:spTree>
+      <p:nvGrpSpPr>
+        <p:cNvPr id="1" name=""/>
+        <p:cNvGrpSpPr/>
+        <p:nvPr/>
+      </p:nvGrpSpPr>
+      <p:grpSpPr>
+        <a:xfrm>
+          <a:off x="0" y="0"/>
+          <a:ext cx="0" cy="0"/>
+          <a:chOff x="0" y="0"/>
+          <a:chExt cx="0" cy="0"/>
+        </a:xfrm>
+      </p:grpSpPr>
+      <p:sp>
+        <p:nvSpPr>
+          <p:cNvPr id="2" name="Titel 1"/>
+          <p:cNvSpPr>
+            <a:spLocks noGrp="1"/>
+          </p:cNvSpPr>
+          <p:nvPr>
+            <p:ph type="title"/>
+          </p:nvPr>
+        </p:nvSpPr>
+        <p:spPr/>
+        <p:txBody>
+          <a:bodyPr/>
+          <a:lstStyle/>
+          <a:p>
+            <a:r>
+              <a:rPr lang="de-CH" dirty="0" smtClean="0"/>
+              <a:t>Potential</a:t>
+            </a:r>
+            <a:endParaRPr lang="de-CH" dirty="0"/>
+          </a:p>
+        </p:txBody>
+      </p:sp>
+      <p:sp>
+        <p:nvSpPr>
+          <p:cNvPr id="3" name="Inhaltsplatzhalter 2"/>
+          <p:cNvSpPr>
+            <a:spLocks noGrp="1"/>
+          </p:cNvSpPr>
+          <p:nvPr>
+            <p:ph sz="quarter" idx="13"/>
+          </p:nvPr>
+        </p:nvSpPr>
+        <p:spPr/>
+        <p:txBody>
+          <a:bodyPr/>
+          <a:lstStyle/>
+          <a:p>
+            <a:r>
+              <a:rPr lang="de-CH" dirty="0" smtClean="0"/>
+              <a:t>Touch</a:t>
+            </a:r>
+          </a:p>
+        </p:txBody>
+      </p:sp>
+      <p:sp>
+        <p:nvSpPr>
+          <p:cNvPr id="4" name="Fußzeilenplatzhalter 3"/>
+          <p:cNvSpPr>
+            <a:spLocks noGrp="1"/>
+          </p:cNvSpPr>
+          <p:nvPr>
+            <p:ph type="ftr" sz="quarter" idx="3"/>
+          </p:nvPr>
+        </p:nvSpPr>
+        <p:spPr/>
+        <p:txBody>
+          <a:bodyPr/>
+          <a:lstStyle/>
+          <a:p>
+            <a:r>
+              <a:rPr lang="de-CH" smtClean="0"/>
+              <a:t>Bachelorarbeit, PresentationWriter, Rapperswil, 16.8.2013</a:t>
+            </a:r>
+            <a:endParaRPr lang="de-CH" dirty="0"/>
+          </a:p>
+        </p:txBody>
+      </p:sp>
+      <p:sp>
+        <p:nvSpPr>
+          <p:cNvPr id="5" name="Foliennummernplatzhalter 4"/>
+          <p:cNvSpPr>
+            <a:spLocks noGrp="1"/>
+          </p:cNvSpPr>
+          <p:nvPr>
+            <p:ph type="sldNum" sz="quarter" idx="4"/>
+          </p:nvPr>
+        </p:nvSpPr>
+        <p:spPr/>
+        <p:txBody>
+          <a:bodyPr/>
+          <a:lstStyle/>
+          <a:p>
+            <a:fld id="{6CB3B594-2801-4864-9089-E42463258A4B}" type="slidenum">
+              <a:rPr lang="de-CH" smtClean="0"/>
+              <a:pPr/>
+              <a:t>23</a:t>
+            </a:fld>
+            <a:endParaRPr lang="de-CH"/>
+          </a:p>
+        </p:txBody>
+      </p:sp>
+      <p:sp>
+        <p:nvSpPr>
+          <p:cNvPr id="10" name="Bildplatzhalter 9"/>
+          <p:cNvSpPr>
+            <a:spLocks noGrp="1"/>
+          </p:cNvSpPr>
+          <p:nvPr>
+            <p:ph type="pic" sz="quarter" idx="14"/>
+          </p:nvPr>
+        </p:nvSpPr>
+        <p:spPr/>
+      </p:sp>
+    </p:spTree>
+    <p:extLst>
+      <p:ext uri="{BB962C8B-B14F-4D97-AF65-F5344CB8AC3E}">
+        <p14:creationId xmlns:p14="http://schemas.microsoft.com/office/powerpoint/2010/main" val="1103514705"/>
+      </p:ext>
+    </p:extLst>
+  </p:cSld>
+  <p:clrMapOvr>
+    <a:masterClrMapping/>
+  </p:clrMapOvr>
+  <p:timing>
+    <p:tnLst>
+      <p:par>
+        <p:cTn id="1" dur="indefinite" restart="never" nodeType="tmRoot"/>
+      </p:par>
+    </p:tnLst>
+  </p:timing>
+</p:sld>
+</file>
+
+<file path=ppt/slides/slide24.xml><?xml version="1.0" encoding="utf-8"?>
+<p:sld xmlns:a="http://schemas.openxmlformats.org/drawingml/2006/main" xmlns:r="http://schemas.openxmlformats.org/officeDocument/2006/relationships" xmlns:p="http://schemas.openxmlformats.org/presentationml/2006/main">
+  <p:cSld>
+    <p:spTree>
+      <p:nvGrpSpPr>
+        <p:cNvPr id="1" name=""/>
+        <p:cNvGrpSpPr/>
+        <p:nvPr/>
+      </p:nvGrpSpPr>
+      <p:grpSpPr>
+        <a:xfrm>
+          <a:off x="0" y="0"/>
+          <a:ext cx="0" cy="0"/>
+          <a:chOff x="0" y="0"/>
+          <a:chExt cx="0" cy="0"/>
+        </a:xfrm>
+      </p:grpSpPr>
+      <p:sp>
+        <p:nvSpPr>
+          <p:cNvPr id="2" name="Titel 1"/>
+          <p:cNvSpPr>
+            <a:spLocks noGrp="1"/>
+          </p:cNvSpPr>
+          <p:nvPr>
+            <p:ph type="title"/>
+          </p:nvPr>
+        </p:nvSpPr>
+        <p:spPr/>
+        <p:txBody>
+          <a:bodyPr/>
+          <a:lstStyle/>
+          <a:p>
+            <a:r>
+              <a:rPr lang="de-CH" smtClean="0"/>
+              <a:t>Inhaltsverzeichnis</a:t>
+            </a:r>
+            <a:endParaRPr lang="de-CH" dirty="0"/>
+          </a:p>
+        </p:txBody>
+      </p:sp>
+      <p:sp>
+        <p:nvSpPr>
+          <p:cNvPr id="3" name="Inhaltsplatzhalter 2"/>
+          <p:cNvSpPr>
+            <a:spLocks noGrp="1"/>
+          </p:cNvSpPr>
+          <p:nvPr>
+            <p:ph sz="quarter" idx="13"/>
+          </p:nvPr>
+        </p:nvSpPr>
+        <p:spPr/>
+        <p:txBody>
+          <a:bodyPr/>
+          <a:lstStyle/>
+          <a:p>
+            <a:r>
+              <a:rPr lang="de-CH" dirty="0" smtClean="0">
+                <a:solidFill>
+                  <a:srgbClr val="C6C7C8"/>
+                </a:solidFill>
+              </a:rPr>
+              <a:t>Aufgabe</a:t>
+            </a:r>
+          </a:p>
+          <a:p>
+            <a:r>
+              <a:rPr lang="de-CH" dirty="0" smtClean="0">
+                <a:solidFill>
+                  <a:srgbClr val="C6C7C8"/>
+                </a:solidFill>
+              </a:rPr>
+              <a:t>Analyse</a:t>
+            </a:r>
+          </a:p>
+          <a:p>
+            <a:r>
+              <a:rPr lang="de-CH" dirty="0" smtClean="0">
+                <a:solidFill>
+                  <a:srgbClr val="C6C7C8"/>
+                </a:solidFill>
+              </a:rPr>
+              <a:t>Lösungsansätze</a:t>
+            </a:r>
+          </a:p>
+          <a:p>
+            <a:pPr lvl="1"/>
+            <a:r>
+              <a:rPr lang="de-CH" dirty="0" smtClean="0">
+                <a:solidFill>
+                  <a:srgbClr val="C6C7C8"/>
+                </a:solidFill>
+              </a:rPr>
+              <a:t>Kalibrierung</a:t>
+            </a:r>
+          </a:p>
+          <a:p>
+            <a:pPr lvl="1"/>
+            <a:r>
+              <a:rPr lang="de-CH" dirty="0" smtClean="0">
+                <a:solidFill>
+                  <a:srgbClr val="C6C7C8"/>
+                </a:solidFill>
+              </a:rPr>
+              <a:t>Stift finden</a:t>
+            </a:r>
+          </a:p>
+          <a:p>
+            <a:pPr lvl="1"/>
+            <a:r>
+              <a:rPr lang="de-CH" dirty="0" smtClean="0">
+                <a:solidFill>
+                  <a:srgbClr val="C6C7C8"/>
+                </a:solidFill>
+              </a:rPr>
+              <a:t>Software</a:t>
+            </a:r>
+          </a:p>
+          <a:p>
+            <a:r>
+              <a:rPr lang="de-CH" dirty="0" smtClean="0">
+                <a:solidFill>
+                  <a:srgbClr val="C6C7C8"/>
+                </a:solidFill>
+              </a:rPr>
+              <a:t>Ergebnis</a:t>
+            </a:r>
+          </a:p>
+          <a:p>
+            <a:r>
+              <a:rPr lang="de-CH" dirty="0" smtClean="0">
+                <a:solidFill>
+                  <a:srgbClr val="C6C7C8"/>
+                </a:solidFill>
+              </a:rPr>
+              <a:t>Potential</a:t>
+            </a:r>
+          </a:p>
+          <a:p>
+            <a:r>
+              <a:rPr lang="de-CH" dirty="0" smtClean="0">
+                <a:solidFill>
+                  <a:srgbClr val="1A171B"/>
+                </a:solidFill>
+              </a:rPr>
+              <a:t>Fazit</a:t>
+            </a:r>
+          </a:p>
+          <a:p>
+            <a:endParaRPr lang="de-CH" dirty="0" smtClean="0"/>
+          </a:p>
+          <a:p>
+            <a:endParaRPr lang="de-CH" dirty="0" smtClean="0"/>
+          </a:p>
+          <a:p>
+            <a:endParaRPr lang="de-CH" dirty="0"/>
+          </a:p>
+        </p:txBody>
+      </p:sp>
+      <p:sp>
+        <p:nvSpPr>
+          <p:cNvPr id="4" name="Fußzeilenplatzhalter 3"/>
+          <p:cNvSpPr>
+            <a:spLocks noGrp="1"/>
+          </p:cNvSpPr>
+          <p:nvPr>
+            <p:ph type="ftr" sz="quarter" idx="3"/>
+          </p:nvPr>
+        </p:nvSpPr>
+        <p:spPr/>
+        <p:txBody>
+          <a:bodyPr/>
+          <a:lstStyle/>
+          <a:p>
+            <a:r>
+              <a:rPr lang="de-CH" smtClean="0"/>
+              <a:t>Bachelorarbeit, PresentationWriter, Rapperswil, 16.8.2013</a:t>
+            </a:r>
+            <a:endParaRPr lang="de-CH" dirty="0"/>
+          </a:p>
+        </p:txBody>
+      </p:sp>
+      <p:sp>
+        <p:nvSpPr>
+          <p:cNvPr id="5" name="Foliennummernplatzhalter 4"/>
+          <p:cNvSpPr>
+            <a:spLocks noGrp="1"/>
+          </p:cNvSpPr>
+          <p:nvPr>
+            <p:ph type="sldNum" sz="quarter" idx="4"/>
+          </p:nvPr>
+        </p:nvSpPr>
+        <p:spPr/>
+        <p:txBody>
+          <a:bodyPr/>
+          <a:lstStyle/>
+          <a:p>
+            <a:fld id="{6CB3B594-2801-4864-9089-E42463258A4B}" type="slidenum">
+              <a:rPr lang="de-CH" smtClean="0"/>
+              <a:pPr/>
+              <a:t>24</a:t>
+            </a:fld>
+            <a:endParaRPr lang="de-CH"/>
+          </a:p>
+        </p:txBody>
+      </p:sp>
+      <p:sp>
+        <p:nvSpPr>
+          <p:cNvPr id="10" name="Bildplatzhalter 9"/>
+          <p:cNvSpPr>
+            <a:spLocks noGrp="1"/>
+          </p:cNvSpPr>
+          <p:nvPr>
+            <p:ph type="pic" sz="quarter" idx="14"/>
+          </p:nvPr>
+        </p:nvSpPr>
+        <p:spPr/>
+      </p:sp>
+    </p:spTree>
+    <p:extLst>
+      <p:ext uri="{BB962C8B-B14F-4D97-AF65-F5344CB8AC3E}">
+        <p14:creationId xmlns:p14="http://schemas.microsoft.com/office/powerpoint/2010/main" val="84619438"/>
+      </p:ext>
+    </p:extLst>
+  </p:cSld>
+  <p:clrMapOvr>
+    <a:masterClrMapping/>
+  </p:clrMapOvr>
+  <p:timing>
+    <p:tnLst>
+      <p:par>
+        <p:cTn id="1" dur="indefinite" restart="never" nodeType="tmRoot"/>
+      </p:par>
+    </p:tnLst>
+  </p:timing>
+</p:sld>
+</file>
+
+<file path=ppt/slides/slide25.xml><?xml version="1.0" encoding="utf-8"?>
+<p:sld xmlns:a="http://schemas.openxmlformats.org/drawingml/2006/main" xmlns:r="http://schemas.openxmlformats.org/officeDocument/2006/relationships" xmlns:p="http://schemas.openxmlformats.org/presentationml/2006/main">
+  <p:cSld>
+    <p:spTree>
+      <p:nvGrpSpPr>
+        <p:cNvPr id="1" name=""/>
+        <p:cNvGrpSpPr/>
+        <p:nvPr/>
+      </p:nvGrpSpPr>
+      <p:grpSpPr>
+        <a:xfrm>
+          <a:off x="0" y="0"/>
+          <a:ext cx="0" cy="0"/>
+          <a:chOff x="0" y="0"/>
+          <a:chExt cx="0" cy="0"/>
+        </a:xfrm>
+      </p:grpSpPr>
+      <p:sp>
+        <p:nvSpPr>
+          <p:cNvPr id="2" name="Titel 1"/>
+          <p:cNvSpPr>
+            <a:spLocks noGrp="1"/>
+          </p:cNvSpPr>
+          <p:nvPr>
+            <p:ph type="title"/>
+          </p:nvPr>
+        </p:nvSpPr>
+        <p:spPr/>
+        <p:txBody>
+          <a:bodyPr/>
+          <a:lstStyle/>
+          <a:p>
+            <a:r>
+              <a:rPr lang="de-CH" dirty="0" smtClean="0"/>
+              <a:t>Fazit</a:t>
+            </a:r>
+            <a:endParaRPr lang="de-CH" dirty="0"/>
+          </a:p>
+        </p:txBody>
+      </p:sp>
+      <p:sp>
+        <p:nvSpPr>
+          <p:cNvPr id="3" name="Inhaltsplatzhalter 2"/>
+          <p:cNvSpPr>
+            <a:spLocks noGrp="1"/>
+          </p:cNvSpPr>
+          <p:nvPr>
+            <p:ph sz="quarter" idx="13"/>
+          </p:nvPr>
+        </p:nvSpPr>
+        <p:spPr/>
+        <p:txBody>
+          <a:bodyPr/>
+          <a:lstStyle/>
+          <a:p>
+            <a:r>
+              <a:rPr lang="de-CH" dirty="0" smtClean="0"/>
+              <a:t>Erfahrungen</a:t>
+            </a:r>
+          </a:p>
+        </p:txBody>
+      </p:sp>
+      <p:sp>
+        <p:nvSpPr>
+          <p:cNvPr id="4" name="Fußzeilenplatzhalter 3"/>
+          <p:cNvSpPr>
+            <a:spLocks noGrp="1"/>
+          </p:cNvSpPr>
+          <p:nvPr>
+            <p:ph type="ftr" sz="quarter" idx="3"/>
+          </p:nvPr>
+        </p:nvSpPr>
+        <p:spPr/>
+        <p:txBody>
+          <a:bodyPr/>
+          <a:lstStyle/>
+          <a:p>
+            <a:r>
+              <a:rPr lang="de-CH" smtClean="0"/>
+              <a:t>Bachelorarbeit, PresentationWriter, Rapperswil, 16.8.2013</a:t>
+            </a:r>
+            <a:endParaRPr lang="de-CH" dirty="0"/>
+          </a:p>
+        </p:txBody>
+      </p:sp>
+      <p:sp>
+        <p:nvSpPr>
+          <p:cNvPr id="5" name="Foliennummernplatzhalter 4"/>
+          <p:cNvSpPr>
+            <a:spLocks noGrp="1"/>
+          </p:cNvSpPr>
+          <p:nvPr>
+            <p:ph type="sldNum" sz="quarter" idx="4"/>
+          </p:nvPr>
+        </p:nvSpPr>
+        <p:spPr/>
+        <p:txBody>
+          <a:bodyPr/>
+          <a:lstStyle/>
+          <a:p>
+            <a:fld id="{6CB3B594-2801-4864-9089-E42463258A4B}" type="slidenum">
+              <a:rPr lang="de-CH" smtClean="0"/>
+              <a:pPr/>
+              <a:t>25</a:t>
+            </a:fld>
+            <a:endParaRPr lang="de-CH"/>
+          </a:p>
+        </p:txBody>
+      </p:sp>
+      <p:sp>
+        <p:nvSpPr>
+          <p:cNvPr id="10" name="Bildplatzhalter 9"/>
+          <p:cNvSpPr>
+            <a:spLocks noGrp="1"/>
+          </p:cNvSpPr>
+          <p:nvPr>
+            <p:ph type="pic" sz="quarter" idx="14"/>
+          </p:nvPr>
+        </p:nvSpPr>
+        <p:spPr/>
+      </p:sp>
+    </p:spTree>
+    <p:extLst>
+      <p:ext uri="{BB962C8B-B14F-4D97-AF65-F5344CB8AC3E}">
+        <p14:creationId xmlns:p14="http://schemas.microsoft.com/office/powerpoint/2010/main" val="2861469022"/>
+      </p:ext>
+    </p:extLst>
+  </p:cSld>
+  <p:clrMapOvr>
+    <a:masterClrMapping/>
+  </p:clrMapOvr>
+  <p:timing>
+    <p:tnLst>
+      <p:par>
+        <p:cTn id="1" dur="indefinite" restart="never" nodeType="tmRoot"/>
+      </p:par>
+    </p:tnLst>
+  </p:timing>
+</p:sld>
+</file>
+
+<file path=ppt/slides/slide26.xml><?xml version="1.0" encoding="utf-8"?>
+<p:sld xmlns:a="http://schemas.openxmlformats.org/drawingml/2006/main" xmlns:r="http://schemas.openxmlformats.org/officeDocument/2006/relationships" xmlns:p="http://schemas.openxmlformats.org/presentationml/2006/main">
+  <p:cSld>
+    <p:spTree>
+      <p:nvGrpSpPr>
+        <p:cNvPr id="1" name=""/>
+        <p:cNvGrpSpPr/>
+        <p:nvPr/>
+      </p:nvGrpSpPr>
+      <p:grpSpPr>
+        <a:xfrm>
+          <a:off x="0" y="0"/>
+          <a:ext cx="0" cy="0"/>
+          <a:chOff x="0" y="0"/>
+          <a:chExt cx="0" cy="0"/>
+        </a:xfrm>
+      </p:grpSpPr>
+      <p:sp>
+        <p:nvSpPr>
+          <p:cNvPr id="2" name="Titel 1"/>
+          <p:cNvSpPr>
+            <a:spLocks noGrp="1"/>
+          </p:cNvSpPr>
+          <p:nvPr>
+            <p:ph type="title"/>
+          </p:nvPr>
+        </p:nvSpPr>
+        <p:spPr/>
+        <p:txBody>
+          <a:bodyPr/>
+          <a:lstStyle/>
+          <a:p>
+            <a:r>
               <a:rPr lang="de-CH" dirty="0" smtClean="0"/>
               <a:t>Diskussion</a:t>
             </a:r>
@@ -8767,7 +9630,7 @@
             <a:fld id="{6CB3B594-2801-4864-9089-E42463258A4B}" type="slidenum">
               <a:rPr lang="de-CH" smtClean="0"/>
               <a:pPr/>
-              <a:t>22</a:t>
+              <a:t>26</a:t>
             </a:fld>
             <a:endParaRPr lang="de-CH"/>
           </a:p>
@@ -8805,7 +9668,7 @@
 </p:sld>
 </file>
 
-<file path=ppt/slides/slide23.xml><?xml version="1.0" encoding="utf-8"?>
+<file path=ppt/slides/slide27.xml><?xml version="1.0" encoding="utf-8"?>
 <p:sld xmlns:a="http://schemas.openxmlformats.org/drawingml/2006/main" xmlns:r="http://schemas.openxmlformats.org/officeDocument/2006/relationships" xmlns:p="http://schemas.openxmlformats.org/presentationml/2006/main">
   <p:cSld>
     <p:bg>
@@ -8850,7 +9713,7 @@
 </p:sld>
 </file>
 
-<file path=ppt/slides/slide24.xml><?xml version="1.0" encoding="utf-8"?>
+<file path=ppt/slides/slide28.xml><?xml version="1.0" encoding="utf-8"?>
 <p:sld xmlns:a="http://schemas.openxmlformats.org/drawingml/2006/main" xmlns:r="http://schemas.openxmlformats.org/officeDocument/2006/relationships" xmlns:p="http://schemas.openxmlformats.org/presentationml/2006/main">
   <p:cSld>
     <p:spTree>
@@ -9005,7 +9868,7 @@
             <a:fld id="{6CB3B594-2801-4864-9089-E42463258A4B}" type="slidenum">
               <a:rPr lang="de-CH" smtClean="0"/>
               <a:pPr/>
-              <a:t>24</a:t>
+              <a:t>28</a:t>
             </a:fld>
             <a:endParaRPr lang="de-CH"/>
           </a:p>
@@ -9043,7 +9906,7 @@
 </p:sld>
 </file>
 
-<file path=ppt/slides/slide25.xml><?xml version="1.0" encoding="utf-8"?>
+<file path=ppt/slides/slide29.xml><?xml version="1.0" encoding="utf-8"?>
 <p:sld xmlns:a="http://schemas.openxmlformats.org/drawingml/2006/main" xmlns:r="http://schemas.openxmlformats.org/officeDocument/2006/relationships" xmlns:p="http://schemas.openxmlformats.org/presentationml/2006/main">
   <p:cSld>
     <p:spTree>
@@ -9244,7 +10107,7 @@
             <a:fld id="{6CB3B594-2801-4864-9089-E42463258A4B}" type="slidenum">
               <a:rPr lang="de-CH" smtClean="0"/>
               <a:pPr/>
-              <a:t>25</a:t>
+              <a:t>29</a:t>
             </a:fld>
             <a:endParaRPr lang="de-CH"/>
           </a:p>
@@ -9282,7 +10145,7 @@
 </p:sld>
 </file>
 
-<file path=ppt/slides/slide26.xml><?xml version="1.0" encoding="utf-8"?>
+<file path=ppt/slides/slide3.xml><?xml version="1.0" encoding="utf-8"?>
 <p:sld xmlns:a="http://schemas.openxmlformats.org/drawingml/2006/main" xmlns:r="http://schemas.openxmlformats.org/officeDocument/2006/relationships" xmlns:p="http://schemas.openxmlformats.org/presentationml/2006/main">
   <p:cSld>
     <p:spTree>
@@ -9315,8 +10178,8 @@
           <a:lstStyle/>
           <a:p>
             <a:r>
-              <a:rPr lang="de-CH" smtClean="0"/>
-              <a:t>Inhaltsverzeichnis</a:t>
+              <a:rPr lang="de-CH" dirty="0" smtClean="0"/>
+              <a:t>Aufgabe</a:t>
             </a:r>
             <a:endParaRPr lang="de-CH" dirty="0"/>
           </a:p>
@@ -9337,49 +10200,22 @@
           <a:bodyPr/>
           <a:lstStyle/>
           <a:p>
-            <a:r>
-              <a:rPr lang="de-CH" dirty="0" smtClean="0">
-                <a:solidFill>
-                  <a:srgbClr val="C6C7C8"/>
-                </a:solidFill>
-              </a:rPr>
-              <a:t>Textfolien</a:t>
-            </a:r>
-          </a:p>
-          <a:p>
-            <a:r>
-              <a:rPr lang="de-CH" dirty="0" smtClean="0"/>
-              <a:t>Folien mit Bild und Tabelle</a:t>
-            </a:r>
-          </a:p>
-          <a:p>
-            <a:r>
-              <a:rPr lang="de-CH" dirty="0">
-                <a:solidFill>
-                  <a:srgbClr val="C6C7C8"/>
-                </a:solidFill>
-              </a:rPr>
-              <a:t>Folien mit Diagrammen</a:t>
-            </a:r>
-          </a:p>
-          <a:p>
-            <a:r>
-              <a:rPr lang="de-CH" dirty="0">
-                <a:solidFill>
-                  <a:srgbClr val="C6C7C8"/>
-                </a:solidFill>
-              </a:rPr>
-              <a:t>Hausfarben und Anleitung zur Bedienung der Vorlage</a:t>
-            </a:r>
-          </a:p>
-          <a:p>
-            <a:endParaRPr lang="de-CH" dirty="0" smtClean="0"/>
-          </a:p>
-          <a:p>
-            <a:endParaRPr lang="de-CH" dirty="0" smtClean="0"/>
-          </a:p>
-          <a:p>
-            <a:endParaRPr lang="de-CH" dirty="0"/>
+            <a:pPr marL="264563" indent="0">
+              <a:buNone/>
+            </a:pPr>
+            <a:r>
+              <a:rPr lang="de-CH" b="0" dirty="0" smtClean="0"/>
+              <a:t>Vision:</a:t>
+            </a:r>
+          </a:p>
+          <a:p>
+            <a:pPr marL="264563" indent="0">
+              <a:buNone/>
+            </a:pPr>
+            <a:r>
+              <a:rPr lang="de-CH" b="0" dirty="0" smtClean="0"/>
+              <a:t>«Entwicklung eines günstigen mobilen Whiteboards, das ohne oder mit wenig Zusatzhardware bedient werden kann.»</a:t>
+            </a:r>
           </a:p>
         </p:txBody>
       </p:sp>
@@ -9424,7 +10260,187 @@
             <a:fld id="{6CB3B594-2801-4864-9089-E42463258A4B}" type="slidenum">
               <a:rPr lang="de-CH" smtClean="0"/>
               <a:pPr/>
-              <a:t>26</a:t>
+              <a:t>3</a:t>
+            </a:fld>
+            <a:endParaRPr lang="de-CH"/>
+          </a:p>
+        </p:txBody>
+      </p:sp>
+      <p:sp>
+        <p:nvSpPr>
+          <p:cNvPr id="6" name="Bildplatzhalter 5"/>
+          <p:cNvSpPr>
+            <a:spLocks noGrp="1"/>
+          </p:cNvSpPr>
+          <p:nvPr>
+            <p:ph type="pic" sz="quarter" idx="14"/>
+          </p:nvPr>
+        </p:nvSpPr>
+        <p:spPr/>
+      </p:sp>
+    </p:spTree>
+    <p:extLst>
+      <p:ext uri="{BB962C8B-B14F-4D97-AF65-F5344CB8AC3E}">
+        <p14:creationId xmlns:p14="http://schemas.microsoft.com/office/powerpoint/2010/main" val="2956733688"/>
+      </p:ext>
+    </p:extLst>
+  </p:cSld>
+  <p:clrMapOvr>
+    <a:masterClrMapping/>
+  </p:clrMapOvr>
+  <p:timing>
+    <p:tnLst>
+      <p:par>
+        <p:cTn id="1" dur="indefinite" restart="never" nodeType="tmRoot"/>
+      </p:par>
+    </p:tnLst>
+  </p:timing>
+</p:sld>
+</file>
+
+<file path=ppt/slides/slide30.xml><?xml version="1.0" encoding="utf-8"?>
+<p:sld xmlns:a="http://schemas.openxmlformats.org/drawingml/2006/main" xmlns:r="http://schemas.openxmlformats.org/officeDocument/2006/relationships" xmlns:p="http://schemas.openxmlformats.org/presentationml/2006/main">
+  <p:cSld>
+    <p:spTree>
+      <p:nvGrpSpPr>
+        <p:cNvPr id="1" name=""/>
+        <p:cNvGrpSpPr/>
+        <p:nvPr/>
+      </p:nvGrpSpPr>
+      <p:grpSpPr>
+        <a:xfrm>
+          <a:off x="0" y="0"/>
+          <a:ext cx="0" cy="0"/>
+          <a:chOff x="0" y="0"/>
+          <a:chExt cx="0" cy="0"/>
+        </a:xfrm>
+      </p:grpSpPr>
+      <p:sp>
+        <p:nvSpPr>
+          <p:cNvPr id="2" name="Titel 1"/>
+          <p:cNvSpPr>
+            <a:spLocks noGrp="1"/>
+          </p:cNvSpPr>
+          <p:nvPr>
+            <p:ph type="title"/>
+          </p:nvPr>
+        </p:nvSpPr>
+        <p:spPr/>
+        <p:txBody>
+          <a:bodyPr/>
+          <a:lstStyle/>
+          <a:p>
+            <a:r>
+              <a:rPr lang="de-CH" smtClean="0"/>
+              <a:t>Inhaltsverzeichnis</a:t>
+            </a:r>
+            <a:endParaRPr lang="de-CH" dirty="0"/>
+          </a:p>
+        </p:txBody>
+      </p:sp>
+      <p:sp>
+        <p:nvSpPr>
+          <p:cNvPr id="3" name="Inhaltsplatzhalter 2"/>
+          <p:cNvSpPr>
+            <a:spLocks noGrp="1"/>
+          </p:cNvSpPr>
+          <p:nvPr>
+            <p:ph sz="quarter" idx="13"/>
+          </p:nvPr>
+        </p:nvSpPr>
+        <p:spPr/>
+        <p:txBody>
+          <a:bodyPr/>
+          <a:lstStyle/>
+          <a:p>
+            <a:r>
+              <a:rPr lang="de-CH" dirty="0" smtClean="0">
+                <a:solidFill>
+                  <a:srgbClr val="C6C7C8"/>
+                </a:solidFill>
+              </a:rPr>
+              <a:t>Textfolien</a:t>
+            </a:r>
+          </a:p>
+          <a:p>
+            <a:r>
+              <a:rPr lang="de-CH" dirty="0" smtClean="0"/>
+              <a:t>Folien mit Bild und Tabelle</a:t>
+            </a:r>
+          </a:p>
+          <a:p>
+            <a:r>
+              <a:rPr lang="de-CH" dirty="0">
+                <a:solidFill>
+                  <a:srgbClr val="C6C7C8"/>
+                </a:solidFill>
+              </a:rPr>
+              <a:t>Folien mit Diagrammen</a:t>
+            </a:r>
+          </a:p>
+          <a:p>
+            <a:r>
+              <a:rPr lang="de-CH" dirty="0">
+                <a:solidFill>
+                  <a:srgbClr val="C6C7C8"/>
+                </a:solidFill>
+              </a:rPr>
+              <a:t>Hausfarben und Anleitung zur Bedienung der Vorlage</a:t>
+            </a:r>
+          </a:p>
+          <a:p>
+            <a:endParaRPr lang="de-CH" dirty="0" smtClean="0"/>
+          </a:p>
+          <a:p>
+            <a:endParaRPr lang="de-CH" dirty="0" smtClean="0"/>
+          </a:p>
+          <a:p>
+            <a:endParaRPr lang="de-CH" dirty="0"/>
+          </a:p>
+        </p:txBody>
+      </p:sp>
+      <p:sp>
+        <p:nvSpPr>
+          <p:cNvPr id="4" name="Fußzeilenplatzhalter 3"/>
+          <p:cNvSpPr>
+            <a:spLocks noGrp="1"/>
+          </p:cNvSpPr>
+          <p:nvPr>
+            <p:ph type="ftr" sz="quarter" idx="3"/>
+          </p:nvPr>
+        </p:nvSpPr>
+        <p:spPr/>
+        <p:txBody>
+          <a:bodyPr/>
+          <a:lstStyle/>
+          <a:p>
+            <a:r>
+              <a:rPr lang="de-CH" smtClean="0"/>
+              <a:t>Bachelorarbeit, PresentationWriter, Rapperswil, 16.8.2013</a:t>
+            </a:r>
+            <a:endParaRPr lang="de-CH" dirty="0"/>
+          </a:p>
+        </p:txBody>
+      </p:sp>
+      <p:sp>
+        <p:nvSpPr>
+          <p:cNvPr id="5" name="Foliennummernplatzhalter 4"/>
+          <p:cNvSpPr>
+            <a:spLocks noGrp="1"/>
+          </p:cNvSpPr>
+          <p:nvPr>
+            <p:ph type="sldNum" sz="quarter" idx="4"/>
+          </p:nvPr>
+        </p:nvSpPr>
+        <p:spPr/>
+        <p:txBody>
+          <a:bodyPr/>
+          <a:lstStyle/>
+          <a:p>
+            <a:fld id="{6CB3B594-2801-4864-9089-E42463258A4B}" type="slidenum">
+              <a:rPr lang="de-CH" smtClean="0"/>
+              <a:pPr/>
+              <a:t>30</a:t>
             </a:fld>
             <a:endParaRPr lang="de-CH"/>
           </a:p>
@@ -9462,7 +10478,7 @@
 </p:sld>
 </file>
 
-<file path=ppt/slides/slide27.xml><?xml version="1.0" encoding="utf-8"?>
+<file path=ppt/slides/slide31.xml><?xml version="1.0" encoding="utf-8"?>
 <p:sld xmlns:a="http://schemas.openxmlformats.org/drawingml/2006/main" xmlns:r="http://schemas.openxmlformats.org/officeDocument/2006/relationships" xmlns:p="http://schemas.openxmlformats.org/presentationml/2006/main">
   <p:cSld>
     <p:spTree>
@@ -9599,7 +10615,7 @@
             <a:fld id="{6CB3B594-2801-4864-9089-E42463258A4B}" type="slidenum">
               <a:rPr lang="de-CH" smtClean="0"/>
               <a:pPr/>
-              <a:t>27</a:t>
+              <a:t>31</a:t>
             </a:fld>
             <a:endParaRPr lang="de-CH"/>
           </a:p>
@@ -9637,7 +10653,7 @@
 </p:sld>
 </file>
 
-<file path=ppt/slides/slide28.xml><?xml version="1.0" encoding="utf-8"?>
+<file path=ppt/slides/slide32.xml><?xml version="1.0" encoding="utf-8"?>
 <p:sld xmlns:a="http://schemas.openxmlformats.org/drawingml/2006/main" xmlns:r="http://schemas.openxmlformats.org/officeDocument/2006/relationships" xmlns:p="http://schemas.openxmlformats.org/presentationml/2006/main">
   <p:cSld>
     <p:spTree>
@@ -9790,7 +10806,7 @@
             <a:fld id="{6CB3B594-2801-4864-9089-E42463258A4B}" type="slidenum">
               <a:rPr lang="de-CH" smtClean="0"/>
               <a:pPr/>
-              <a:t>28</a:t>
+              <a:t>32</a:t>
             </a:fld>
             <a:endParaRPr lang="de-CH"/>
           </a:p>
@@ -9828,7 +10844,7 @@
 </p:sld>
 </file>
 
-<file path=ppt/slides/slide29.xml><?xml version="1.0" encoding="utf-8"?>
+<file path=ppt/slides/slide33.xml><?xml version="1.0" encoding="utf-8"?>
 <p:sld xmlns:a="http://schemas.openxmlformats.org/drawingml/2006/main" xmlns:r="http://schemas.openxmlformats.org/officeDocument/2006/relationships" xmlns:p="http://schemas.openxmlformats.org/presentationml/2006/main">
   <p:cSld>
     <p:spTree>
@@ -10407,7 +11423,7 @@
             <a:fld id="{6CB3B594-2801-4864-9089-E42463258A4B}" type="slidenum">
               <a:rPr lang="de-CH" smtClean="0"/>
               <a:pPr/>
-              <a:t>29</a:t>
+              <a:t>33</a:t>
             </a:fld>
             <a:endParaRPr lang="de-CH"/>
           </a:p>
@@ -10445,161 +11461,7 @@
 </p:sld>
 </file>
 
-<file path=ppt/slides/slide3.xml><?xml version="1.0" encoding="utf-8"?>
-<p:sld xmlns:a="http://schemas.openxmlformats.org/drawingml/2006/main" xmlns:r="http://schemas.openxmlformats.org/officeDocument/2006/relationships" xmlns:p="http://schemas.openxmlformats.org/presentationml/2006/main">
-  <p:cSld>
-    <p:spTree>
-      <p:nvGrpSpPr>
-        <p:cNvPr id="1" name=""/>
-        <p:cNvGrpSpPr/>
-        <p:nvPr/>
-      </p:nvGrpSpPr>
-      <p:grpSpPr>
-        <a:xfrm>
-          <a:off x="0" y="0"/>
-          <a:ext cx="0" cy="0"/>
-          <a:chOff x="0" y="0"/>
-          <a:chExt cx="0" cy="0"/>
-        </a:xfrm>
-      </p:grpSpPr>
-      <p:sp>
-        <p:nvSpPr>
-          <p:cNvPr id="2" name="Titel 1"/>
-          <p:cNvSpPr>
-            <a:spLocks noGrp="1"/>
-          </p:cNvSpPr>
-          <p:nvPr>
-            <p:ph type="title"/>
-          </p:nvPr>
-        </p:nvSpPr>
-        <p:spPr/>
-        <p:txBody>
-          <a:bodyPr/>
-          <a:lstStyle/>
-          <a:p>
-            <a:r>
-              <a:rPr lang="de-CH" dirty="0" smtClean="0"/>
-              <a:t>Aufgabe</a:t>
-            </a:r>
-            <a:endParaRPr lang="de-CH" dirty="0"/>
-          </a:p>
-        </p:txBody>
-      </p:sp>
-      <p:sp>
-        <p:nvSpPr>
-          <p:cNvPr id="3" name="Inhaltsplatzhalter 2"/>
-          <p:cNvSpPr>
-            <a:spLocks noGrp="1"/>
-          </p:cNvSpPr>
-          <p:nvPr>
-            <p:ph sz="quarter" idx="13"/>
-          </p:nvPr>
-        </p:nvSpPr>
-        <p:spPr/>
-        <p:txBody>
-          <a:bodyPr/>
-          <a:lstStyle/>
-          <a:p>
-            <a:pPr marL="264563" indent="0">
-              <a:buNone/>
-            </a:pPr>
-            <a:r>
-              <a:rPr lang="de-CH" b="0" dirty="0" smtClean="0"/>
-              <a:t>Vision:</a:t>
-            </a:r>
-          </a:p>
-          <a:p>
-            <a:pPr marL="264563" indent="0">
-              <a:buNone/>
-            </a:pPr>
-            <a:r>
-              <a:rPr lang="de-CH" b="0" dirty="0" smtClean="0"/>
-              <a:t>«Entwicklung eines günstigen mobilen Whiteboards, das ohne oder mit wenig Zusatzhardware bedient werden kann.»</a:t>
-            </a:r>
-            <a:endParaRPr lang="de-CH" b="0" dirty="0" smtClean="0"/>
-          </a:p>
-        </p:txBody>
-      </p:sp>
-      <p:sp>
-        <p:nvSpPr>
-          <p:cNvPr id="4" name="Fußzeilenplatzhalter 3"/>
-          <p:cNvSpPr>
-            <a:spLocks noGrp="1"/>
-          </p:cNvSpPr>
-          <p:nvPr>
-            <p:ph type="ftr" sz="quarter" idx="3"/>
-          </p:nvPr>
-        </p:nvSpPr>
-        <p:spPr/>
-        <p:txBody>
-          <a:bodyPr/>
-          <a:lstStyle/>
-          <a:p>
-            <a:r>
-              <a:rPr lang="de-CH" smtClean="0"/>
-              <a:t>Bachelorarbeit, PresentationWriter, Rapperswil, 16.8.2013</a:t>
-            </a:r>
-            <a:endParaRPr lang="de-CH" dirty="0"/>
-          </a:p>
-        </p:txBody>
-      </p:sp>
-      <p:sp>
-        <p:nvSpPr>
-          <p:cNvPr id="5" name="Foliennummernplatzhalter 4"/>
-          <p:cNvSpPr>
-            <a:spLocks noGrp="1"/>
-          </p:cNvSpPr>
-          <p:nvPr>
-            <p:ph type="sldNum" sz="quarter" idx="4"/>
-          </p:nvPr>
-        </p:nvSpPr>
-        <p:spPr/>
-        <p:txBody>
-          <a:bodyPr/>
-          <a:lstStyle/>
-          <a:p>
-            <a:fld id="{6CB3B594-2801-4864-9089-E42463258A4B}" type="slidenum">
-              <a:rPr lang="de-CH" smtClean="0"/>
-              <a:pPr/>
-              <a:t>3</a:t>
-            </a:fld>
-            <a:endParaRPr lang="de-CH"/>
-          </a:p>
-        </p:txBody>
-      </p:sp>
-      <p:sp>
-        <p:nvSpPr>
-          <p:cNvPr id="6" name="Bildplatzhalter 5"/>
-          <p:cNvSpPr>
-            <a:spLocks noGrp="1"/>
-          </p:cNvSpPr>
-          <p:nvPr>
-            <p:ph type="pic" sz="quarter" idx="14"/>
-          </p:nvPr>
-        </p:nvSpPr>
-        <p:spPr/>
-      </p:sp>
-    </p:spTree>
-    <p:extLst>
-      <p:ext uri="{BB962C8B-B14F-4D97-AF65-F5344CB8AC3E}">
-        <p14:creationId xmlns:p14="http://schemas.microsoft.com/office/powerpoint/2010/main" val="2956733688"/>
-      </p:ext>
-    </p:extLst>
-  </p:cSld>
-  <p:clrMapOvr>
-    <a:masterClrMapping/>
-  </p:clrMapOvr>
-  <p:timing>
-    <p:tnLst>
-      <p:par>
-        <p:cTn id="1" dur="indefinite" restart="never" nodeType="tmRoot"/>
-      </p:par>
-    </p:tnLst>
-  </p:timing>
-</p:sld>
-</file>
-
-<file path=ppt/slides/slide30.xml><?xml version="1.0" encoding="utf-8"?>
+<file path=ppt/slides/slide34.xml><?xml version="1.0" encoding="utf-8"?>
 <p:sld xmlns:a="http://schemas.openxmlformats.org/drawingml/2006/main" xmlns:r="http://schemas.openxmlformats.org/officeDocument/2006/relationships" xmlns:p="http://schemas.openxmlformats.org/presentationml/2006/main">
   <p:cSld>
     <p:spTree>
@@ -10883,7 +11745,7 @@
             <a:fld id="{6CB3B594-2801-4864-9089-E42463258A4B}" type="slidenum">
               <a:rPr lang="de-CH" smtClean="0"/>
               <a:pPr/>
-              <a:t>30</a:t>
+              <a:t>34</a:t>
             </a:fld>
             <a:endParaRPr lang="de-CH"/>
           </a:p>
@@ -10905,591 +11767,6 @@
     <p:extLst>
       <p:ext uri="{BB962C8B-B14F-4D97-AF65-F5344CB8AC3E}">
         <p14:creationId xmlns:p14="http://schemas.microsoft.com/office/powerpoint/2010/main" val="2281220421"/>
-      </p:ext>
-    </p:extLst>
-  </p:cSld>
-  <p:clrMapOvr>
-    <a:masterClrMapping/>
-  </p:clrMapOvr>
-  <p:timing>
-    <p:tnLst>
-      <p:par>
-        <p:cTn id="1" dur="indefinite" restart="never" nodeType="tmRoot"/>
-      </p:par>
-    </p:tnLst>
-  </p:timing>
-</p:sld>
-</file>
-
-<file path=ppt/slides/slide31.xml><?xml version="1.0" encoding="utf-8"?>
-<p:sld xmlns:a="http://schemas.openxmlformats.org/drawingml/2006/main" xmlns:r="http://schemas.openxmlformats.org/officeDocument/2006/relationships" xmlns:p="http://schemas.openxmlformats.org/presentationml/2006/main">
-  <p:cSld>
-    <p:spTree>
-      <p:nvGrpSpPr>
-        <p:cNvPr id="1" name=""/>
-        <p:cNvGrpSpPr/>
-        <p:nvPr/>
-      </p:nvGrpSpPr>
-      <p:grpSpPr>
-        <a:xfrm>
-          <a:off x="0" y="0"/>
-          <a:ext cx="0" cy="0"/>
-          <a:chOff x="0" y="0"/>
-          <a:chExt cx="0" cy="0"/>
-        </a:xfrm>
-      </p:grpSpPr>
-      <p:sp>
-        <p:nvSpPr>
-          <p:cNvPr id="7" name="Titel 6"/>
-          <p:cNvSpPr>
-            <a:spLocks noGrp="1"/>
-          </p:cNvSpPr>
-          <p:nvPr>
-            <p:ph type="title"/>
-          </p:nvPr>
-        </p:nvSpPr>
-        <p:spPr/>
-        <p:txBody>
-          <a:bodyPr/>
-          <a:lstStyle/>
-          <a:p>
-            <a:r>
-              <a:rPr lang="de-CH" smtClean="0"/>
-              <a:t>Folie nur Titel</a:t>
-            </a:r>
-            <a:endParaRPr lang="de-CH" dirty="0"/>
-          </a:p>
-        </p:txBody>
-      </p:sp>
-      <p:sp>
-        <p:nvSpPr>
-          <p:cNvPr id="3" name="Fußzeilenplatzhalter 2"/>
-          <p:cNvSpPr>
-            <a:spLocks noGrp="1"/>
-          </p:cNvSpPr>
-          <p:nvPr>
-            <p:ph type="ftr" sz="quarter" idx="3"/>
-          </p:nvPr>
-        </p:nvSpPr>
-        <p:spPr/>
-        <p:txBody>
-          <a:bodyPr/>
-          <a:lstStyle/>
-          <a:p>
-            <a:r>
-              <a:rPr lang="de-CH" smtClean="0"/>
-              <a:t>Bachelorarbeit, PresentationWriter, Rapperswil, 16.8.2013</a:t>
-            </a:r>
-            <a:endParaRPr lang="de-CH" dirty="0"/>
-          </a:p>
-        </p:txBody>
-      </p:sp>
-      <p:sp>
-        <p:nvSpPr>
-          <p:cNvPr id="4" name="Foliennummernplatzhalter 3"/>
-          <p:cNvSpPr>
-            <a:spLocks noGrp="1"/>
-          </p:cNvSpPr>
-          <p:nvPr>
-            <p:ph type="sldNum" sz="quarter" idx="4"/>
-          </p:nvPr>
-        </p:nvSpPr>
-        <p:spPr/>
-        <p:txBody>
-          <a:bodyPr/>
-          <a:lstStyle/>
-          <a:p>
-            <a:fld id="{6CB3B594-2801-4864-9089-E42463258A4B}" type="slidenum">
-              <a:rPr lang="de-CH" smtClean="0"/>
-              <a:pPr/>
-              <a:t>31</a:t>
-            </a:fld>
-            <a:endParaRPr lang="de-CH"/>
-          </a:p>
-        </p:txBody>
-      </p:sp>
-      <p:sp>
-        <p:nvSpPr>
-          <p:cNvPr id="8" name="Bildplatzhalter 7"/>
-          <p:cNvSpPr>
-            <a:spLocks noGrp="1"/>
-          </p:cNvSpPr>
-          <p:nvPr>
-            <p:ph type="pic" sz="quarter" idx="14"/>
-          </p:nvPr>
-        </p:nvSpPr>
-        <p:spPr/>
-      </p:sp>
-    </p:spTree>
-    <p:extLst>
-      <p:ext uri="{BB962C8B-B14F-4D97-AF65-F5344CB8AC3E}">
-        <p14:creationId xmlns:p14="http://schemas.microsoft.com/office/powerpoint/2010/main" val="592142632"/>
-      </p:ext>
-    </p:extLst>
-  </p:cSld>
-  <p:clrMapOvr>
-    <a:masterClrMapping/>
-  </p:clrMapOvr>
-  <p:timing>
-    <p:tnLst>
-      <p:par>
-        <p:cTn id="1" dur="indefinite" restart="never" nodeType="tmRoot"/>
-      </p:par>
-    </p:tnLst>
-  </p:timing>
-</p:sld>
-</file>
-
-<file path=ppt/slides/slide32.xml><?xml version="1.0" encoding="utf-8"?>
-<p:sld xmlns:a="http://schemas.openxmlformats.org/drawingml/2006/main" xmlns:r="http://schemas.openxmlformats.org/officeDocument/2006/relationships" xmlns:p="http://schemas.openxmlformats.org/presentationml/2006/main">
-  <p:cSld>
-    <p:spTree>
-      <p:nvGrpSpPr>
-        <p:cNvPr id="1" name=""/>
-        <p:cNvGrpSpPr/>
-        <p:nvPr/>
-      </p:nvGrpSpPr>
-      <p:grpSpPr>
-        <a:xfrm>
-          <a:off x="0" y="0"/>
-          <a:ext cx="0" cy="0"/>
-          <a:chOff x="0" y="0"/>
-          <a:chExt cx="0" cy="0"/>
-        </a:xfrm>
-      </p:grpSpPr>
-      <p:sp>
-        <p:nvSpPr>
-          <p:cNvPr id="2" name="Titel 1"/>
-          <p:cNvSpPr>
-            <a:spLocks noGrp="1"/>
-          </p:cNvSpPr>
-          <p:nvPr>
-            <p:ph type="title"/>
-          </p:nvPr>
-        </p:nvSpPr>
-        <p:spPr/>
-        <p:txBody>
-          <a:bodyPr/>
-          <a:lstStyle/>
-          <a:p>
-            <a:r>
-              <a:rPr lang="de-CH" smtClean="0"/>
-              <a:t>Inhaltsverzeichnis</a:t>
-            </a:r>
-            <a:endParaRPr lang="de-CH" dirty="0"/>
-          </a:p>
-        </p:txBody>
-      </p:sp>
-      <p:sp>
-        <p:nvSpPr>
-          <p:cNvPr id="3" name="Inhaltsplatzhalter 2"/>
-          <p:cNvSpPr>
-            <a:spLocks noGrp="1"/>
-          </p:cNvSpPr>
-          <p:nvPr>
-            <p:ph sz="quarter" idx="13"/>
-          </p:nvPr>
-        </p:nvSpPr>
-        <p:spPr/>
-        <p:txBody>
-          <a:bodyPr/>
-          <a:lstStyle/>
-          <a:p>
-            <a:r>
-              <a:rPr lang="de-CH" dirty="0" smtClean="0">
-                <a:solidFill>
-                  <a:srgbClr val="C6C7C8"/>
-                </a:solidFill>
-              </a:rPr>
-              <a:t>Textfolien</a:t>
-            </a:r>
-          </a:p>
-          <a:p>
-            <a:r>
-              <a:rPr lang="de-CH" dirty="0" smtClean="0">
-                <a:solidFill>
-                  <a:srgbClr val="C6C7C8"/>
-                </a:solidFill>
-              </a:rPr>
-              <a:t>Folien mit Bild und Tabelle</a:t>
-            </a:r>
-          </a:p>
-          <a:p>
-            <a:r>
-              <a:rPr lang="de-CH" dirty="0" smtClean="0"/>
-              <a:t>Folien mit Diagrammen</a:t>
-            </a:r>
-          </a:p>
-          <a:p>
-            <a:r>
-              <a:rPr lang="de-CH" dirty="0" smtClean="0">
-                <a:solidFill>
-                  <a:srgbClr val="C6C7C8"/>
-                </a:solidFill>
-              </a:rPr>
-              <a:t>Hausfarben und Anleitung zur Bedienung der Vorlage</a:t>
-            </a:r>
-          </a:p>
-          <a:p>
-            <a:endParaRPr lang="de-CH" dirty="0" smtClean="0"/>
-          </a:p>
-          <a:p>
-            <a:endParaRPr lang="de-CH" dirty="0" smtClean="0"/>
-          </a:p>
-          <a:p>
-            <a:endParaRPr lang="de-CH" dirty="0"/>
-          </a:p>
-        </p:txBody>
-      </p:sp>
-      <p:sp>
-        <p:nvSpPr>
-          <p:cNvPr id="4" name="Fußzeilenplatzhalter 3"/>
-          <p:cNvSpPr>
-            <a:spLocks noGrp="1"/>
-          </p:cNvSpPr>
-          <p:nvPr>
-            <p:ph type="ftr" sz="quarter" idx="3"/>
-          </p:nvPr>
-        </p:nvSpPr>
-        <p:spPr/>
-        <p:txBody>
-          <a:bodyPr/>
-          <a:lstStyle/>
-          <a:p>
-            <a:r>
-              <a:rPr lang="de-CH" smtClean="0"/>
-              <a:t>Bachelorarbeit, PresentationWriter, Rapperswil, 16.8.2013</a:t>
-            </a:r>
-            <a:endParaRPr lang="de-CH" dirty="0"/>
-          </a:p>
-        </p:txBody>
-      </p:sp>
-      <p:sp>
-        <p:nvSpPr>
-          <p:cNvPr id="5" name="Foliennummernplatzhalter 4"/>
-          <p:cNvSpPr>
-            <a:spLocks noGrp="1"/>
-          </p:cNvSpPr>
-          <p:nvPr>
-            <p:ph type="sldNum" sz="quarter" idx="4"/>
-          </p:nvPr>
-        </p:nvSpPr>
-        <p:spPr/>
-        <p:txBody>
-          <a:bodyPr/>
-          <a:lstStyle/>
-          <a:p>
-            <a:fld id="{6CB3B594-2801-4864-9089-E42463258A4B}" type="slidenum">
-              <a:rPr lang="de-CH" smtClean="0"/>
-              <a:pPr/>
-              <a:t>32</a:t>
-            </a:fld>
-            <a:endParaRPr lang="de-CH"/>
-          </a:p>
-        </p:txBody>
-      </p:sp>
-      <p:sp>
-        <p:nvSpPr>
-          <p:cNvPr id="10" name="Bildplatzhalter 9"/>
-          <p:cNvSpPr>
-            <a:spLocks noGrp="1"/>
-          </p:cNvSpPr>
-          <p:nvPr>
-            <p:ph type="pic" sz="quarter" idx="14"/>
-          </p:nvPr>
-        </p:nvSpPr>
-        <p:spPr/>
-      </p:sp>
-    </p:spTree>
-    <p:extLst>
-      <p:ext uri="{BB962C8B-B14F-4D97-AF65-F5344CB8AC3E}">
-        <p14:creationId xmlns:p14="http://schemas.microsoft.com/office/powerpoint/2010/main" val="1235909534"/>
-      </p:ext>
-    </p:extLst>
-  </p:cSld>
-  <p:clrMapOvr>
-    <a:masterClrMapping/>
-  </p:clrMapOvr>
-  <p:timing>
-    <p:tnLst>
-      <p:par>
-        <p:cTn id="1" dur="indefinite" restart="never" nodeType="tmRoot"/>
-      </p:par>
-    </p:tnLst>
-  </p:timing>
-</p:sld>
-</file>
-
-<file path=ppt/slides/slide33.xml><?xml version="1.0" encoding="utf-8"?>
-<p:sld xmlns:a="http://schemas.openxmlformats.org/drawingml/2006/main" xmlns:r="http://schemas.openxmlformats.org/officeDocument/2006/relationships" xmlns:p="http://schemas.openxmlformats.org/presentationml/2006/main">
-  <p:cSld>
-    <p:spTree>
-      <p:nvGrpSpPr>
-        <p:cNvPr id="1" name=""/>
-        <p:cNvGrpSpPr/>
-        <p:nvPr/>
-      </p:nvGrpSpPr>
-      <p:grpSpPr>
-        <a:xfrm>
-          <a:off x="0" y="0"/>
-          <a:ext cx="0" cy="0"/>
-          <a:chOff x="0" y="0"/>
-          <a:chExt cx="0" cy="0"/>
-        </a:xfrm>
-      </p:grpSpPr>
-      <p:sp>
-        <p:nvSpPr>
-          <p:cNvPr id="2" name="Titel 1"/>
-          <p:cNvSpPr>
-            <a:spLocks noGrp="1"/>
-          </p:cNvSpPr>
-          <p:nvPr>
-            <p:ph type="title"/>
-          </p:nvPr>
-        </p:nvSpPr>
-        <p:spPr/>
-        <p:txBody>
-          <a:bodyPr/>
-          <a:lstStyle/>
-          <a:p>
-            <a:r>
-              <a:rPr lang="de-CH" smtClean="0"/>
-              <a:t>Beispiel Säulendiagramm</a:t>
-            </a:r>
-            <a:endParaRPr lang="de-CH" dirty="0"/>
-          </a:p>
-        </p:txBody>
-      </p:sp>
-      <p:sp>
-        <p:nvSpPr>
-          <p:cNvPr id="3" name="Fußzeilenplatzhalter 2"/>
-          <p:cNvSpPr>
-            <a:spLocks noGrp="1"/>
-          </p:cNvSpPr>
-          <p:nvPr>
-            <p:ph type="ftr" sz="quarter" idx="3"/>
-          </p:nvPr>
-        </p:nvSpPr>
-        <p:spPr/>
-        <p:txBody>
-          <a:bodyPr/>
-          <a:lstStyle/>
-          <a:p>
-            <a:r>
-              <a:rPr lang="de-CH" smtClean="0"/>
-              <a:t>Bachelorarbeit, PresentationWriter, Rapperswil, 16.8.2013</a:t>
-            </a:r>
-            <a:endParaRPr lang="de-CH" dirty="0"/>
-          </a:p>
-        </p:txBody>
-      </p:sp>
-      <p:sp>
-        <p:nvSpPr>
-          <p:cNvPr id="4" name="Foliennummernplatzhalter 3"/>
-          <p:cNvSpPr>
-            <a:spLocks noGrp="1"/>
-          </p:cNvSpPr>
-          <p:nvPr>
-            <p:ph type="sldNum" sz="quarter" idx="4"/>
-          </p:nvPr>
-        </p:nvSpPr>
-        <p:spPr/>
-        <p:txBody>
-          <a:bodyPr/>
-          <a:lstStyle/>
-          <a:p>
-            <a:fld id="{6CB3B594-2801-4864-9089-E42463258A4B}" type="slidenum">
-              <a:rPr lang="de-CH" smtClean="0"/>
-              <a:pPr/>
-              <a:t>33</a:t>
-            </a:fld>
-            <a:endParaRPr lang="de-CH"/>
-          </a:p>
-        </p:txBody>
-      </p:sp>
-      <p:sp>
-        <p:nvSpPr>
-          <p:cNvPr id="9" name="Bildplatzhalter 8"/>
-          <p:cNvSpPr>
-            <a:spLocks noGrp="1"/>
-          </p:cNvSpPr>
-          <p:nvPr>
-            <p:ph type="pic" sz="quarter" idx="14"/>
-          </p:nvPr>
-        </p:nvSpPr>
-        <p:spPr/>
-      </p:sp>
-      <p:graphicFrame>
-        <p:nvGraphicFramePr>
-          <p:cNvPr id="5" name="Inhaltsplatzhalter 5"/>
-          <p:cNvGraphicFramePr>
-            <a:graphicFrameLocks/>
-          </p:cNvGraphicFramePr>
-          <p:nvPr>
-            <p:extLst>
-              <p:ext uri="{D42A27DB-BD31-4B8C-83A1-F6EECF244321}">
-                <p14:modId xmlns:p14="http://schemas.microsoft.com/office/powerpoint/2010/main" val="1014412296"/>
-              </p:ext>
-            </p:extLst>
-          </p:nvPr>
-        </p:nvGraphicFramePr>
-        <p:xfrm>
-          <a:off x="756000" y="1167185"/>
-          <a:ext cx="7920000" cy="4600575"/>
-        </p:xfrm>
-        <a:graphic>
-          <a:graphicData uri="http://schemas.openxmlformats.org/drawingml/2006/chart">
-            <c:chart xmlns:c="http://schemas.openxmlformats.org/drawingml/2006/chart" xmlns:r="http://schemas.openxmlformats.org/officeDocument/2006/relationships" r:id="rId2"/>
-          </a:graphicData>
-        </a:graphic>
-      </p:graphicFrame>
-    </p:spTree>
-    <p:extLst>
-      <p:ext uri="{BB962C8B-B14F-4D97-AF65-F5344CB8AC3E}">
-        <p14:creationId xmlns:p14="http://schemas.microsoft.com/office/powerpoint/2010/main" val="109960708"/>
-      </p:ext>
-    </p:extLst>
-  </p:cSld>
-  <p:clrMapOvr>
-    <a:masterClrMapping/>
-  </p:clrMapOvr>
-  <p:timing>
-    <p:tnLst>
-      <p:par>
-        <p:cTn id="1" dur="indefinite" restart="never" nodeType="tmRoot"/>
-      </p:par>
-    </p:tnLst>
-  </p:timing>
-</p:sld>
-</file>
-
-<file path=ppt/slides/slide34.xml><?xml version="1.0" encoding="utf-8"?>
-<p:sld xmlns:a="http://schemas.openxmlformats.org/drawingml/2006/main" xmlns:r="http://schemas.openxmlformats.org/officeDocument/2006/relationships" xmlns:p="http://schemas.openxmlformats.org/presentationml/2006/main">
-  <p:cSld>
-    <p:spTree>
-      <p:nvGrpSpPr>
-        <p:cNvPr id="1" name=""/>
-        <p:cNvGrpSpPr/>
-        <p:nvPr/>
-      </p:nvGrpSpPr>
-      <p:grpSpPr>
-        <a:xfrm>
-          <a:off x="0" y="0"/>
-          <a:ext cx="0" cy="0"/>
-          <a:chOff x="0" y="0"/>
-          <a:chExt cx="0" cy="0"/>
-        </a:xfrm>
-      </p:grpSpPr>
-      <p:sp>
-        <p:nvSpPr>
-          <p:cNvPr id="2" name="Titel 1"/>
-          <p:cNvSpPr>
-            <a:spLocks noGrp="1"/>
-          </p:cNvSpPr>
-          <p:nvPr>
-            <p:ph type="title"/>
-          </p:nvPr>
-        </p:nvSpPr>
-        <p:spPr/>
-        <p:txBody>
-          <a:bodyPr/>
-          <a:lstStyle/>
-          <a:p>
-            <a:r>
-              <a:rPr lang="de-CH" smtClean="0"/>
-              <a:t>Beispiel Kreisdiagramm</a:t>
-            </a:r>
-            <a:endParaRPr lang="de-CH" dirty="0"/>
-          </a:p>
-        </p:txBody>
-      </p:sp>
-      <p:sp>
-        <p:nvSpPr>
-          <p:cNvPr id="3" name="Fußzeilenplatzhalter 2"/>
-          <p:cNvSpPr>
-            <a:spLocks noGrp="1"/>
-          </p:cNvSpPr>
-          <p:nvPr>
-            <p:ph type="ftr" sz="quarter" idx="3"/>
-          </p:nvPr>
-        </p:nvSpPr>
-        <p:spPr/>
-        <p:txBody>
-          <a:bodyPr/>
-          <a:lstStyle/>
-          <a:p>
-            <a:r>
-              <a:rPr lang="de-CH" smtClean="0"/>
-              <a:t>Bachelorarbeit, PresentationWriter, Rapperswil, 16.8.2013</a:t>
-            </a:r>
-            <a:endParaRPr lang="de-CH" dirty="0"/>
-          </a:p>
-        </p:txBody>
-      </p:sp>
-      <p:sp>
-        <p:nvSpPr>
-          <p:cNvPr id="4" name="Foliennummernplatzhalter 3"/>
-          <p:cNvSpPr>
-            <a:spLocks noGrp="1"/>
-          </p:cNvSpPr>
-          <p:nvPr>
-            <p:ph type="sldNum" sz="quarter" idx="4"/>
-          </p:nvPr>
-        </p:nvSpPr>
-        <p:spPr/>
-        <p:txBody>
-          <a:bodyPr/>
-          <a:lstStyle/>
-          <a:p>
-            <a:fld id="{6CB3B594-2801-4864-9089-E42463258A4B}" type="slidenum">
-              <a:rPr lang="de-CH" smtClean="0"/>
-              <a:pPr/>
-              <a:t>34</a:t>
-            </a:fld>
-            <a:endParaRPr lang="de-CH"/>
-          </a:p>
-        </p:txBody>
-      </p:sp>
-      <p:sp>
-        <p:nvSpPr>
-          <p:cNvPr id="9" name="Bildplatzhalter 8"/>
-          <p:cNvSpPr>
-            <a:spLocks noGrp="1"/>
-          </p:cNvSpPr>
-          <p:nvPr>
-            <p:ph type="pic" sz="quarter" idx="14"/>
-          </p:nvPr>
-        </p:nvSpPr>
-        <p:spPr/>
-      </p:sp>
-      <p:graphicFrame>
-        <p:nvGraphicFramePr>
-          <p:cNvPr id="5" name="Inhaltsplatzhalter 5"/>
-          <p:cNvGraphicFramePr>
-            <a:graphicFrameLocks/>
-          </p:cNvGraphicFramePr>
-          <p:nvPr>
-            <p:extLst>
-              <p:ext uri="{D42A27DB-BD31-4B8C-83A1-F6EECF244321}">
-                <p14:modId xmlns:p14="http://schemas.microsoft.com/office/powerpoint/2010/main" val="2275138260"/>
-              </p:ext>
-            </p:extLst>
-          </p:nvPr>
-        </p:nvGraphicFramePr>
-        <p:xfrm>
-          <a:off x="468313" y="1123200"/>
-          <a:ext cx="8207375" cy="4824412"/>
-        </p:xfrm>
-        <a:graphic>
-          <a:graphicData uri="http://schemas.openxmlformats.org/drawingml/2006/chart">
-            <c:chart xmlns:c="http://schemas.openxmlformats.org/drawingml/2006/chart" xmlns:r="http://schemas.openxmlformats.org/officeDocument/2006/relationships" r:id="rId2"/>
-          </a:graphicData>
-        </a:graphic>
-      </p:graphicFrame>
-    </p:spTree>
-    <p:extLst>
-      <p:ext uri="{BB962C8B-B14F-4D97-AF65-F5344CB8AC3E}">
-        <p14:creationId xmlns:p14="http://schemas.microsoft.com/office/powerpoint/2010/main" val="4122765240"/>
       </p:ext>
     </p:extLst>
   </p:cSld>
@@ -11525,7 +11802,7 @@
       </p:grpSpPr>
       <p:sp>
         <p:nvSpPr>
-          <p:cNvPr id="2" name="Titel 1"/>
+          <p:cNvPr id="7" name="Titel 6"/>
           <p:cNvSpPr>
             <a:spLocks noGrp="1"/>
           </p:cNvSpPr>
@@ -11540,7 +11817,7 @@
           <a:p>
             <a:r>
               <a:rPr lang="de-CH" smtClean="0"/>
-              <a:t>Beispiel Säulendiagramm mit anderen Farben</a:t>
+              <a:t>Folie nur Titel</a:t>
             </a:r>
             <a:endParaRPr lang="de-CH" dirty="0"/>
           </a:p>
@@ -11595,7 +11872,7 @@
       </p:sp>
       <p:sp>
         <p:nvSpPr>
-          <p:cNvPr id="9" name="Bildplatzhalter 8"/>
+          <p:cNvPr id="8" name="Bildplatzhalter 7"/>
           <p:cNvSpPr>
             <a:spLocks noGrp="1"/>
           </p:cNvSpPr>
@@ -11605,34 +11882,10 @@
         </p:nvSpPr>
         <p:spPr/>
       </p:sp>
-      <p:graphicFrame>
-        <p:nvGraphicFramePr>
-          <p:cNvPr id="5" name="Inhaltsplatzhalter 5"/>
-          <p:cNvGraphicFramePr>
-            <a:graphicFrameLocks/>
-          </p:cNvGraphicFramePr>
-          <p:nvPr>
-            <p:extLst>
-              <p:ext uri="{D42A27DB-BD31-4B8C-83A1-F6EECF244321}">
-                <p14:modId xmlns:p14="http://schemas.microsoft.com/office/powerpoint/2010/main" val="2163125786"/>
-              </p:ext>
-            </p:extLst>
-          </p:nvPr>
-        </p:nvGraphicFramePr>
-        <p:xfrm>
-          <a:off x="756000" y="1166400"/>
-          <a:ext cx="7920000" cy="4608000"/>
-        </p:xfrm>
-        <a:graphic>
-          <a:graphicData uri="http://schemas.openxmlformats.org/drawingml/2006/chart">
-            <c:chart xmlns:c="http://schemas.openxmlformats.org/drawingml/2006/chart" xmlns:r="http://schemas.openxmlformats.org/officeDocument/2006/relationships" r:id="rId3"/>
-          </a:graphicData>
-        </a:graphic>
-      </p:graphicFrame>
     </p:spTree>
     <p:extLst>
       <p:ext uri="{BB962C8B-B14F-4D97-AF65-F5344CB8AC3E}">
-        <p14:creationId xmlns:p14="http://schemas.microsoft.com/office/powerpoint/2010/main" val="2452232191"/>
+        <p14:creationId xmlns:p14="http://schemas.microsoft.com/office/powerpoint/2010/main" val="592142632"/>
       </p:ext>
     </p:extLst>
   </p:cSld>
@@ -11683,7 +11936,7 @@
           <a:p>
             <a:r>
               <a:rPr lang="de-CH" smtClean="0"/>
-              <a:t>Beispiel Kreisdiagramm mit anderen Farben</a:t>
+              <a:t>Inhaltsverzeichnis</a:t>
             </a:r>
             <a:endParaRPr lang="de-CH" dirty="0"/>
           </a:p>
@@ -11691,7 +11944,68 @@
       </p:sp>
       <p:sp>
         <p:nvSpPr>
-          <p:cNvPr id="3" name="Fußzeilenplatzhalter 2"/>
+          <p:cNvPr id="3" name="Inhaltsplatzhalter 2"/>
+          <p:cNvSpPr>
+            <a:spLocks noGrp="1"/>
+          </p:cNvSpPr>
+          <p:nvPr>
+            <p:ph sz="quarter" idx="13"/>
+          </p:nvPr>
+        </p:nvSpPr>
+        <p:spPr/>
+        <p:txBody>
+          <a:bodyPr/>
+          <a:lstStyle/>
+          <a:p>
+            <a:r>
+              <a:rPr lang="de-CH" dirty="0" smtClean="0">
+                <a:solidFill>
+                  <a:srgbClr val="C6C7C8"/>
+                </a:solidFill>
+              </a:rPr>
+              <a:t>Textfolien</a:t>
+            </a:r>
+          </a:p>
+          <a:p>
+            <a:r>
+              <a:rPr lang="de-CH" dirty="0" smtClean="0">
+                <a:solidFill>
+                  <a:srgbClr val="C6C7C8"/>
+                </a:solidFill>
+              </a:rPr>
+              <a:t>Folien mit Bild und Tabelle</a:t>
+            </a:r>
+          </a:p>
+          <a:p>
+            <a:r>
+              <a:rPr lang="de-CH" dirty="0" smtClean="0"/>
+              <a:t>Folien mit Diagrammen</a:t>
+            </a:r>
+          </a:p>
+          <a:p>
+            <a:r>
+              <a:rPr lang="de-CH" dirty="0" smtClean="0">
+                <a:solidFill>
+                  <a:srgbClr val="C6C7C8"/>
+                </a:solidFill>
+              </a:rPr>
+              <a:t>Hausfarben und Anleitung zur Bedienung der Vorlage</a:t>
+            </a:r>
+          </a:p>
+          <a:p>
+            <a:endParaRPr lang="de-CH" dirty="0" smtClean="0"/>
+          </a:p>
+          <a:p>
+            <a:endParaRPr lang="de-CH" dirty="0" smtClean="0"/>
+          </a:p>
+          <a:p>
+            <a:endParaRPr lang="de-CH" dirty="0"/>
+          </a:p>
+        </p:txBody>
+      </p:sp>
+      <p:sp>
+        <p:nvSpPr>
+          <p:cNvPr id="4" name="Fußzeilenplatzhalter 3"/>
           <p:cNvSpPr>
             <a:spLocks noGrp="1"/>
           </p:cNvSpPr>
@@ -11714,7 +12028,7 @@
       </p:sp>
       <p:sp>
         <p:nvSpPr>
-          <p:cNvPr id="4" name="Foliennummernplatzhalter 3"/>
+          <p:cNvPr id="5" name="Foliennummernplatzhalter 4"/>
           <p:cNvSpPr>
             <a:spLocks noGrp="1"/>
           </p:cNvSpPr>
@@ -11738,7 +12052,7 @@
       </p:sp>
       <p:sp>
         <p:nvSpPr>
-          <p:cNvPr id="9" name="Bildplatzhalter 8"/>
+          <p:cNvPr id="10" name="Bildplatzhalter 9"/>
           <p:cNvSpPr>
             <a:spLocks noGrp="1"/>
           </p:cNvSpPr>
@@ -11748,34 +12062,10 @@
         </p:nvSpPr>
         <p:spPr/>
       </p:sp>
-      <p:graphicFrame>
-        <p:nvGraphicFramePr>
-          <p:cNvPr id="5" name="Inhaltsplatzhalter 5"/>
-          <p:cNvGraphicFramePr>
-            <a:graphicFrameLocks/>
-          </p:cNvGraphicFramePr>
-          <p:nvPr>
-            <p:extLst>
-              <p:ext uri="{D42A27DB-BD31-4B8C-83A1-F6EECF244321}">
-                <p14:modId xmlns:p14="http://schemas.microsoft.com/office/powerpoint/2010/main" val="2982491978"/>
-              </p:ext>
-            </p:extLst>
-          </p:nvPr>
-        </p:nvGraphicFramePr>
-        <p:xfrm>
-          <a:off x="468313" y="1124744"/>
-          <a:ext cx="8207375" cy="4824412"/>
-        </p:xfrm>
-        <a:graphic>
-          <a:graphicData uri="http://schemas.openxmlformats.org/drawingml/2006/chart">
-            <c:chart xmlns:c="http://schemas.openxmlformats.org/drawingml/2006/chart" xmlns:r="http://schemas.openxmlformats.org/officeDocument/2006/relationships" r:id="rId2"/>
-          </a:graphicData>
-        </a:graphic>
-      </p:graphicFrame>
     </p:spTree>
     <p:extLst>
       <p:ext uri="{BB962C8B-B14F-4D97-AF65-F5344CB8AC3E}">
-        <p14:creationId xmlns:p14="http://schemas.microsoft.com/office/powerpoint/2010/main" val="1043672304"/>
+        <p14:creationId xmlns:p14="http://schemas.microsoft.com/office/powerpoint/2010/main" val="1235909534"/>
       </p:ext>
     </p:extLst>
   </p:cSld>
@@ -11826,7 +12116,7 @@
           <a:p>
             <a:r>
               <a:rPr lang="de-CH" smtClean="0"/>
-              <a:t>Inhaltsverzeichnis</a:t>
+              <a:t>Beispiel Säulendiagramm</a:t>
             </a:r>
             <a:endParaRPr lang="de-CH" dirty="0"/>
           </a:p>
@@ -11834,68 +12124,7 @@
       </p:sp>
       <p:sp>
         <p:nvSpPr>
-          <p:cNvPr id="3" name="Inhaltsplatzhalter 2"/>
-          <p:cNvSpPr>
-            <a:spLocks noGrp="1"/>
-          </p:cNvSpPr>
-          <p:nvPr>
-            <p:ph sz="quarter" idx="13"/>
-          </p:nvPr>
-        </p:nvSpPr>
-        <p:spPr/>
-        <p:txBody>
-          <a:bodyPr/>
-          <a:lstStyle/>
-          <a:p>
-            <a:r>
-              <a:rPr lang="de-CH" dirty="0" smtClean="0">
-                <a:solidFill>
-                  <a:srgbClr val="C6C7C8"/>
-                </a:solidFill>
-              </a:rPr>
-              <a:t>Textfolien</a:t>
-            </a:r>
-          </a:p>
-          <a:p>
-            <a:r>
-              <a:rPr lang="de-CH" dirty="0" smtClean="0">
-                <a:solidFill>
-                  <a:srgbClr val="C6C7C8"/>
-                </a:solidFill>
-              </a:rPr>
-              <a:t>Folien mit Bild und Tabelle</a:t>
-            </a:r>
-          </a:p>
-          <a:p>
-            <a:r>
-              <a:rPr lang="de-CH" dirty="0" smtClean="0">
-                <a:solidFill>
-                  <a:srgbClr val="C6C7C8"/>
-                </a:solidFill>
-              </a:rPr>
-              <a:t>Folien mit Diagrammen</a:t>
-            </a:r>
-          </a:p>
-          <a:p>
-            <a:r>
-              <a:rPr lang="de-CH" dirty="0" smtClean="0"/>
-              <a:t>Hausfarben und Anleitung zur Bedienung der Vorlage</a:t>
-            </a:r>
-          </a:p>
-          <a:p>
-            <a:endParaRPr lang="de-CH" dirty="0" smtClean="0"/>
-          </a:p>
-          <a:p>
-            <a:endParaRPr lang="de-CH" dirty="0" smtClean="0"/>
-          </a:p>
-          <a:p>
-            <a:endParaRPr lang="de-CH" dirty="0"/>
-          </a:p>
-        </p:txBody>
-      </p:sp>
-      <p:sp>
-        <p:nvSpPr>
-          <p:cNvPr id="4" name="Fußzeilenplatzhalter 3"/>
+          <p:cNvPr id="3" name="Fußzeilenplatzhalter 2"/>
           <p:cNvSpPr>
             <a:spLocks noGrp="1"/>
           </p:cNvSpPr>
@@ -11918,7 +12147,7 @@
       </p:sp>
       <p:sp>
         <p:nvSpPr>
-          <p:cNvPr id="5" name="Foliennummernplatzhalter 4"/>
+          <p:cNvPr id="4" name="Foliennummernplatzhalter 3"/>
           <p:cNvSpPr>
             <a:spLocks noGrp="1"/>
           </p:cNvSpPr>
@@ -11942,7 +12171,7 @@
       </p:sp>
       <p:sp>
         <p:nvSpPr>
-          <p:cNvPr id="10" name="Bildplatzhalter 9"/>
+          <p:cNvPr id="9" name="Bildplatzhalter 8"/>
           <p:cNvSpPr>
             <a:spLocks noGrp="1"/>
           </p:cNvSpPr>
@@ -11952,10 +12181,34 @@
         </p:nvSpPr>
         <p:spPr/>
       </p:sp>
+      <p:graphicFrame>
+        <p:nvGraphicFramePr>
+          <p:cNvPr id="5" name="Inhaltsplatzhalter 5"/>
+          <p:cNvGraphicFramePr>
+            <a:graphicFrameLocks/>
+          </p:cNvGraphicFramePr>
+          <p:nvPr>
+            <p:extLst>
+              <p:ext uri="{D42A27DB-BD31-4B8C-83A1-F6EECF244321}">
+                <p14:modId xmlns:p14="http://schemas.microsoft.com/office/powerpoint/2010/main" val="1014412296"/>
+              </p:ext>
+            </p:extLst>
+          </p:nvPr>
+        </p:nvGraphicFramePr>
+        <p:xfrm>
+          <a:off x="756000" y="1167185"/>
+          <a:ext cx="7920000" cy="4600575"/>
+        </p:xfrm>
+        <a:graphic>
+          <a:graphicData uri="http://schemas.openxmlformats.org/drawingml/2006/chart">
+            <c:chart xmlns:c="http://schemas.openxmlformats.org/drawingml/2006/chart" xmlns:r="http://schemas.openxmlformats.org/officeDocument/2006/relationships" r:id="rId2"/>
+          </a:graphicData>
+        </a:graphic>
+      </p:graphicFrame>
     </p:spTree>
     <p:extLst>
       <p:ext uri="{BB962C8B-B14F-4D97-AF65-F5344CB8AC3E}">
-        <p14:creationId xmlns:p14="http://schemas.microsoft.com/office/powerpoint/2010/main" val="1235909534"/>
+        <p14:creationId xmlns:p14="http://schemas.microsoft.com/office/powerpoint/2010/main" val="109960708"/>
       </p:ext>
     </p:extLst>
   </p:cSld>
@@ -12006,7 +12259,7 @@
           <a:p>
             <a:r>
               <a:rPr lang="de-CH" smtClean="0"/>
-              <a:t>Folien einfügen</a:t>
+              <a:t>Beispiel Kreisdiagramm</a:t>
             </a:r>
             <a:endParaRPr lang="de-CH" dirty="0"/>
           </a:p>
@@ -12054,6 +12307,777 @@
               <a:rPr lang="de-CH" smtClean="0"/>
               <a:pPr/>
               <a:t>38</a:t>
+            </a:fld>
+            <a:endParaRPr lang="de-CH"/>
+          </a:p>
+        </p:txBody>
+      </p:sp>
+      <p:sp>
+        <p:nvSpPr>
+          <p:cNvPr id="9" name="Bildplatzhalter 8"/>
+          <p:cNvSpPr>
+            <a:spLocks noGrp="1"/>
+          </p:cNvSpPr>
+          <p:nvPr>
+            <p:ph type="pic" sz="quarter" idx="14"/>
+          </p:nvPr>
+        </p:nvSpPr>
+        <p:spPr/>
+      </p:sp>
+      <p:graphicFrame>
+        <p:nvGraphicFramePr>
+          <p:cNvPr id="5" name="Inhaltsplatzhalter 5"/>
+          <p:cNvGraphicFramePr>
+            <a:graphicFrameLocks/>
+          </p:cNvGraphicFramePr>
+          <p:nvPr>
+            <p:extLst>
+              <p:ext uri="{D42A27DB-BD31-4B8C-83A1-F6EECF244321}">
+                <p14:modId xmlns:p14="http://schemas.microsoft.com/office/powerpoint/2010/main" val="2275138260"/>
+              </p:ext>
+            </p:extLst>
+          </p:nvPr>
+        </p:nvGraphicFramePr>
+        <p:xfrm>
+          <a:off x="468313" y="1123200"/>
+          <a:ext cx="8207375" cy="4824412"/>
+        </p:xfrm>
+        <a:graphic>
+          <a:graphicData uri="http://schemas.openxmlformats.org/drawingml/2006/chart">
+            <c:chart xmlns:c="http://schemas.openxmlformats.org/drawingml/2006/chart" xmlns:r="http://schemas.openxmlformats.org/officeDocument/2006/relationships" r:id="rId2"/>
+          </a:graphicData>
+        </a:graphic>
+      </p:graphicFrame>
+    </p:spTree>
+    <p:extLst>
+      <p:ext uri="{BB962C8B-B14F-4D97-AF65-F5344CB8AC3E}">
+        <p14:creationId xmlns:p14="http://schemas.microsoft.com/office/powerpoint/2010/main" val="4122765240"/>
+      </p:ext>
+    </p:extLst>
+  </p:cSld>
+  <p:clrMapOvr>
+    <a:masterClrMapping/>
+  </p:clrMapOvr>
+  <p:timing>
+    <p:tnLst>
+      <p:par>
+        <p:cTn id="1" dur="indefinite" restart="never" nodeType="tmRoot"/>
+      </p:par>
+    </p:tnLst>
+  </p:timing>
+</p:sld>
+</file>
+
+<file path=ppt/slides/slide39.xml><?xml version="1.0" encoding="utf-8"?>
+<p:sld xmlns:a="http://schemas.openxmlformats.org/drawingml/2006/main" xmlns:r="http://schemas.openxmlformats.org/officeDocument/2006/relationships" xmlns:p="http://schemas.openxmlformats.org/presentationml/2006/main">
+  <p:cSld>
+    <p:spTree>
+      <p:nvGrpSpPr>
+        <p:cNvPr id="1" name=""/>
+        <p:cNvGrpSpPr/>
+        <p:nvPr/>
+      </p:nvGrpSpPr>
+      <p:grpSpPr>
+        <a:xfrm>
+          <a:off x="0" y="0"/>
+          <a:ext cx="0" cy="0"/>
+          <a:chOff x="0" y="0"/>
+          <a:chExt cx="0" cy="0"/>
+        </a:xfrm>
+      </p:grpSpPr>
+      <p:sp>
+        <p:nvSpPr>
+          <p:cNvPr id="2" name="Titel 1"/>
+          <p:cNvSpPr>
+            <a:spLocks noGrp="1"/>
+          </p:cNvSpPr>
+          <p:nvPr>
+            <p:ph type="title"/>
+          </p:nvPr>
+        </p:nvSpPr>
+        <p:spPr/>
+        <p:txBody>
+          <a:bodyPr/>
+          <a:lstStyle/>
+          <a:p>
+            <a:r>
+              <a:rPr lang="de-CH" smtClean="0"/>
+              <a:t>Beispiel Säulendiagramm mit anderen Farben</a:t>
+            </a:r>
+            <a:endParaRPr lang="de-CH" dirty="0"/>
+          </a:p>
+        </p:txBody>
+      </p:sp>
+      <p:sp>
+        <p:nvSpPr>
+          <p:cNvPr id="3" name="Fußzeilenplatzhalter 2"/>
+          <p:cNvSpPr>
+            <a:spLocks noGrp="1"/>
+          </p:cNvSpPr>
+          <p:nvPr>
+            <p:ph type="ftr" sz="quarter" idx="3"/>
+          </p:nvPr>
+        </p:nvSpPr>
+        <p:spPr/>
+        <p:txBody>
+          <a:bodyPr/>
+          <a:lstStyle/>
+          <a:p>
+            <a:r>
+              <a:rPr lang="de-CH" smtClean="0"/>
+              <a:t>Bachelorarbeit, PresentationWriter, Rapperswil, 16.8.2013</a:t>
+            </a:r>
+            <a:endParaRPr lang="de-CH" dirty="0"/>
+          </a:p>
+        </p:txBody>
+      </p:sp>
+      <p:sp>
+        <p:nvSpPr>
+          <p:cNvPr id="4" name="Foliennummernplatzhalter 3"/>
+          <p:cNvSpPr>
+            <a:spLocks noGrp="1"/>
+          </p:cNvSpPr>
+          <p:nvPr>
+            <p:ph type="sldNum" sz="quarter" idx="4"/>
+          </p:nvPr>
+        </p:nvSpPr>
+        <p:spPr/>
+        <p:txBody>
+          <a:bodyPr/>
+          <a:lstStyle/>
+          <a:p>
+            <a:fld id="{6CB3B594-2801-4864-9089-E42463258A4B}" type="slidenum">
+              <a:rPr lang="de-CH" smtClean="0"/>
+              <a:pPr/>
+              <a:t>39</a:t>
+            </a:fld>
+            <a:endParaRPr lang="de-CH"/>
+          </a:p>
+        </p:txBody>
+      </p:sp>
+      <p:sp>
+        <p:nvSpPr>
+          <p:cNvPr id="9" name="Bildplatzhalter 8"/>
+          <p:cNvSpPr>
+            <a:spLocks noGrp="1"/>
+          </p:cNvSpPr>
+          <p:nvPr>
+            <p:ph type="pic" sz="quarter" idx="14"/>
+          </p:nvPr>
+        </p:nvSpPr>
+        <p:spPr/>
+      </p:sp>
+      <p:graphicFrame>
+        <p:nvGraphicFramePr>
+          <p:cNvPr id="5" name="Inhaltsplatzhalter 5"/>
+          <p:cNvGraphicFramePr>
+            <a:graphicFrameLocks/>
+          </p:cNvGraphicFramePr>
+          <p:nvPr>
+            <p:extLst>
+              <p:ext uri="{D42A27DB-BD31-4B8C-83A1-F6EECF244321}">
+                <p14:modId xmlns:p14="http://schemas.microsoft.com/office/powerpoint/2010/main" val="2163125786"/>
+              </p:ext>
+            </p:extLst>
+          </p:nvPr>
+        </p:nvGraphicFramePr>
+        <p:xfrm>
+          <a:off x="756000" y="1166400"/>
+          <a:ext cx="7920000" cy="4608000"/>
+        </p:xfrm>
+        <a:graphic>
+          <a:graphicData uri="http://schemas.openxmlformats.org/drawingml/2006/chart">
+            <c:chart xmlns:c="http://schemas.openxmlformats.org/drawingml/2006/chart" xmlns:r="http://schemas.openxmlformats.org/officeDocument/2006/relationships" r:id="rId3"/>
+          </a:graphicData>
+        </a:graphic>
+      </p:graphicFrame>
+    </p:spTree>
+    <p:extLst>
+      <p:ext uri="{BB962C8B-B14F-4D97-AF65-F5344CB8AC3E}">
+        <p14:creationId xmlns:p14="http://schemas.microsoft.com/office/powerpoint/2010/main" val="2452232191"/>
+      </p:ext>
+    </p:extLst>
+  </p:cSld>
+  <p:clrMapOvr>
+    <a:masterClrMapping/>
+  </p:clrMapOvr>
+  <p:timing>
+    <p:tnLst>
+      <p:par>
+        <p:cTn id="1" dur="indefinite" restart="never" nodeType="tmRoot"/>
+      </p:par>
+    </p:tnLst>
+  </p:timing>
+</p:sld>
+</file>
+
+<file path=ppt/slides/slide4.xml><?xml version="1.0" encoding="utf-8"?>
+<p:sld xmlns:a="http://schemas.openxmlformats.org/drawingml/2006/main" xmlns:r="http://schemas.openxmlformats.org/officeDocument/2006/relationships" xmlns:p="http://schemas.openxmlformats.org/presentationml/2006/main">
+  <p:cSld>
+    <p:spTree>
+      <p:nvGrpSpPr>
+        <p:cNvPr id="1" name=""/>
+        <p:cNvGrpSpPr/>
+        <p:nvPr/>
+      </p:nvGrpSpPr>
+      <p:grpSpPr>
+        <a:xfrm>
+          <a:off x="0" y="0"/>
+          <a:ext cx="0" cy="0"/>
+          <a:chOff x="0" y="0"/>
+          <a:chExt cx="0" cy="0"/>
+        </a:xfrm>
+      </p:grpSpPr>
+      <p:sp>
+        <p:nvSpPr>
+          <p:cNvPr id="2" name="Titel 1"/>
+          <p:cNvSpPr>
+            <a:spLocks noGrp="1"/>
+          </p:cNvSpPr>
+          <p:nvPr>
+            <p:ph type="title"/>
+          </p:nvPr>
+        </p:nvSpPr>
+        <p:spPr/>
+        <p:txBody>
+          <a:bodyPr/>
+          <a:lstStyle/>
+          <a:p>
+            <a:r>
+              <a:rPr lang="de-CH" dirty="0" smtClean="0"/>
+              <a:t>Aufgabe</a:t>
+            </a:r>
+            <a:endParaRPr lang="de-CH" dirty="0"/>
+          </a:p>
+        </p:txBody>
+      </p:sp>
+      <p:sp>
+        <p:nvSpPr>
+          <p:cNvPr id="3" name="Inhaltsplatzhalter 2"/>
+          <p:cNvSpPr>
+            <a:spLocks noGrp="1"/>
+          </p:cNvSpPr>
+          <p:nvPr>
+            <p:ph sz="quarter" idx="13"/>
+          </p:nvPr>
+        </p:nvSpPr>
+        <p:spPr/>
+        <p:txBody>
+          <a:bodyPr/>
+          <a:lstStyle/>
+          <a:p>
+            <a:r>
+              <a:rPr lang="de-CH" dirty="0" smtClean="0"/>
+              <a:t>Virtuelles Whiteboard</a:t>
+            </a:r>
+          </a:p>
+          <a:p>
+            <a:pPr lvl="1"/>
+            <a:r>
+              <a:rPr lang="de-CH" dirty="0" smtClean="0"/>
+              <a:t>Günstig</a:t>
+            </a:r>
+          </a:p>
+          <a:p>
+            <a:pPr lvl="1"/>
+            <a:r>
+              <a:rPr lang="de-CH" dirty="0" smtClean="0"/>
+              <a:t>Mobil</a:t>
+            </a:r>
+          </a:p>
+          <a:p>
+            <a:pPr lvl="1"/>
+            <a:r>
+              <a:rPr lang="de-CH" dirty="0" smtClean="0"/>
+              <a:t>Benutzbar</a:t>
+            </a:r>
+          </a:p>
+        </p:txBody>
+      </p:sp>
+      <p:sp>
+        <p:nvSpPr>
+          <p:cNvPr id="4" name="Fußzeilenplatzhalter 3"/>
+          <p:cNvSpPr>
+            <a:spLocks noGrp="1"/>
+          </p:cNvSpPr>
+          <p:nvPr>
+            <p:ph type="ftr" sz="quarter" idx="3"/>
+          </p:nvPr>
+        </p:nvSpPr>
+        <p:spPr/>
+        <p:txBody>
+          <a:bodyPr/>
+          <a:lstStyle/>
+          <a:p>
+            <a:r>
+              <a:rPr lang="de-CH" smtClean="0"/>
+              <a:t>Bachelorarbeit, PresentationWriter, Rapperswil, 16.8.2013</a:t>
+            </a:r>
+            <a:endParaRPr lang="de-CH" dirty="0"/>
+          </a:p>
+        </p:txBody>
+      </p:sp>
+      <p:sp>
+        <p:nvSpPr>
+          <p:cNvPr id="5" name="Foliennummernplatzhalter 4"/>
+          <p:cNvSpPr>
+            <a:spLocks noGrp="1"/>
+          </p:cNvSpPr>
+          <p:nvPr>
+            <p:ph type="sldNum" sz="quarter" idx="4"/>
+          </p:nvPr>
+        </p:nvSpPr>
+        <p:spPr/>
+        <p:txBody>
+          <a:bodyPr/>
+          <a:lstStyle/>
+          <a:p>
+            <a:fld id="{6CB3B594-2801-4864-9089-E42463258A4B}" type="slidenum">
+              <a:rPr lang="de-CH" smtClean="0"/>
+              <a:pPr/>
+              <a:t>4</a:t>
+            </a:fld>
+            <a:endParaRPr lang="de-CH"/>
+          </a:p>
+        </p:txBody>
+      </p:sp>
+      <p:sp>
+        <p:nvSpPr>
+          <p:cNvPr id="10" name="Bildplatzhalter 9"/>
+          <p:cNvSpPr>
+            <a:spLocks noGrp="1"/>
+          </p:cNvSpPr>
+          <p:nvPr>
+            <p:ph type="pic" sz="quarter" idx="14"/>
+          </p:nvPr>
+        </p:nvSpPr>
+        <p:spPr/>
+      </p:sp>
+    </p:spTree>
+    <p:extLst>
+      <p:ext uri="{BB962C8B-B14F-4D97-AF65-F5344CB8AC3E}">
+        <p14:creationId xmlns:p14="http://schemas.microsoft.com/office/powerpoint/2010/main" val="3767873060"/>
+      </p:ext>
+    </p:extLst>
+  </p:cSld>
+  <p:clrMapOvr>
+    <a:masterClrMapping/>
+  </p:clrMapOvr>
+  <p:timing>
+    <p:tnLst>
+      <p:par>
+        <p:cTn id="1" dur="indefinite" restart="never" nodeType="tmRoot"/>
+      </p:par>
+    </p:tnLst>
+  </p:timing>
+</p:sld>
+</file>
+
+<file path=ppt/slides/slide40.xml><?xml version="1.0" encoding="utf-8"?>
+<p:sld xmlns:a="http://schemas.openxmlformats.org/drawingml/2006/main" xmlns:r="http://schemas.openxmlformats.org/officeDocument/2006/relationships" xmlns:p="http://schemas.openxmlformats.org/presentationml/2006/main">
+  <p:cSld>
+    <p:spTree>
+      <p:nvGrpSpPr>
+        <p:cNvPr id="1" name=""/>
+        <p:cNvGrpSpPr/>
+        <p:nvPr/>
+      </p:nvGrpSpPr>
+      <p:grpSpPr>
+        <a:xfrm>
+          <a:off x="0" y="0"/>
+          <a:ext cx="0" cy="0"/>
+          <a:chOff x="0" y="0"/>
+          <a:chExt cx="0" cy="0"/>
+        </a:xfrm>
+      </p:grpSpPr>
+      <p:sp>
+        <p:nvSpPr>
+          <p:cNvPr id="2" name="Titel 1"/>
+          <p:cNvSpPr>
+            <a:spLocks noGrp="1"/>
+          </p:cNvSpPr>
+          <p:nvPr>
+            <p:ph type="title"/>
+          </p:nvPr>
+        </p:nvSpPr>
+        <p:spPr/>
+        <p:txBody>
+          <a:bodyPr/>
+          <a:lstStyle/>
+          <a:p>
+            <a:r>
+              <a:rPr lang="de-CH" smtClean="0"/>
+              <a:t>Beispiel Kreisdiagramm mit anderen Farben</a:t>
+            </a:r>
+            <a:endParaRPr lang="de-CH" dirty="0"/>
+          </a:p>
+        </p:txBody>
+      </p:sp>
+      <p:sp>
+        <p:nvSpPr>
+          <p:cNvPr id="3" name="Fußzeilenplatzhalter 2"/>
+          <p:cNvSpPr>
+            <a:spLocks noGrp="1"/>
+          </p:cNvSpPr>
+          <p:nvPr>
+            <p:ph type="ftr" sz="quarter" idx="3"/>
+          </p:nvPr>
+        </p:nvSpPr>
+        <p:spPr/>
+        <p:txBody>
+          <a:bodyPr/>
+          <a:lstStyle/>
+          <a:p>
+            <a:r>
+              <a:rPr lang="de-CH" smtClean="0"/>
+              <a:t>Bachelorarbeit, PresentationWriter, Rapperswil, 16.8.2013</a:t>
+            </a:r>
+            <a:endParaRPr lang="de-CH" dirty="0"/>
+          </a:p>
+        </p:txBody>
+      </p:sp>
+      <p:sp>
+        <p:nvSpPr>
+          <p:cNvPr id="4" name="Foliennummernplatzhalter 3"/>
+          <p:cNvSpPr>
+            <a:spLocks noGrp="1"/>
+          </p:cNvSpPr>
+          <p:nvPr>
+            <p:ph type="sldNum" sz="quarter" idx="4"/>
+          </p:nvPr>
+        </p:nvSpPr>
+        <p:spPr/>
+        <p:txBody>
+          <a:bodyPr/>
+          <a:lstStyle/>
+          <a:p>
+            <a:fld id="{6CB3B594-2801-4864-9089-E42463258A4B}" type="slidenum">
+              <a:rPr lang="de-CH" smtClean="0"/>
+              <a:pPr/>
+              <a:t>40</a:t>
+            </a:fld>
+            <a:endParaRPr lang="de-CH"/>
+          </a:p>
+        </p:txBody>
+      </p:sp>
+      <p:sp>
+        <p:nvSpPr>
+          <p:cNvPr id="9" name="Bildplatzhalter 8"/>
+          <p:cNvSpPr>
+            <a:spLocks noGrp="1"/>
+          </p:cNvSpPr>
+          <p:nvPr>
+            <p:ph type="pic" sz="quarter" idx="14"/>
+          </p:nvPr>
+        </p:nvSpPr>
+        <p:spPr/>
+      </p:sp>
+      <p:graphicFrame>
+        <p:nvGraphicFramePr>
+          <p:cNvPr id="5" name="Inhaltsplatzhalter 5"/>
+          <p:cNvGraphicFramePr>
+            <a:graphicFrameLocks/>
+          </p:cNvGraphicFramePr>
+          <p:nvPr>
+            <p:extLst>
+              <p:ext uri="{D42A27DB-BD31-4B8C-83A1-F6EECF244321}">
+                <p14:modId xmlns:p14="http://schemas.microsoft.com/office/powerpoint/2010/main" val="2982491978"/>
+              </p:ext>
+            </p:extLst>
+          </p:nvPr>
+        </p:nvGraphicFramePr>
+        <p:xfrm>
+          <a:off x="468313" y="1124744"/>
+          <a:ext cx="8207375" cy="4824412"/>
+        </p:xfrm>
+        <a:graphic>
+          <a:graphicData uri="http://schemas.openxmlformats.org/drawingml/2006/chart">
+            <c:chart xmlns:c="http://schemas.openxmlformats.org/drawingml/2006/chart" xmlns:r="http://schemas.openxmlformats.org/officeDocument/2006/relationships" r:id="rId2"/>
+          </a:graphicData>
+        </a:graphic>
+      </p:graphicFrame>
+    </p:spTree>
+    <p:extLst>
+      <p:ext uri="{BB962C8B-B14F-4D97-AF65-F5344CB8AC3E}">
+        <p14:creationId xmlns:p14="http://schemas.microsoft.com/office/powerpoint/2010/main" val="1043672304"/>
+      </p:ext>
+    </p:extLst>
+  </p:cSld>
+  <p:clrMapOvr>
+    <a:masterClrMapping/>
+  </p:clrMapOvr>
+  <p:timing>
+    <p:tnLst>
+      <p:par>
+        <p:cTn id="1" dur="indefinite" restart="never" nodeType="tmRoot"/>
+      </p:par>
+    </p:tnLst>
+  </p:timing>
+</p:sld>
+</file>
+
+<file path=ppt/slides/slide41.xml><?xml version="1.0" encoding="utf-8"?>
+<p:sld xmlns:a="http://schemas.openxmlformats.org/drawingml/2006/main" xmlns:r="http://schemas.openxmlformats.org/officeDocument/2006/relationships" xmlns:p="http://schemas.openxmlformats.org/presentationml/2006/main">
+  <p:cSld>
+    <p:spTree>
+      <p:nvGrpSpPr>
+        <p:cNvPr id="1" name=""/>
+        <p:cNvGrpSpPr/>
+        <p:nvPr/>
+      </p:nvGrpSpPr>
+      <p:grpSpPr>
+        <a:xfrm>
+          <a:off x="0" y="0"/>
+          <a:ext cx="0" cy="0"/>
+          <a:chOff x="0" y="0"/>
+          <a:chExt cx="0" cy="0"/>
+        </a:xfrm>
+      </p:grpSpPr>
+      <p:sp>
+        <p:nvSpPr>
+          <p:cNvPr id="2" name="Titel 1"/>
+          <p:cNvSpPr>
+            <a:spLocks noGrp="1"/>
+          </p:cNvSpPr>
+          <p:nvPr>
+            <p:ph type="title"/>
+          </p:nvPr>
+        </p:nvSpPr>
+        <p:spPr/>
+        <p:txBody>
+          <a:bodyPr/>
+          <a:lstStyle/>
+          <a:p>
+            <a:r>
+              <a:rPr lang="de-CH" smtClean="0"/>
+              <a:t>Inhaltsverzeichnis</a:t>
+            </a:r>
+            <a:endParaRPr lang="de-CH" dirty="0"/>
+          </a:p>
+        </p:txBody>
+      </p:sp>
+      <p:sp>
+        <p:nvSpPr>
+          <p:cNvPr id="3" name="Inhaltsplatzhalter 2"/>
+          <p:cNvSpPr>
+            <a:spLocks noGrp="1"/>
+          </p:cNvSpPr>
+          <p:nvPr>
+            <p:ph sz="quarter" idx="13"/>
+          </p:nvPr>
+        </p:nvSpPr>
+        <p:spPr/>
+        <p:txBody>
+          <a:bodyPr/>
+          <a:lstStyle/>
+          <a:p>
+            <a:r>
+              <a:rPr lang="de-CH" dirty="0" smtClean="0">
+                <a:solidFill>
+                  <a:srgbClr val="C6C7C8"/>
+                </a:solidFill>
+              </a:rPr>
+              <a:t>Textfolien</a:t>
+            </a:r>
+          </a:p>
+          <a:p>
+            <a:r>
+              <a:rPr lang="de-CH" dirty="0" smtClean="0">
+                <a:solidFill>
+                  <a:srgbClr val="C6C7C8"/>
+                </a:solidFill>
+              </a:rPr>
+              <a:t>Folien mit Bild und Tabelle</a:t>
+            </a:r>
+          </a:p>
+          <a:p>
+            <a:r>
+              <a:rPr lang="de-CH" dirty="0" smtClean="0">
+                <a:solidFill>
+                  <a:srgbClr val="C6C7C8"/>
+                </a:solidFill>
+              </a:rPr>
+              <a:t>Folien mit Diagrammen</a:t>
+            </a:r>
+          </a:p>
+          <a:p>
+            <a:r>
+              <a:rPr lang="de-CH" dirty="0" smtClean="0"/>
+              <a:t>Hausfarben und Anleitung zur Bedienung der Vorlage</a:t>
+            </a:r>
+          </a:p>
+          <a:p>
+            <a:endParaRPr lang="de-CH" dirty="0" smtClean="0"/>
+          </a:p>
+          <a:p>
+            <a:endParaRPr lang="de-CH" dirty="0" smtClean="0"/>
+          </a:p>
+          <a:p>
+            <a:endParaRPr lang="de-CH" dirty="0"/>
+          </a:p>
+        </p:txBody>
+      </p:sp>
+      <p:sp>
+        <p:nvSpPr>
+          <p:cNvPr id="4" name="Fußzeilenplatzhalter 3"/>
+          <p:cNvSpPr>
+            <a:spLocks noGrp="1"/>
+          </p:cNvSpPr>
+          <p:nvPr>
+            <p:ph type="ftr" sz="quarter" idx="3"/>
+          </p:nvPr>
+        </p:nvSpPr>
+        <p:spPr/>
+        <p:txBody>
+          <a:bodyPr/>
+          <a:lstStyle/>
+          <a:p>
+            <a:r>
+              <a:rPr lang="de-CH" smtClean="0"/>
+              <a:t>Bachelorarbeit, PresentationWriter, Rapperswil, 16.8.2013</a:t>
+            </a:r>
+            <a:endParaRPr lang="de-CH" dirty="0"/>
+          </a:p>
+        </p:txBody>
+      </p:sp>
+      <p:sp>
+        <p:nvSpPr>
+          <p:cNvPr id="5" name="Foliennummernplatzhalter 4"/>
+          <p:cNvSpPr>
+            <a:spLocks noGrp="1"/>
+          </p:cNvSpPr>
+          <p:nvPr>
+            <p:ph type="sldNum" sz="quarter" idx="4"/>
+          </p:nvPr>
+        </p:nvSpPr>
+        <p:spPr/>
+        <p:txBody>
+          <a:bodyPr/>
+          <a:lstStyle/>
+          <a:p>
+            <a:fld id="{6CB3B594-2801-4864-9089-E42463258A4B}" type="slidenum">
+              <a:rPr lang="de-CH" smtClean="0"/>
+              <a:pPr/>
+              <a:t>41</a:t>
+            </a:fld>
+            <a:endParaRPr lang="de-CH"/>
+          </a:p>
+        </p:txBody>
+      </p:sp>
+      <p:sp>
+        <p:nvSpPr>
+          <p:cNvPr id="10" name="Bildplatzhalter 9"/>
+          <p:cNvSpPr>
+            <a:spLocks noGrp="1"/>
+          </p:cNvSpPr>
+          <p:nvPr>
+            <p:ph type="pic" sz="quarter" idx="14"/>
+          </p:nvPr>
+        </p:nvSpPr>
+        <p:spPr/>
+      </p:sp>
+    </p:spTree>
+    <p:extLst>
+      <p:ext uri="{BB962C8B-B14F-4D97-AF65-F5344CB8AC3E}">
+        <p14:creationId xmlns:p14="http://schemas.microsoft.com/office/powerpoint/2010/main" val="1235909534"/>
+      </p:ext>
+    </p:extLst>
+  </p:cSld>
+  <p:clrMapOvr>
+    <a:masterClrMapping/>
+  </p:clrMapOvr>
+  <p:timing>
+    <p:tnLst>
+      <p:par>
+        <p:cTn id="1" dur="indefinite" restart="never" nodeType="tmRoot"/>
+      </p:par>
+    </p:tnLst>
+  </p:timing>
+</p:sld>
+</file>
+
+<file path=ppt/slides/slide42.xml><?xml version="1.0" encoding="utf-8"?>
+<p:sld xmlns:a="http://schemas.openxmlformats.org/drawingml/2006/main" xmlns:r="http://schemas.openxmlformats.org/officeDocument/2006/relationships" xmlns:p="http://schemas.openxmlformats.org/presentationml/2006/main">
+  <p:cSld>
+    <p:spTree>
+      <p:nvGrpSpPr>
+        <p:cNvPr id="1" name=""/>
+        <p:cNvGrpSpPr/>
+        <p:nvPr/>
+      </p:nvGrpSpPr>
+      <p:grpSpPr>
+        <a:xfrm>
+          <a:off x="0" y="0"/>
+          <a:ext cx="0" cy="0"/>
+          <a:chOff x="0" y="0"/>
+          <a:chExt cx="0" cy="0"/>
+        </a:xfrm>
+      </p:grpSpPr>
+      <p:sp>
+        <p:nvSpPr>
+          <p:cNvPr id="2" name="Titel 1"/>
+          <p:cNvSpPr>
+            <a:spLocks noGrp="1"/>
+          </p:cNvSpPr>
+          <p:nvPr>
+            <p:ph type="title"/>
+          </p:nvPr>
+        </p:nvSpPr>
+        <p:spPr/>
+        <p:txBody>
+          <a:bodyPr/>
+          <a:lstStyle/>
+          <a:p>
+            <a:r>
+              <a:rPr lang="de-CH" smtClean="0"/>
+              <a:t>Folien einfügen</a:t>
+            </a:r>
+            <a:endParaRPr lang="de-CH" dirty="0"/>
+          </a:p>
+        </p:txBody>
+      </p:sp>
+      <p:sp>
+        <p:nvSpPr>
+          <p:cNvPr id="3" name="Fußzeilenplatzhalter 2"/>
+          <p:cNvSpPr>
+            <a:spLocks noGrp="1"/>
+          </p:cNvSpPr>
+          <p:nvPr>
+            <p:ph type="ftr" sz="quarter" idx="3"/>
+          </p:nvPr>
+        </p:nvSpPr>
+        <p:spPr/>
+        <p:txBody>
+          <a:bodyPr/>
+          <a:lstStyle/>
+          <a:p>
+            <a:r>
+              <a:rPr lang="de-CH" smtClean="0"/>
+              <a:t>Bachelorarbeit, PresentationWriter, Rapperswil, 16.8.2013</a:t>
+            </a:r>
+            <a:endParaRPr lang="de-CH" dirty="0"/>
+          </a:p>
+        </p:txBody>
+      </p:sp>
+      <p:sp>
+        <p:nvSpPr>
+          <p:cNvPr id="4" name="Foliennummernplatzhalter 3"/>
+          <p:cNvSpPr>
+            <a:spLocks noGrp="1"/>
+          </p:cNvSpPr>
+          <p:nvPr>
+            <p:ph type="sldNum" sz="quarter" idx="4"/>
+          </p:nvPr>
+        </p:nvSpPr>
+        <p:spPr/>
+        <p:txBody>
+          <a:bodyPr/>
+          <a:lstStyle/>
+          <a:p>
+            <a:fld id="{6CB3B594-2801-4864-9089-E42463258A4B}" type="slidenum">
+              <a:rPr lang="de-CH" smtClean="0"/>
+              <a:pPr/>
+              <a:t>42</a:t>
             </a:fld>
             <a:endParaRPr lang="de-CH"/>
           </a:p>
@@ -12377,7 +13401,7 @@
 </p:sld>
 </file>
 
-<file path=ppt/slides/slide39.xml><?xml version="1.0" encoding="utf-8"?>
+<file path=ppt/slides/slide43.xml><?xml version="1.0" encoding="utf-8"?>
 <p:sld xmlns:a="http://schemas.openxmlformats.org/drawingml/2006/main" xmlns:r="http://schemas.openxmlformats.org/officeDocument/2006/relationships" xmlns:p="http://schemas.openxmlformats.org/presentationml/2006/main">
   <p:cSld>
     <p:spTree>
@@ -12458,7 +13482,7 @@
             <a:fld id="{6CB3B594-2801-4864-9089-E42463258A4B}" type="slidenum">
               <a:rPr lang="de-CH" smtClean="0"/>
               <a:pPr/>
-              <a:t>39</a:t>
+              <a:t>43</a:t>
             </a:fld>
             <a:endParaRPr lang="de-CH"/>
           </a:p>
@@ -13479,7 +14503,7 @@
 </p:sld>
 </file>
 
-<file path=ppt/slides/slide4.xml><?xml version="1.0" encoding="utf-8"?>
+<file path=ppt/slides/slide44.xml><?xml version="1.0" encoding="utf-8"?>
 <p:sld xmlns:a="http://schemas.openxmlformats.org/drawingml/2006/main" xmlns:r="http://schemas.openxmlformats.org/officeDocument/2006/relationships" xmlns:p="http://schemas.openxmlformats.org/presentationml/2006/main">
   <p:cSld>
     <p:spTree>
@@ -13512,8 +14536,8 @@
           <a:lstStyle/>
           <a:p>
             <a:r>
-              <a:rPr lang="de-CH" dirty="0" smtClean="0"/>
-              <a:t>Aufgabe</a:t>
+              <a:rPr lang="de-CH" smtClean="0"/>
+              <a:t>Farben verwenden</a:t>
             </a:r>
             <a:endParaRPr lang="de-CH" dirty="0"/>
           </a:p>
@@ -13521,51 +14545,7 @@
       </p:sp>
       <p:sp>
         <p:nvSpPr>
-          <p:cNvPr id="3" name="Inhaltsplatzhalter 2"/>
-          <p:cNvSpPr>
-            <a:spLocks noGrp="1"/>
-          </p:cNvSpPr>
-          <p:nvPr>
-            <p:ph sz="quarter" idx="13"/>
-          </p:nvPr>
-        </p:nvSpPr>
-        <p:spPr/>
-        <p:txBody>
-          <a:bodyPr/>
-          <a:lstStyle/>
-          <a:p>
-            <a:r>
-              <a:rPr lang="de-CH" dirty="0" smtClean="0"/>
-              <a:t>Virtuelles Whiteboard</a:t>
-            </a:r>
-            <a:endParaRPr lang="de-CH" dirty="0" smtClean="0"/>
-          </a:p>
-          <a:p>
-            <a:pPr lvl="1"/>
-            <a:r>
-              <a:rPr lang="de-CH" dirty="0" smtClean="0"/>
-              <a:t>Günstig</a:t>
-            </a:r>
-          </a:p>
-          <a:p>
-            <a:pPr lvl="1"/>
-            <a:r>
-              <a:rPr lang="de-CH" dirty="0" smtClean="0"/>
-              <a:t>Mobil</a:t>
-            </a:r>
-          </a:p>
-          <a:p>
-            <a:pPr lvl="1"/>
-            <a:r>
-              <a:rPr lang="de-CH" dirty="0" smtClean="0"/>
-              <a:t>Benutzbar</a:t>
-            </a:r>
-          </a:p>
-        </p:txBody>
-      </p:sp>
-      <p:sp>
-        <p:nvSpPr>
-          <p:cNvPr id="4" name="Fußzeilenplatzhalter 3"/>
+          <p:cNvPr id="3" name="Fußzeilenplatzhalter 2"/>
           <p:cNvSpPr>
             <a:spLocks noGrp="1"/>
           </p:cNvSpPr>
@@ -13588,7 +14568,7 @@
       </p:sp>
       <p:sp>
         <p:nvSpPr>
-          <p:cNvPr id="5" name="Foliennummernplatzhalter 4"/>
+          <p:cNvPr id="4" name="Foliennummernplatzhalter 3"/>
           <p:cNvSpPr>
             <a:spLocks noGrp="1"/>
           </p:cNvSpPr>
@@ -13604,126 +14584,7 @@
             <a:fld id="{6CB3B594-2801-4864-9089-E42463258A4B}" type="slidenum">
               <a:rPr lang="de-CH" smtClean="0"/>
               <a:pPr/>
-              <a:t>4</a:t>
-            </a:fld>
-            <a:endParaRPr lang="de-CH"/>
-          </a:p>
-        </p:txBody>
-      </p:sp>
-      <p:sp>
-        <p:nvSpPr>
-          <p:cNvPr id="10" name="Bildplatzhalter 9"/>
-          <p:cNvSpPr>
-            <a:spLocks noGrp="1"/>
-          </p:cNvSpPr>
-          <p:nvPr>
-            <p:ph type="pic" sz="quarter" idx="14"/>
-          </p:nvPr>
-        </p:nvSpPr>
-        <p:spPr/>
-      </p:sp>
-    </p:spTree>
-    <p:extLst>
-      <p:ext uri="{BB962C8B-B14F-4D97-AF65-F5344CB8AC3E}">
-        <p14:creationId xmlns:p14="http://schemas.microsoft.com/office/powerpoint/2010/main" val="3767873060"/>
-      </p:ext>
-    </p:extLst>
-  </p:cSld>
-  <p:clrMapOvr>
-    <a:masterClrMapping/>
-  </p:clrMapOvr>
-  <p:timing>
-    <p:tnLst>
-      <p:par>
-        <p:cTn id="1" dur="indefinite" restart="never" nodeType="tmRoot"/>
-      </p:par>
-    </p:tnLst>
-  </p:timing>
-</p:sld>
-</file>
-
-<file path=ppt/slides/slide40.xml><?xml version="1.0" encoding="utf-8"?>
-<p:sld xmlns:a="http://schemas.openxmlformats.org/drawingml/2006/main" xmlns:r="http://schemas.openxmlformats.org/officeDocument/2006/relationships" xmlns:p="http://schemas.openxmlformats.org/presentationml/2006/main">
-  <p:cSld>
-    <p:spTree>
-      <p:nvGrpSpPr>
-        <p:cNvPr id="1" name=""/>
-        <p:cNvGrpSpPr/>
-        <p:nvPr/>
-      </p:nvGrpSpPr>
-      <p:grpSpPr>
-        <a:xfrm>
-          <a:off x="0" y="0"/>
-          <a:ext cx="0" cy="0"/>
-          <a:chOff x="0" y="0"/>
-          <a:chExt cx="0" cy="0"/>
-        </a:xfrm>
-      </p:grpSpPr>
-      <p:sp>
-        <p:nvSpPr>
-          <p:cNvPr id="2" name="Titel 1"/>
-          <p:cNvSpPr>
-            <a:spLocks noGrp="1"/>
-          </p:cNvSpPr>
-          <p:nvPr>
-            <p:ph type="title"/>
-          </p:nvPr>
-        </p:nvSpPr>
-        <p:spPr/>
-        <p:txBody>
-          <a:bodyPr/>
-          <a:lstStyle/>
-          <a:p>
-            <a:r>
-              <a:rPr lang="de-CH" smtClean="0"/>
-              <a:t>Farben verwenden</a:t>
-            </a:r>
-            <a:endParaRPr lang="de-CH" dirty="0"/>
-          </a:p>
-        </p:txBody>
-      </p:sp>
-      <p:sp>
-        <p:nvSpPr>
-          <p:cNvPr id="3" name="Fußzeilenplatzhalter 2"/>
-          <p:cNvSpPr>
-            <a:spLocks noGrp="1"/>
-          </p:cNvSpPr>
-          <p:nvPr>
-            <p:ph type="ftr" sz="quarter" idx="3"/>
-          </p:nvPr>
-        </p:nvSpPr>
-        <p:spPr/>
-        <p:txBody>
-          <a:bodyPr/>
-          <a:lstStyle/>
-          <a:p>
-            <a:r>
-              <a:rPr lang="de-CH" smtClean="0"/>
-              <a:t>Bachelorarbeit, PresentationWriter, Rapperswil, 16.8.2013</a:t>
-            </a:r>
-            <a:endParaRPr lang="de-CH" dirty="0"/>
-          </a:p>
-        </p:txBody>
-      </p:sp>
-      <p:sp>
-        <p:nvSpPr>
-          <p:cNvPr id="4" name="Foliennummernplatzhalter 3"/>
-          <p:cNvSpPr>
-            <a:spLocks noGrp="1"/>
-          </p:cNvSpPr>
-          <p:nvPr>
-            <p:ph type="sldNum" sz="quarter" idx="4"/>
-          </p:nvPr>
-        </p:nvSpPr>
-        <p:spPr/>
-        <p:txBody>
-          <a:bodyPr/>
-          <a:lstStyle/>
-          <a:p>
-            <a:fld id="{6CB3B594-2801-4864-9089-E42463258A4B}" type="slidenum">
-              <a:rPr lang="de-CH" smtClean="0"/>
-              <a:pPr/>
-              <a:t>40</a:t>
+              <a:t>44</a:t>
             </a:fld>
             <a:endParaRPr lang="de-CH"/>
           </a:p>
@@ -14464,7 +15325,7 @@
 </p:sld>
 </file>
 
-<file path=ppt/slides/slide41.xml><?xml version="1.0" encoding="utf-8"?>
+<file path=ppt/slides/slide45.xml><?xml version="1.0" encoding="utf-8"?>
 <p:sld xmlns:a="http://schemas.openxmlformats.org/drawingml/2006/main" xmlns:r="http://schemas.openxmlformats.org/officeDocument/2006/relationships" xmlns:p="http://schemas.openxmlformats.org/presentationml/2006/main">
   <p:cSld>
     <p:spTree>
@@ -14545,7 +15406,7 @@
             <a:fld id="{6CB3B594-2801-4864-9089-E42463258A4B}" type="slidenum">
               <a:rPr lang="de-CH" smtClean="0"/>
               <a:pPr/>
-              <a:t>41</a:t>
+              <a:t>45</a:t>
             </a:fld>
             <a:endParaRPr lang="de-CH"/>
           </a:p>
@@ -15001,11 +15862,6 @@
               </a:rPr>
               <a:t>Software</a:t>
             </a:r>
-            <a:endParaRPr lang="de-CH" dirty="0" smtClean="0">
-              <a:solidFill>
-                <a:srgbClr val="C6C7C8"/>
-              </a:solidFill>
-            </a:endParaRPr>
           </a:p>
           <a:p>
             <a:r>
@@ -15026,11 +15882,6 @@
               </a:rPr>
               <a:t>Potential</a:t>
             </a:r>
-            <a:endParaRPr lang="de-CH" dirty="0" smtClean="0">
-              <a:solidFill>
-                <a:srgbClr val="C6C7C8"/>
-              </a:solidFill>
-            </a:endParaRPr>
           </a:p>
           <a:p>
             <a:r>
@@ -15041,11 +15892,6 @@
               </a:rPr>
               <a:t>Fazit</a:t>
             </a:r>
-            <a:endParaRPr lang="de-CH" dirty="0" smtClean="0">
-              <a:solidFill>
-                <a:srgbClr val="C6C7C8"/>
-              </a:solidFill>
-            </a:endParaRPr>
           </a:p>
           <a:p>
             <a:endParaRPr lang="de-CH" dirty="0" smtClean="0"/>
@@ -15196,7 +16042,6 @@
               <a:rPr lang="de-CH" dirty="0" smtClean="0"/>
               <a:t>Setup</a:t>
             </a:r>
-            <a:endParaRPr lang="de-CH" dirty="0" smtClean="0"/>
           </a:p>
           <a:p>
             <a:pPr lvl="1"/>
@@ -15408,7 +16253,6 @@
               <a:rPr lang="de-CH" dirty="0" smtClean="0"/>
               <a:t>Abfilmen</a:t>
             </a:r>
-            <a:endParaRPr lang="de-CH" dirty="0" smtClean="0"/>
           </a:p>
           <a:p>
             <a:r>
@@ -15528,7 +16372,7 @@
       </p:grpSpPr>
       <p:sp>
         <p:nvSpPr>
-          <p:cNvPr id="2" name="Titel 1"/>
+          <p:cNvPr id="2" name="Title 1"/>
           <p:cNvSpPr>
             <a:spLocks noGrp="1"/>
           </p:cNvSpPr>
@@ -15542,149 +16386,111 @@
           <a:lstStyle/>
           <a:p>
             <a:r>
-              <a:rPr lang="de-CH" smtClean="0"/>
-              <a:t>Inhaltsverzeichnis</a:t>
+              <a:rPr lang="de-CH" dirty="0" smtClean="0"/>
+              <a:t>Evaluation</a:t>
+            </a:r>
+            <a:endParaRPr lang="en-US" dirty="0"/>
+          </a:p>
+        </p:txBody>
+      </p:sp>
+      <p:sp>
+        <p:nvSpPr>
+          <p:cNvPr id="3" name="Content Placeholder 2"/>
+          <p:cNvSpPr>
+            <a:spLocks noGrp="1"/>
+          </p:cNvSpPr>
+          <p:nvPr>
+            <p:ph sz="quarter" idx="13"/>
+          </p:nvPr>
+        </p:nvSpPr>
+        <p:spPr/>
+        <p:txBody>
+          <a:bodyPr/>
+          <a:lstStyle/>
+          <a:p>
+            <a:r>
+              <a:rPr lang="de-CH" dirty="0"/>
+              <a:t>Technologien</a:t>
+            </a:r>
+          </a:p>
+          <a:p>
+            <a:pPr lvl="1"/>
+            <a:r>
+              <a:rPr lang="de-CH" dirty="0"/>
+              <a:t>.Net wegen Möglichkeiten und Einfachheit</a:t>
+            </a:r>
+          </a:p>
+          <a:p>
+            <a:pPr lvl="1"/>
+            <a:r>
+              <a:rPr lang="de-CH" dirty="0" err="1"/>
+              <a:t>Aforge</a:t>
+            </a:r>
+            <a:r>
+              <a:rPr lang="de-CH" dirty="0"/>
+              <a:t> wegen Dokumentation</a:t>
+            </a:r>
+          </a:p>
+          <a:p>
+            <a:pPr lvl="1"/>
+            <a:r>
+              <a:rPr lang="de-CH" dirty="0"/>
+              <a:t>Performance war kein wichtiges Kriterium</a:t>
+            </a:r>
+          </a:p>
+          <a:p>
+            <a:r>
+              <a:rPr lang="de-CH" dirty="0"/>
+              <a:t>Hardware</a:t>
+            </a:r>
+          </a:p>
+          <a:p>
+            <a:pPr lvl="1"/>
+            <a:r>
+              <a:rPr lang="de-CH" dirty="0"/>
+              <a:t>Nutzung vorhandener Geräte</a:t>
+            </a:r>
+          </a:p>
+          <a:p>
+            <a:pPr lvl="1"/>
+            <a:r>
+              <a:rPr lang="de-CH" dirty="0"/>
+              <a:t>Sichtbares Licht mit weisser LED Lampe</a:t>
+            </a:r>
+          </a:p>
+          <a:p>
+            <a:r>
+              <a:rPr lang="de-CH" dirty="0"/>
+              <a:t>Algorithmen</a:t>
+            </a:r>
+          </a:p>
+          <a:p>
+            <a:pPr lvl="1"/>
+            <a:r>
+              <a:rPr lang="de-CH" dirty="0"/>
+              <a:t>Diverse Versuche für Kalibration und Erkennung</a:t>
+            </a:r>
+          </a:p>
+          <a:p>
+            <a:pPr lvl="1"/>
+            <a:r>
+              <a:rPr lang="de-CH" dirty="0"/>
+              <a:t>Mapping von Bildkoordinaten zu </a:t>
+            </a:r>
+            <a:r>
+              <a:rPr lang="de-CH" dirty="0" err="1"/>
+              <a:t>ursprungkoordinaten</a:t>
             </a:r>
             <a:endParaRPr lang="de-CH" dirty="0"/>
           </a:p>
-        </p:txBody>
-      </p:sp>
-      <p:sp>
-        <p:nvSpPr>
-          <p:cNvPr id="3" name="Inhaltsplatzhalter 2"/>
-          <p:cNvSpPr>
-            <a:spLocks noGrp="1"/>
-          </p:cNvSpPr>
-          <p:nvPr>
-            <p:ph sz="quarter" idx="13"/>
-          </p:nvPr>
-        </p:nvSpPr>
-        <p:spPr/>
-        <p:txBody>
-          <a:bodyPr/>
-          <a:lstStyle/>
-          <a:p>
-            <a:r>
-              <a:rPr lang="de-CH" dirty="0" smtClean="0">
-                <a:solidFill>
-                  <a:srgbClr val="C6C7C8"/>
-                </a:solidFill>
-              </a:rPr>
-              <a:t>Aufgabe</a:t>
-            </a:r>
-          </a:p>
-          <a:p>
-            <a:r>
-              <a:rPr lang="de-CH" dirty="0" smtClean="0">
-                <a:solidFill>
-                  <a:srgbClr val="C6C7C8"/>
-                </a:solidFill>
-              </a:rPr>
-              <a:t>Analyse</a:t>
-            </a:r>
-          </a:p>
-          <a:p>
-            <a:r>
-              <a:rPr lang="de-CH" dirty="0" smtClean="0">
-                <a:solidFill>
-                  <a:srgbClr val="1A171B"/>
-                </a:solidFill>
-              </a:rPr>
-              <a:t>Lösungsansätze</a:t>
-            </a:r>
-          </a:p>
-          <a:p>
-            <a:pPr lvl="1"/>
-            <a:r>
-              <a:rPr lang="de-CH" dirty="0" smtClean="0">
-                <a:solidFill>
-                  <a:srgbClr val="1A171B"/>
-                </a:solidFill>
-              </a:rPr>
-              <a:t>Kalibrierung</a:t>
-            </a:r>
-          </a:p>
-          <a:p>
-            <a:pPr lvl="1"/>
-            <a:r>
-              <a:rPr lang="de-CH" dirty="0" smtClean="0">
-                <a:solidFill>
-                  <a:srgbClr val="1A171B"/>
-                </a:solidFill>
-              </a:rPr>
-              <a:t>Stift finden</a:t>
-            </a:r>
-          </a:p>
-          <a:p>
-            <a:pPr lvl="1"/>
-            <a:r>
-              <a:rPr lang="de-CH" dirty="0" smtClean="0">
-                <a:solidFill>
-                  <a:srgbClr val="1A171B"/>
-                </a:solidFill>
-              </a:rPr>
-              <a:t>Software</a:t>
-            </a:r>
-            <a:endParaRPr lang="de-CH" dirty="0" smtClean="0">
-              <a:solidFill>
-                <a:srgbClr val="1A171B"/>
-              </a:solidFill>
-            </a:endParaRPr>
-          </a:p>
-          <a:p>
-            <a:r>
-              <a:rPr lang="de-CH" dirty="0" smtClean="0">
-                <a:solidFill>
-                  <a:srgbClr val="C6C7C8"/>
-                </a:solidFill>
-              </a:rPr>
-              <a:t>Ergebnis</a:t>
-            </a:r>
-          </a:p>
-          <a:p>
-            <a:r>
-              <a:rPr lang="de-CH" dirty="0" smtClean="0">
-                <a:solidFill>
-                  <a:srgbClr val="C6C7C8"/>
-                </a:solidFill>
-              </a:rPr>
-              <a:t>Potential</a:t>
-            </a:r>
-            <a:endParaRPr lang="de-CH" dirty="0" smtClean="0">
-              <a:solidFill>
-                <a:srgbClr val="C6C7C8"/>
-              </a:solidFill>
-            </a:endParaRPr>
-          </a:p>
-          <a:p>
-            <a:r>
-              <a:rPr lang="de-CH" dirty="0" smtClean="0">
-                <a:solidFill>
-                  <a:srgbClr val="C6C7C8"/>
-                </a:solidFill>
-              </a:rPr>
-              <a:t>Fazit</a:t>
-            </a:r>
-            <a:endParaRPr lang="de-CH" dirty="0" smtClean="0">
-              <a:solidFill>
-                <a:srgbClr val="C6C7C8"/>
-              </a:solidFill>
-            </a:endParaRPr>
-          </a:p>
-          <a:p>
-            <a:endParaRPr lang="de-CH" dirty="0" smtClean="0"/>
-          </a:p>
-          <a:p>
-            <a:endParaRPr lang="de-CH" dirty="0" smtClean="0"/>
-          </a:p>
-          <a:p>
-            <a:endParaRPr lang="de-CH" dirty="0"/>
-          </a:p>
-        </p:txBody>
-      </p:sp>
-      <p:sp>
-        <p:nvSpPr>
-          <p:cNvPr id="4" name="Fußzeilenplatzhalter 3"/>
+          <a:p>
+            <a:endParaRPr lang="en-US" dirty="0"/>
+          </a:p>
+        </p:txBody>
+      </p:sp>
+      <p:sp>
+        <p:nvSpPr>
+          <p:cNvPr id="4" name="Footer Placeholder 3"/>
           <p:cNvSpPr>
             <a:spLocks noGrp="1"/>
           </p:cNvSpPr>
@@ -15707,7 +16513,7 @@
       </p:sp>
       <p:sp>
         <p:nvSpPr>
-          <p:cNvPr id="5" name="Foliennummernplatzhalter 4"/>
+          <p:cNvPr id="5" name="Slide Number Placeholder 4"/>
           <p:cNvSpPr>
             <a:spLocks noGrp="1"/>
           </p:cNvSpPr>
@@ -15731,7 +16537,7 @@
       </p:sp>
       <p:sp>
         <p:nvSpPr>
-          <p:cNvPr id="10" name="Bildplatzhalter 9"/>
+          <p:cNvPr id="6" name="Picture Placeholder 5"/>
           <p:cNvSpPr>
             <a:spLocks noGrp="1"/>
           </p:cNvSpPr>
@@ -15744,20 +16550,13 @@
     </p:spTree>
     <p:extLst>
       <p:ext uri="{BB962C8B-B14F-4D97-AF65-F5344CB8AC3E}">
-        <p14:creationId xmlns:p14="http://schemas.microsoft.com/office/powerpoint/2010/main" val="593709310"/>
+        <p14:creationId xmlns:p14="http://schemas.microsoft.com/office/powerpoint/2010/main" val="2923741541"/>
       </p:ext>
     </p:extLst>
   </p:cSld>
   <p:clrMapOvr>
     <a:masterClrMapping/>
   </p:clrMapOvr>
-  <p:timing>
-    <p:tnLst>
-      <p:par>
-        <p:cTn id="1" dur="indefinite" restart="never" nodeType="tmRoot"/>
-      </p:par>
-    </p:tnLst>
-  </p:timing>
 </p:sld>
 </file>
 
@@ -15794,59 +16593,128 @@
           <a:lstStyle/>
           <a:p>
             <a:r>
-              <a:rPr lang="de-CH" dirty="0" smtClean="0"/>
+              <a:rPr lang="de-CH" smtClean="0"/>
+              <a:t>Inhaltsverzeichnis</a:t>
+            </a:r>
+            <a:endParaRPr lang="de-CH" dirty="0"/>
+          </a:p>
+        </p:txBody>
+      </p:sp>
+      <p:sp>
+        <p:nvSpPr>
+          <p:cNvPr id="3" name="Inhaltsplatzhalter 2"/>
+          <p:cNvSpPr>
+            <a:spLocks noGrp="1"/>
+          </p:cNvSpPr>
+          <p:nvPr>
+            <p:ph sz="quarter" idx="13"/>
+          </p:nvPr>
+        </p:nvSpPr>
+        <p:spPr/>
+        <p:txBody>
+          <a:bodyPr/>
+          <a:lstStyle/>
+          <a:p>
+            <a:r>
+              <a:rPr lang="de-CH" dirty="0" smtClean="0">
+                <a:solidFill>
+                  <a:srgbClr val="C6C7C8"/>
+                </a:solidFill>
+              </a:rPr>
+              <a:t>Aufgabe</a:t>
+            </a:r>
+          </a:p>
+          <a:p>
+            <a:r>
+              <a:rPr lang="de-CH" dirty="0" smtClean="0">
+                <a:solidFill>
+                  <a:srgbClr val="C6C7C8"/>
+                </a:solidFill>
+              </a:rPr>
+              <a:t>Analyse</a:t>
+            </a:r>
+          </a:p>
+          <a:p>
+            <a:r>
+              <a:rPr lang="de-CH" dirty="0" smtClean="0">
+                <a:solidFill>
+                  <a:srgbClr val="1A171B"/>
+                </a:solidFill>
+              </a:rPr>
               <a:t>Lösungsansätze</a:t>
             </a:r>
+          </a:p>
+          <a:p>
+            <a:pPr lvl="1"/>
+            <a:r>
+              <a:rPr lang="de-CH" dirty="0" smtClean="0">
+                <a:solidFill>
+                  <a:srgbClr val="1A171B"/>
+                </a:solidFill>
+              </a:rPr>
+              <a:t>Kalibrierung</a:t>
+            </a:r>
+          </a:p>
+          <a:p>
+            <a:pPr lvl="1"/>
+            <a:r>
+              <a:rPr lang="de-CH" dirty="0" smtClean="0">
+                <a:solidFill>
+                  <a:srgbClr val="1A171B"/>
+                </a:solidFill>
+              </a:rPr>
+              <a:t>Stift finden</a:t>
+            </a:r>
+          </a:p>
+          <a:p>
+            <a:pPr lvl="1"/>
+            <a:r>
+              <a:rPr lang="de-CH" dirty="0" smtClean="0">
+                <a:solidFill>
+                  <a:srgbClr val="1A171B"/>
+                </a:solidFill>
+              </a:rPr>
+              <a:t>Software</a:t>
+            </a:r>
+          </a:p>
+          <a:p>
+            <a:r>
+              <a:rPr lang="de-CH" dirty="0" smtClean="0">
+                <a:solidFill>
+                  <a:srgbClr val="C6C7C8"/>
+                </a:solidFill>
+              </a:rPr>
+              <a:t>Ergebnis</a:t>
+            </a:r>
+          </a:p>
+          <a:p>
+            <a:r>
+              <a:rPr lang="de-CH" dirty="0" smtClean="0">
+                <a:solidFill>
+                  <a:srgbClr val="C6C7C8"/>
+                </a:solidFill>
+              </a:rPr>
+              <a:t>Potential</a:t>
+            </a:r>
+          </a:p>
+          <a:p>
+            <a:r>
+              <a:rPr lang="de-CH" dirty="0" smtClean="0">
+                <a:solidFill>
+                  <a:srgbClr val="C6C7C8"/>
+                </a:solidFill>
+              </a:rPr>
+              <a:t>Fazit</a:t>
+            </a:r>
+          </a:p>
+          <a:p>
+            <a:endParaRPr lang="de-CH" dirty="0" smtClean="0"/>
+          </a:p>
+          <a:p>
+            <a:endParaRPr lang="de-CH" dirty="0" smtClean="0"/>
+          </a:p>
+          <a:p>
             <a:endParaRPr lang="de-CH" dirty="0"/>
-          </a:p>
-        </p:txBody>
-      </p:sp>
-      <p:sp>
-        <p:nvSpPr>
-          <p:cNvPr id="3" name="Inhaltsplatzhalter 2"/>
-          <p:cNvSpPr>
-            <a:spLocks noGrp="1"/>
-          </p:cNvSpPr>
-          <p:nvPr>
-            <p:ph sz="quarter" idx="13"/>
-          </p:nvPr>
-        </p:nvSpPr>
-        <p:spPr/>
-        <p:txBody>
-          <a:bodyPr/>
-          <a:lstStyle/>
-          <a:p>
-            <a:r>
-              <a:rPr lang="de-CH" dirty="0" smtClean="0"/>
-              <a:t>Kalibrieren</a:t>
-            </a:r>
-          </a:p>
-          <a:p>
-            <a:r>
-              <a:rPr lang="de-CH" dirty="0" smtClean="0"/>
-              <a:t>Stift finden</a:t>
-            </a:r>
-          </a:p>
-          <a:p>
-            <a:r>
-              <a:rPr lang="de-CH" dirty="0" smtClean="0"/>
-              <a:t>Stiftposition weiterverwenden</a:t>
-            </a:r>
-          </a:p>
-          <a:p>
-            <a:r>
-              <a:rPr lang="de-CH" dirty="0" smtClean="0"/>
-              <a:t>(</a:t>
-            </a:r>
-            <a:r>
-              <a:rPr lang="de-CH" dirty="0" err="1" smtClean="0"/>
-              <a:t>Rekalibrieren</a:t>
-            </a:r>
-            <a:r>
-              <a:rPr lang="de-CH" dirty="0" smtClean="0"/>
-              <a:t>)</a:t>
-            </a:r>
-            <a:endParaRPr lang="de-CH" dirty="0" smtClean="0"/>
           </a:p>
         </p:txBody>
       </p:sp>
@@ -15909,80 +16777,10 @@
         </p:nvSpPr>
         <p:spPr/>
       </p:sp>
-      <p:cxnSp>
-        <p:nvCxnSpPr>
-          <p:cNvPr id="7" name="Gekrümmte Verbindung 6"/>
-          <p:cNvCxnSpPr/>
-          <p:nvPr/>
-        </p:nvCxnSpPr>
-        <p:spPr>
-          <a:xfrm rot="10800000">
-            <a:off x="3635896" y="1822324"/>
-            <a:ext cx="720080" cy="432048"/>
-          </a:xfrm>
-          <a:prstGeom prst="curvedConnector3">
-            <a:avLst>
-              <a:gd name="adj1" fmla="val -56054"/>
-            </a:avLst>
-          </a:prstGeom>
-          <a:ln>
-            <a:tailEnd type="arrow"/>
-          </a:ln>
-        </p:spPr>
-        <p:style>
-          <a:lnRef idx="1">
-            <a:schemeClr val="accent1"/>
-          </a:lnRef>
-          <a:fillRef idx="0">
-            <a:schemeClr val="accent1"/>
-          </a:fillRef>
-          <a:effectRef idx="0">
-            <a:schemeClr val="accent1"/>
-          </a:effectRef>
-          <a:fontRef idx="minor">
-            <a:schemeClr val="tx1"/>
-          </a:fontRef>
-        </p:style>
-      </p:cxnSp>
-      <p:cxnSp>
-        <p:nvCxnSpPr>
-          <p:cNvPr id="32" name="Gekrümmte Verbindung 31"/>
-          <p:cNvCxnSpPr/>
-          <p:nvPr/>
-        </p:nvCxnSpPr>
-        <p:spPr>
-          <a:xfrm>
-            <a:off x="251520" y="1822324"/>
-            <a:ext cx="447195" cy="432048"/>
-          </a:xfrm>
-          <a:prstGeom prst="curvedConnector3">
-            <a:avLst>
-              <a:gd name="adj1" fmla="val -30891"/>
-            </a:avLst>
-          </a:prstGeom>
-          <a:ln>
-            <a:tailEnd type="arrow"/>
-          </a:ln>
-        </p:spPr>
-        <p:style>
-          <a:lnRef idx="1">
-            <a:schemeClr val="accent1"/>
-          </a:lnRef>
-          <a:fillRef idx="0">
-            <a:schemeClr val="accent1"/>
-          </a:fillRef>
-          <a:effectRef idx="0">
-            <a:schemeClr val="accent1"/>
-          </a:effectRef>
-          <a:fontRef idx="minor">
-            <a:schemeClr val="tx1"/>
-          </a:fontRef>
-        </p:style>
-      </p:cxnSp>
     </p:spTree>
     <p:extLst>
       <p:ext uri="{BB962C8B-B14F-4D97-AF65-F5344CB8AC3E}">
-        <p14:creationId xmlns:p14="http://schemas.microsoft.com/office/powerpoint/2010/main" val="3524680544"/>
+        <p14:creationId xmlns:p14="http://schemas.microsoft.com/office/powerpoint/2010/main" val="593709310"/>
       </p:ext>
     </p:extLst>
   </p:cSld>
